--- a/rn580_sys-nutanix/rn58x_ntx-concepts-gfx/ntx-build-concepts-gf-20250101b.pptx
+++ b/rn580_sys-nutanix/rn58x_ntx-concepts-gfx/ntx-build-concepts-gf-20250101b.pptx
@@ -4,8 +4,12 @@
   <p:sldMasterIdLst>
     <p:sldMasterId id="2147483648" r:id="rId1"/>
   </p:sldMasterIdLst>
+  <p:notesMasterIdLst>
+    <p:notesMasterId r:id="rId4"/>
+  </p:notesMasterIdLst>
   <p:sldIdLst>
     <p:sldId id="256" r:id="rId2"/>
+    <p:sldId id="257" r:id="rId3"/>
   </p:sldIdLst>
   <p:sldSz cx="12192000" cy="6858000"/>
   <p:notesSz cx="6858000" cy="9144000"/>
@@ -105,6 +109,439 @@
     </a:lvl9pPr>
   </p:defaultTextStyle>
 </p:presentation>
+</file>
+
+<file path=ppt/notesMasters/notesMaster1.xml><?xml version="1.0" encoding="utf-8"?>
+<p:notesMaster xmlns:a="http://schemas.openxmlformats.org/drawingml/2006/main" xmlns:r="http://schemas.openxmlformats.org/officeDocument/2006/relationships" xmlns:p="http://schemas.openxmlformats.org/presentationml/2006/main">
+  <p:cSld>
+    <p:bg>
+      <p:bgRef idx="1001">
+        <a:schemeClr val="bg1"/>
+      </p:bgRef>
+    </p:bg>
+    <p:spTree>
+      <p:nvGrpSpPr>
+        <p:cNvPr id="1" name=""/>
+        <p:cNvGrpSpPr/>
+        <p:nvPr/>
+      </p:nvGrpSpPr>
+      <p:grpSpPr>
+        <a:xfrm>
+          <a:off x="0" y="0"/>
+          <a:ext cx="0" cy="0"/>
+          <a:chOff x="0" y="0"/>
+          <a:chExt cx="0" cy="0"/>
+        </a:xfrm>
+      </p:grpSpPr>
+      <p:sp>
+        <p:nvSpPr>
+          <p:cNvPr id="2" name="Header Placeholder 1"/>
+          <p:cNvSpPr>
+            <a:spLocks noGrp="1"/>
+          </p:cNvSpPr>
+          <p:nvPr>
+            <p:ph type="hdr" sz="quarter"/>
+          </p:nvPr>
+        </p:nvSpPr>
+        <p:spPr>
+          <a:xfrm>
+            <a:off x="0" y="0"/>
+            <a:ext cx="2971800" cy="458788"/>
+          </a:xfrm>
+          <a:prstGeom prst="rect">
+            <a:avLst/>
+          </a:prstGeom>
+        </p:spPr>
+        <p:txBody>
+          <a:bodyPr vert="horz" lIns="91440" tIns="45720" rIns="91440" bIns="45720" rtlCol="0"/>
+          <a:lstStyle>
+            <a:lvl1pPr algn="l">
+              <a:defRPr sz="1200"/>
+            </a:lvl1pPr>
+          </a:lstStyle>
+          <a:p>
+            <a:endParaRPr lang="en-US"/>
+          </a:p>
+        </p:txBody>
+      </p:sp>
+      <p:sp>
+        <p:nvSpPr>
+          <p:cNvPr id="3" name="Date Placeholder 2"/>
+          <p:cNvSpPr>
+            <a:spLocks noGrp="1"/>
+          </p:cNvSpPr>
+          <p:nvPr>
+            <p:ph type="dt" idx="1"/>
+          </p:nvPr>
+        </p:nvSpPr>
+        <p:spPr>
+          <a:xfrm>
+            <a:off x="3884613" y="0"/>
+            <a:ext cx="2971800" cy="458788"/>
+          </a:xfrm>
+          <a:prstGeom prst="rect">
+            <a:avLst/>
+          </a:prstGeom>
+        </p:spPr>
+        <p:txBody>
+          <a:bodyPr vert="horz" lIns="91440" tIns="45720" rIns="91440" bIns="45720" rtlCol="0"/>
+          <a:lstStyle>
+            <a:lvl1pPr algn="r">
+              <a:defRPr sz="1200"/>
+            </a:lvl1pPr>
+          </a:lstStyle>
+          <a:p>
+            <a:fld id="{AD650B78-DD42-3944-B976-B33A3BF2D301}" type="datetimeFigureOut">
+              <a:rPr lang="en-US" smtClean="0"/>
+              <a:t>1/3/25</a:t>
+            </a:fld>
+            <a:endParaRPr lang="en-US"/>
+          </a:p>
+        </p:txBody>
+      </p:sp>
+      <p:sp>
+        <p:nvSpPr>
+          <p:cNvPr id="4" name="Slide Image Placeholder 3"/>
+          <p:cNvSpPr>
+            <a:spLocks noGrp="1" noRot="1" noChangeAspect="1"/>
+          </p:cNvSpPr>
+          <p:nvPr>
+            <p:ph type="sldImg" idx="2"/>
+          </p:nvPr>
+        </p:nvSpPr>
+        <p:spPr>
+          <a:xfrm>
+            <a:off x="685800" y="1143000"/>
+            <a:ext cx="5486400" cy="3086100"/>
+          </a:xfrm>
+          <a:prstGeom prst="rect">
+            <a:avLst/>
+          </a:prstGeom>
+          <a:noFill/>
+          <a:ln w="12700">
+            <a:solidFill>
+              <a:prstClr val="black"/>
+            </a:solidFill>
+          </a:ln>
+        </p:spPr>
+        <p:txBody>
+          <a:bodyPr vert="horz" lIns="91440" tIns="45720" rIns="91440" bIns="45720" rtlCol="0" anchor="ctr"/>
+          <a:lstStyle/>
+          <a:p>
+            <a:endParaRPr lang="en-US"/>
+          </a:p>
+        </p:txBody>
+      </p:sp>
+      <p:sp>
+        <p:nvSpPr>
+          <p:cNvPr id="5" name="Notes Placeholder 4"/>
+          <p:cNvSpPr>
+            <a:spLocks noGrp="1"/>
+          </p:cNvSpPr>
+          <p:nvPr>
+            <p:ph type="body" sz="quarter" idx="3"/>
+          </p:nvPr>
+        </p:nvSpPr>
+        <p:spPr>
+          <a:xfrm>
+            <a:off x="685800" y="4400550"/>
+            <a:ext cx="5486400" cy="3600450"/>
+          </a:xfrm>
+          <a:prstGeom prst="rect">
+            <a:avLst/>
+          </a:prstGeom>
+        </p:spPr>
+        <p:txBody>
+          <a:bodyPr vert="horz" lIns="91440" tIns="45720" rIns="91440" bIns="45720" rtlCol="0"/>
+          <a:lstStyle/>
+          <a:p>
+            <a:pPr lvl="0"/>
+            <a:r>
+              <a:rPr lang="en-US"/>
+              <a:t>Click to edit Master text styles</a:t>
+            </a:r>
+          </a:p>
+          <a:p>
+            <a:pPr lvl="1"/>
+            <a:r>
+              <a:rPr lang="en-US"/>
+              <a:t>Second level</a:t>
+            </a:r>
+          </a:p>
+          <a:p>
+            <a:pPr lvl="2"/>
+            <a:r>
+              <a:rPr lang="en-US"/>
+              <a:t>Third level</a:t>
+            </a:r>
+          </a:p>
+          <a:p>
+            <a:pPr lvl="3"/>
+            <a:r>
+              <a:rPr lang="en-US"/>
+              <a:t>Fourth level</a:t>
+            </a:r>
+          </a:p>
+          <a:p>
+            <a:pPr lvl="4"/>
+            <a:r>
+              <a:rPr lang="en-US"/>
+              <a:t>Fifth level</a:t>
+            </a:r>
+          </a:p>
+        </p:txBody>
+      </p:sp>
+      <p:sp>
+        <p:nvSpPr>
+          <p:cNvPr id="6" name="Footer Placeholder 5"/>
+          <p:cNvSpPr>
+            <a:spLocks noGrp="1"/>
+          </p:cNvSpPr>
+          <p:nvPr>
+            <p:ph type="ftr" sz="quarter" idx="4"/>
+          </p:nvPr>
+        </p:nvSpPr>
+        <p:spPr>
+          <a:xfrm>
+            <a:off x="0" y="8685213"/>
+            <a:ext cx="2971800" cy="458787"/>
+          </a:xfrm>
+          <a:prstGeom prst="rect">
+            <a:avLst/>
+          </a:prstGeom>
+        </p:spPr>
+        <p:txBody>
+          <a:bodyPr vert="horz" lIns="91440" tIns="45720" rIns="91440" bIns="45720" rtlCol="0" anchor="b"/>
+          <a:lstStyle>
+            <a:lvl1pPr algn="l">
+              <a:defRPr sz="1200"/>
+            </a:lvl1pPr>
+          </a:lstStyle>
+          <a:p>
+            <a:endParaRPr lang="en-US"/>
+          </a:p>
+        </p:txBody>
+      </p:sp>
+      <p:sp>
+        <p:nvSpPr>
+          <p:cNvPr id="7" name="Slide Number Placeholder 6"/>
+          <p:cNvSpPr>
+            <a:spLocks noGrp="1"/>
+          </p:cNvSpPr>
+          <p:nvPr>
+            <p:ph type="sldNum" sz="quarter" idx="5"/>
+          </p:nvPr>
+        </p:nvSpPr>
+        <p:spPr>
+          <a:xfrm>
+            <a:off x="3884613" y="8685213"/>
+            <a:ext cx="2971800" cy="458787"/>
+          </a:xfrm>
+          <a:prstGeom prst="rect">
+            <a:avLst/>
+          </a:prstGeom>
+        </p:spPr>
+        <p:txBody>
+          <a:bodyPr vert="horz" lIns="91440" tIns="45720" rIns="91440" bIns="45720" rtlCol="0" anchor="b"/>
+          <a:lstStyle>
+            <a:lvl1pPr algn="r">
+              <a:defRPr sz="1200"/>
+            </a:lvl1pPr>
+          </a:lstStyle>
+          <a:p>
+            <a:fld id="{D8B98FB4-FD7C-914C-ACC7-330CB1A312FB}" type="slidenum">
+              <a:rPr lang="en-US" smtClean="0"/>
+              <a:t>‹#›</a:t>
+            </a:fld>
+            <a:endParaRPr lang="en-US"/>
+          </a:p>
+        </p:txBody>
+      </p:sp>
+    </p:spTree>
+    <p:extLst>
+      <p:ext uri="{BB962C8B-B14F-4D97-AF65-F5344CB8AC3E}">
+        <p14:creationId xmlns:p14="http://schemas.microsoft.com/office/powerpoint/2010/main" val="2194469160"/>
+      </p:ext>
+    </p:extLst>
+  </p:cSld>
+  <p:clrMap bg1="lt1" tx1="dk1" bg2="lt2" tx2="dk2" accent1="accent1" accent2="accent2" accent3="accent3" accent4="accent4" accent5="accent5" accent6="accent6" hlink="hlink" folHlink="folHlink"/>
+  <p:notesStyle>
+    <a:lvl1pPr marL="0" algn="l" defTabSz="914400" rtl="0" eaLnBrk="1" latinLnBrk="0" hangingPunct="1">
+      <a:defRPr sz="1200" kern="1200">
+        <a:solidFill>
+          <a:schemeClr val="tx1"/>
+        </a:solidFill>
+        <a:latin typeface="+mn-lt"/>
+        <a:ea typeface="+mn-ea"/>
+        <a:cs typeface="+mn-cs"/>
+      </a:defRPr>
+    </a:lvl1pPr>
+    <a:lvl2pPr marL="457200" algn="l" defTabSz="914400" rtl="0" eaLnBrk="1" latinLnBrk="0" hangingPunct="1">
+      <a:defRPr sz="1200" kern="1200">
+        <a:solidFill>
+          <a:schemeClr val="tx1"/>
+        </a:solidFill>
+        <a:latin typeface="+mn-lt"/>
+        <a:ea typeface="+mn-ea"/>
+        <a:cs typeface="+mn-cs"/>
+      </a:defRPr>
+    </a:lvl2pPr>
+    <a:lvl3pPr marL="914400" algn="l" defTabSz="914400" rtl="0" eaLnBrk="1" latinLnBrk="0" hangingPunct="1">
+      <a:defRPr sz="1200" kern="1200">
+        <a:solidFill>
+          <a:schemeClr val="tx1"/>
+        </a:solidFill>
+        <a:latin typeface="+mn-lt"/>
+        <a:ea typeface="+mn-ea"/>
+        <a:cs typeface="+mn-cs"/>
+      </a:defRPr>
+    </a:lvl3pPr>
+    <a:lvl4pPr marL="1371600" algn="l" defTabSz="914400" rtl="0" eaLnBrk="1" latinLnBrk="0" hangingPunct="1">
+      <a:defRPr sz="1200" kern="1200">
+        <a:solidFill>
+          <a:schemeClr val="tx1"/>
+        </a:solidFill>
+        <a:latin typeface="+mn-lt"/>
+        <a:ea typeface="+mn-ea"/>
+        <a:cs typeface="+mn-cs"/>
+      </a:defRPr>
+    </a:lvl4pPr>
+    <a:lvl5pPr marL="1828800" algn="l" defTabSz="914400" rtl="0" eaLnBrk="1" latinLnBrk="0" hangingPunct="1">
+      <a:defRPr sz="1200" kern="1200">
+        <a:solidFill>
+          <a:schemeClr val="tx1"/>
+        </a:solidFill>
+        <a:latin typeface="+mn-lt"/>
+        <a:ea typeface="+mn-ea"/>
+        <a:cs typeface="+mn-cs"/>
+      </a:defRPr>
+    </a:lvl5pPr>
+    <a:lvl6pPr marL="2286000" algn="l" defTabSz="914400" rtl="0" eaLnBrk="1" latinLnBrk="0" hangingPunct="1">
+      <a:defRPr sz="1200" kern="1200">
+        <a:solidFill>
+          <a:schemeClr val="tx1"/>
+        </a:solidFill>
+        <a:latin typeface="+mn-lt"/>
+        <a:ea typeface="+mn-ea"/>
+        <a:cs typeface="+mn-cs"/>
+      </a:defRPr>
+    </a:lvl6pPr>
+    <a:lvl7pPr marL="2743200" algn="l" defTabSz="914400" rtl="0" eaLnBrk="1" latinLnBrk="0" hangingPunct="1">
+      <a:defRPr sz="1200" kern="1200">
+        <a:solidFill>
+          <a:schemeClr val="tx1"/>
+        </a:solidFill>
+        <a:latin typeface="+mn-lt"/>
+        <a:ea typeface="+mn-ea"/>
+        <a:cs typeface="+mn-cs"/>
+      </a:defRPr>
+    </a:lvl7pPr>
+    <a:lvl8pPr marL="3200400" algn="l" defTabSz="914400" rtl="0" eaLnBrk="1" latinLnBrk="0" hangingPunct="1">
+      <a:defRPr sz="1200" kern="1200">
+        <a:solidFill>
+          <a:schemeClr val="tx1"/>
+        </a:solidFill>
+        <a:latin typeface="+mn-lt"/>
+        <a:ea typeface="+mn-ea"/>
+        <a:cs typeface="+mn-cs"/>
+      </a:defRPr>
+    </a:lvl8pPr>
+    <a:lvl9pPr marL="3657600" algn="l" defTabSz="914400" rtl="0" eaLnBrk="1" latinLnBrk="0" hangingPunct="1">
+      <a:defRPr sz="1200" kern="1200">
+        <a:solidFill>
+          <a:schemeClr val="tx1"/>
+        </a:solidFill>
+        <a:latin typeface="+mn-lt"/>
+        <a:ea typeface="+mn-ea"/>
+        <a:cs typeface="+mn-cs"/>
+      </a:defRPr>
+    </a:lvl9pPr>
+  </p:notesStyle>
+</p:notesMaster>
+</file>
+
+<file path=ppt/notesSlides/notesSlide1.xml><?xml version="1.0" encoding="utf-8"?>
+<p:notes xmlns:a="http://schemas.openxmlformats.org/drawingml/2006/main" xmlns:r="http://schemas.openxmlformats.org/officeDocument/2006/relationships" xmlns:p="http://schemas.openxmlformats.org/presentationml/2006/main">
+  <p:cSld>
+    <p:spTree>
+      <p:nvGrpSpPr>
+        <p:cNvPr id="1" name=""/>
+        <p:cNvGrpSpPr/>
+        <p:nvPr/>
+      </p:nvGrpSpPr>
+      <p:grpSpPr>
+        <a:xfrm>
+          <a:off x="0" y="0"/>
+          <a:ext cx="0" cy="0"/>
+          <a:chOff x="0" y="0"/>
+          <a:chExt cx="0" cy="0"/>
+        </a:xfrm>
+      </p:grpSpPr>
+      <p:sp>
+        <p:nvSpPr>
+          <p:cNvPr id="2" name="Slide Image Placeholder 1"/>
+          <p:cNvSpPr>
+            <a:spLocks noGrp="1" noRot="1" noChangeAspect="1"/>
+          </p:cNvSpPr>
+          <p:nvPr>
+            <p:ph type="sldImg"/>
+          </p:nvPr>
+        </p:nvSpPr>
+        <p:spPr/>
+      </p:sp>
+      <p:sp>
+        <p:nvSpPr>
+          <p:cNvPr id="3" name="Notes Placeholder 2"/>
+          <p:cNvSpPr>
+            <a:spLocks noGrp="1"/>
+          </p:cNvSpPr>
+          <p:nvPr>
+            <p:ph type="body" idx="1"/>
+          </p:nvPr>
+        </p:nvSpPr>
+        <p:spPr/>
+        <p:txBody>
+          <a:bodyPr/>
+          <a:lstStyle/>
+          <a:p>
+            <a:endParaRPr lang="en-US" dirty="0"/>
+          </a:p>
+        </p:txBody>
+      </p:sp>
+      <p:sp>
+        <p:nvSpPr>
+          <p:cNvPr id="4" name="Slide Number Placeholder 3"/>
+          <p:cNvSpPr>
+            <a:spLocks noGrp="1"/>
+          </p:cNvSpPr>
+          <p:nvPr>
+            <p:ph type="sldNum" sz="quarter" idx="5"/>
+          </p:nvPr>
+        </p:nvSpPr>
+        <p:spPr/>
+        <p:txBody>
+          <a:bodyPr/>
+          <a:lstStyle/>
+          <a:p>
+            <a:fld id="{D8B98FB4-FD7C-914C-ACC7-330CB1A312FB}" type="slidenum">
+              <a:rPr lang="en-US" smtClean="0"/>
+              <a:t>2</a:t>
+            </a:fld>
+            <a:endParaRPr lang="en-US"/>
+          </a:p>
+        </p:txBody>
+      </p:sp>
+    </p:spTree>
+    <p:extLst>
+      <p:ext uri="{BB962C8B-B14F-4D97-AF65-F5344CB8AC3E}">
+        <p14:creationId xmlns:p14="http://schemas.microsoft.com/office/powerpoint/2010/main" val="211122076"/>
+      </p:ext>
+    </p:extLst>
+  </p:cSld>
+  <p:clrMapOvr>
+    <a:masterClrMapping/>
+  </p:clrMapOvr>
+</p:notes>
 </file>
 
 <file path=ppt/slideLayouts/slideLayout1.xml><?xml version="1.0" encoding="utf-8"?>
@@ -9173,10 +9610,5093 @@
           </a:p>
         </p:txBody>
       </p:sp>
+      <p:sp>
+        <p:nvSpPr>
+          <p:cNvPr id="193" name="TextBox 192">
+            <a:extLst>
+              <a:ext uri="{FF2B5EF4-FFF2-40B4-BE49-F238E27FC236}">
+                <a16:creationId xmlns:a16="http://schemas.microsoft.com/office/drawing/2014/main" id="{43DD7BCF-FA36-DCE8-AC23-F705B62872EE}"/>
+              </a:ext>
+            </a:extLst>
+          </p:cNvPr>
+          <p:cNvSpPr txBox="1"/>
+          <p:nvPr/>
+        </p:nvSpPr>
+        <p:spPr>
+          <a:xfrm>
+            <a:off x="0" y="18737"/>
+            <a:ext cx="12191999" cy="307777"/>
+          </a:xfrm>
+          <a:prstGeom prst="rect">
+            <a:avLst/>
+          </a:prstGeom>
+          <a:pattFill prst="pct5">
+            <a:fgClr>
+              <a:schemeClr val="accent1"/>
+            </a:fgClr>
+            <a:bgClr>
+              <a:schemeClr val="bg1"/>
+            </a:bgClr>
+          </a:pattFill>
+        </p:spPr>
+        <p:txBody>
+          <a:bodyPr wrap="square" rtlCol="0">
+            <a:spAutoFit/>
+          </a:bodyPr>
+          <a:lstStyle/>
+          <a:p>
+            <a:pPr algn="ctr"/>
+            <a:r>
+              <a:rPr lang="en-US" sz="1400" b="1" dirty="0"/>
+              <a:t>BASE CONCEPTS</a:t>
+            </a:r>
+          </a:p>
+        </p:txBody>
+      </p:sp>
     </p:spTree>
     <p:extLst>
       <p:ext uri="{BB962C8B-B14F-4D97-AF65-F5344CB8AC3E}">
         <p14:creationId xmlns:p14="http://schemas.microsoft.com/office/powerpoint/2010/main" val="296809457"/>
+      </p:ext>
+    </p:extLst>
+  </p:cSld>
+  <p:clrMapOvr>
+    <a:masterClrMapping/>
+  </p:clrMapOvr>
+</p:sld>
+</file>
+
+<file path=ppt/slides/slide2.xml><?xml version="1.0" encoding="utf-8"?>
+<p:sld xmlns:a="http://schemas.openxmlformats.org/drawingml/2006/main" xmlns:r="http://schemas.openxmlformats.org/officeDocument/2006/relationships" xmlns:p="http://schemas.openxmlformats.org/presentationml/2006/main">
+  <p:cSld>
+    <p:spTree>
+      <p:nvGrpSpPr>
+        <p:cNvPr id="1" name="">
+          <a:extLst>
+            <a:ext uri="{FF2B5EF4-FFF2-40B4-BE49-F238E27FC236}">
+              <a16:creationId xmlns:a16="http://schemas.microsoft.com/office/drawing/2014/main" id="{21BC1318-E079-239A-1D4D-89C85A5B7674}"/>
+            </a:ext>
+          </a:extLst>
+        </p:cNvPr>
+        <p:cNvGrpSpPr/>
+        <p:nvPr/>
+      </p:nvGrpSpPr>
+      <p:grpSpPr>
+        <a:xfrm>
+          <a:off x="0" y="0"/>
+          <a:ext cx="0" cy="0"/>
+          <a:chOff x="0" y="0"/>
+          <a:chExt cx="0" cy="0"/>
+        </a:xfrm>
+      </p:grpSpPr>
+      <p:sp>
+        <p:nvSpPr>
+          <p:cNvPr id="26" name="Rectangle 25">
+            <a:extLst>
+              <a:ext uri="{FF2B5EF4-FFF2-40B4-BE49-F238E27FC236}">
+                <a16:creationId xmlns:a16="http://schemas.microsoft.com/office/drawing/2014/main" id="{1EC180DA-C7AD-8BF1-7CF9-4421F45A7337}"/>
+              </a:ext>
+            </a:extLst>
+          </p:cNvPr>
+          <p:cNvSpPr/>
+          <p:nvPr/>
+        </p:nvSpPr>
+        <p:spPr>
+          <a:xfrm>
+            <a:off x="3281658" y="5594554"/>
+            <a:ext cx="8690602" cy="1107791"/>
+          </a:xfrm>
+          <a:prstGeom prst="rect">
+            <a:avLst/>
+          </a:prstGeom>
+          <a:solidFill>
+            <a:schemeClr val="bg1">
+              <a:lumMod val="85000"/>
+            </a:schemeClr>
+          </a:solidFill>
+        </p:spPr>
+        <p:style>
+          <a:lnRef idx="2">
+            <a:schemeClr val="accent1">
+              <a:shade val="15000"/>
+            </a:schemeClr>
+          </a:lnRef>
+          <a:fillRef idx="1">
+            <a:schemeClr val="accent1"/>
+          </a:fillRef>
+          <a:effectRef idx="0">
+            <a:schemeClr val="accent1"/>
+          </a:effectRef>
+          <a:fontRef idx="minor">
+            <a:schemeClr val="lt1"/>
+          </a:fontRef>
+        </p:style>
+        <p:txBody>
+          <a:bodyPr rtlCol="0" anchor="ctr"/>
+          <a:lstStyle/>
+          <a:p>
+            <a:pPr algn="ctr"/>
+            <a:endParaRPr lang="en-US"/>
+          </a:p>
+        </p:txBody>
+      </p:sp>
+      <p:sp>
+        <p:nvSpPr>
+          <p:cNvPr id="20" name="Rectangle 19">
+            <a:extLst>
+              <a:ext uri="{FF2B5EF4-FFF2-40B4-BE49-F238E27FC236}">
+                <a16:creationId xmlns:a16="http://schemas.microsoft.com/office/drawing/2014/main" id="{E75A5F48-368D-A461-831E-113CE0D36F0A}"/>
+              </a:ext>
+            </a:extLst>
+          </p:cNvPr>
+          <p:cNvSpPr/>
+          <p:nvPr/>
+        </p:nvSpPr>
+        <p:spPr>
+          <a:xfrm>
+            <a:off x="3464815" y="5671934"/>
+            <a:ext cx="8316059" cy="409982"/>
+          </a:xfrm>
+          <a:prstGeom prst="rect">
+            <a:avLst/>
+          </a:prstGeom>
+          <a:solidFill>
+            <a:schemeClr val="bg1">
+              <a:lumMod val="75000"/>
+            </a:schemeClr>
+          </a:solidFill>
+        </p:spPr>
+        <p:style>
+          <a:lnRef idx="2">
+            <a:schemeClr val="accent1">
+              <a:shade val="15000"/>
+            </a:schemeClr>
+          </a:lnRef>
+          <a:fillRef idx="1">
+            <a:schemeClr val="accent1"/>
+          </a:fillRef>
+          <a:effectRef idx="0">
+            <a:schemeClr val="accent1"/>
+          </a:effectRef>
+          <a:fontRef idx="minor">
+            <a:schemeClr val="lt1"/>
+          </a:fontRef>
+        </p:style>
+        <p:txBody>
+          <a:bodyPr rtlCol="0" anchor="ctr"/>
+          <a:lstStyle/>
+          <a:p>
+            <a:pPr algn="ctr"/>
+            <a:endParaRPr lang="en-US"/>
+          </a:p>
+        </p:txBody>
+      </p:sp>
+      <p:sp>
+        <p:nvSpPr>
+          <p:cNvPr id="21" name="Rectangle 20">
+            <a:extLst>
+              <a:ext uri="{FF2B5EF4-FFF2-40B4-BE49-F238E27FC236}">
+                <a16:creationId xmlns:a16="http://schemas.microsoft.com/office/drawing/2014/main" id="{E691F9FD-C2EC-FE56-EF96-3171A2BFD306}"/>
+              </a:ext>
+            </a:extLst>
+          </p:cNvPr>
+          <p:cNvSpPr/>
+          <p:nvPr/>
+        </p:nvSpPr>
+        <p:spPr>
+          <a:xfrm>
+            <a:off x="3464815" y="6213139"/>
+            <a:ext cx="8316059" cy="409982"/>
+          </a:xfrm>
+          <a:prstGeom prst="rect">
+            <a:avLst/>
+          </a:prstGeom>
+          <a:solidFill>
+            <a:schemeClr val="bg1">
+              <a:lumMod val="75000"/>
+            </a:schemeClr>
+          </a:solidFill>
+        </p:spPr>
+        <p:style>
+          <a:lnRef idx="2">
+            <a:schemeClr val="accent1">
+              <a:shade val="15000"/>
+            </a:schemeClr>
+          </a:lnRef>
+          <a:fillRef idx="1">
+            <a:schemeClr val="accent1"/>
+          </a:fillRef>
+          <a:effectRef idx="0">
+            <a:schemeClr val="accent1"/>
+          </a:effectRef>
+          <a:fontRef idx="minor">
+            <a:schemeClr val="lt1"/>
+          </a:fontRef>
+        </p:style>
+        <p:txBody>
+          <a:bodyPr rtlCol="0" anchor="ctr"/>
+          <a:lstStyle/>
+          <a:p>
+            <a:pPr algn="ctr"/>
+            <a:endParaRPr lang="en-US"/>
+          </a:p>
+        </p:txBody>
+      </p:sp>
+      <p:sp>
+        <p:nvSpPr>
+          <p:cNvPr id="8" name="Rectangle 7">
+            <a:extLst>
+              <a:ext uri="{FF2B5EF4-FFF2-40B4-BE49-F238E27FC236}">
+                <a16:creationId xmlns:a16="http://schemas.microsoft.com/office/drawing/2014/main" id="{C8CA682A-AA89-6A44-E28A-A26F555A06E4}"/>
+              </a:ext>
+            </a:extLst>
+          </p:cNvPr>
+          <p:cNvSpPr/>
+          <p:nvPr/>
+        </p:nvSpPr>
+        <p:spPr>
+          <a:xfrm>
+            <a:off x="3281658" y="2158265"/>
+            <a:ext cx="3794235" cy="2806605"/>
+          </a:xfrm>
+          <a:prstGeom prst="rect">
+            <a:avLst/>
+          </a:prstGeom>
+          <a:noFill/>
+          <a:ln w="38100"/>
+        </p:spPr>
+        <p:style>
+          <a:lnRef idx="2">
+            <a:schemeClr val="accent1">
+              <a:shade val="15000"/>
+            </a:schemeClr>
+          </a:lnRef>
+          <a:fillRef idx="1">
+            <a:schemeClr val="accent1"/>
+          </a:fillRef>
+          <a:effectRef idx="0">
+            <a:schemeClr val="accent1"/>
+          </a:effectRef>
+          <a:fontRef idx="minor">
+            <a:schemeClr val="lt1"/>
+          </a:fontRef>
+        </p:style>
+        <p:txBody>
+          <a:bodyPr rtlCol="0" anchor="ctr"/>
+          <a:lstStyle/>
+          <a:p>
+            <a:pPr algn="ctr"/>
+            <a:endParaRPr lang="en-US"/>
+          </a:p>
+        </p:txBody>
+      </p:sp>
+      <p:grpSp>
+        <p:nvGrpSpPr>
+          <p:cNvPr id="15" name="Group 14">
+            <a:extLst>
+              <a:ext uri="{FF2B5EF4-FFF2-40B4-BE49-F238E27FC236}">
+                <a16:creationId xmlns:a16="http://schemas.microsoft.com/office/drawing/2014/main" id="{471D5BBE-5035-D4A6-5BA0-E260DAE27D67}"/>
+              </a:ext>
+            </a:extLst>
+          </p:cNvPr>
+          <p:cNvGrpSpPr/>
+          <p:nvPr/>
+        </p:nvGrpSpPr>
+        <p:grpSpPr>
+          <a:xfrm>
+            <a:off x="4827452" y="4711957"/>
+            <a:ext cx="1033182" cy="190500"/>
+            <a:chOff x="1671918" y="4587875"/>
+            <a:chExt cx="1033182" cy="190500"/>
+          </a:xfrm>
+        </p:grpSpPr>
+        <p:sp>
+          <p:nvSpPr>
+            <p:cNvPr id="13" name="Rectangle 12">
+              <a:extLst>
+                <a:ext uri="{FF2B5EF4-FFF2-40B4-BE49-F238E27FC236}">
+                  <a16:creationId xmlns:a16="http://schemas.microsoft.com/office/drawing/2014/main" id="{CB198B15-7F76-39E4-9042-B6AC6E7B46BC}"/>
+                </a:ext>
+              </a:extLst>
+            </p:cNvPr>
+            <p:cNvSpPr/>
+            <p:nvPr/>
+          </p:nvSpPr>
+          <p:spPr>
+            <a:xfrm>
+              <a:off x="1671918" y="4587875"/>
+              <a:ext cx="390525" cy="190500"/>
+            </a:xfrm>
+            <a:prstGeom prst="rect">
+              <a:avLst/>
+            </a:prstGeom>
+            <a:solidFill>
+              <a:schemeClr val="accent2">
+                <a:lumMod val="75000"/>
+              </a:schemeClr>
+            </a:solidFill>
+          </p:spPr>
+          <p:style>
+            <a:lnRef idx="2">
+              <a:schemeClr val="accent1">
+                <a:shade val="15000"/>
+              </a:schemeClr>
+            </a:lnRef>
+            <a:fillRef idx="1">
+              <a:schemeClr val="accent1"/>
+            </a:fillRef>
+            <a:effectRef idx="0">
+              <a:schemeClr val="accent1"/>
+            </a:effectRef>
+            <a:fontRef idx="minor">
+              <a:schemeClr val="lt1"/>
+            </a:fontRef>
+          </p:style>
+          <p:txBody>
+            <a:bodyPr rtlCol="0" anchor="ctr"/>
+            <a:lstStyle/>
+            <a:p>
+              <a:pPr algn="ctr"/>
+              <a:endParaRPr lang="en-US"/>
+            </a:p>
+          </p:txBody>
+        </p:sp>
+        <p:sp>
+          <p:nvSpPr>
+            <p:cNvPr id="14" name="Rectangle 13">
+              <a:extLst>
+                <a:ext uri="{FF2B5EF4-FFF2-40B4-BE49-F238E27FC236}">
+                  <a16:creationId xmlns:a16="http://schemas.microsoft.com/office/drawing/2014/main" id="{DDD79C7E-5E52-B2A1-D802-1415DA8C02CA}"/>
+                </a:ext>
+              </a:extLst>
+            </p:cNvPr>
+            <p:cNvSpPr/>
+            <p:nvPr/>
+          </p:nvSpPr>
+          <p:spPr>
+            <a:xfrm>
+              <a:off x="2314575" y="4587875"/>
+              <a:ext cx="390525" cy="190500"/>
+            </a:xfrm>
+            <a:prstGeom prst="rect">
+              <a:avLst/>
+            </a:prstGeom>
+            <a:solidFill>
+              <a:schemeClr val="accent3">
+                <a:lumMod val="60000"/>
+                <a:lumOff val="40000"/>
+              </a:schemeClr>
+            </a:solidFill>
+          </p:spPr>
+          <p:style>
+            <a:lnRef idx="2">
+              <a:schemeClr val="accent1">
+                <a:shade val="15000"/>
+              </a:schemeClr>
+            </a:lnRef>
+            <a:fillRef idx="1">
+              <a:schemeClr val="accent1"/>
+            </a:fillRef>
+            <a:effectRef idx="0">
+              <a:schemeClr val="accent1"/>
+            </a:effectRef>
+            <a:fontRef idx="minor">
+              <a:schemeClr val="lt1"/>
+            </a:fontRef>
+          </p:style>
+          <p:txBody>
+            <a:bodyPr rtlCol="0" anchor="ctr"/>
+            <a:lstStyle/>
+            <a:p>
+              <a:pPr algn="ctr"/>
+              <a:endParaRPr lang="en-US"/>
+            </a:p>
+          </p:txBody>
+        </p:sp>
+      </p:grpSp>
+      <p:grpSp>
+        <p:nvGrpSpPr>
+          <p:cNvPr id="16" name="Group 15">
+            <a:extLst>
+              <a:ext uri="{FF2B5EF4-FFF2-40B4-BE49-F238E27FC236}">
+                <a16:creationId xmlns:a16="http://schemas.microsoft.com/office/drawing/2014/main" id="{52095DFC-4BDD-9324-2887-3147D6CBC7A1}"/>
+              </a:ext>
+            </a:extLst>
+          </p:cNvPr>
+          <p:cNvGrpSpPr/>
+          <p:nvPr/>
+        </p:nvGrpSpPr>
+        <p:grpSpPr>
+          <a:xfrm>
+            <a:off x="5178774" y="4298877"/>
+            <a:ext cx="1033182" cy="190500"/>
+            <a:chOff x="1671918" y="4587875"/>
+            <a:chExt cx="1033182" cy="190500"/>
+          </a:xfrm>
+        </p:grpSpPr>
+        <p:sp>
+          <p:nvSpPr>
+            <p:cNvPr id="18" name="Rectangle 17">
+              <a:extLst>
+                <a:ext uri="{FF2B5EF4-FFF2-40B4-BE49-F238E27FC236}">
+                  <a16:creationId xmlns:a16="http://schemas.microsoft.com/office/drawing/2014/main" id="{214C6123-D5BC-A718-7972-2DD1C20680DB}"/>
+                </a:ext>
+              </a:extLst>
+            </p:cNvPr>
+            <p:cNvSpPr/>
+            <p:nvPr/>
+          </p:nvSpPr>
+          <p:spPr>
+            <a:xfrm>
+              <a:off x="1671918" y="4587875"/>
+              <a:ext cx="390525" cy="190500"/>
+            </a:xfrm>
+            <a:prstGeom prst="rect">
+              <a:avLst/>
+            </a:prstGeom>
+            <a:solidFill>
+              <a:schemeClr val="accent2">
+                <a:lumMod val="75000"/>
+              </a:schemeClr>
+            </a:solidFill>
+          </p:spPr>
+          <p:style>
+            <a:lnRef idx="2">
+              <a:schemeClr val="accent1">
+                <a:shade val="15000"/>
+              </a:schemeClr>
+            </a:lnRef>
+            <a:fillRef idx="1">
+              <a:schemeClr val="accent1"/>
+            </a:fillRef>
+            <a:effectRef idx="0">
+              <a:schemeClr val="accent1"/>
+            </a:effectRef>
+            <a:fontRef idx="minor">
+              <a:schemeClr val="lt1"/>
+            </a:fontRef>
+          </p:style>
+          <p:txBody>
+            <a:bodyPr rtlCol="0" anchor="ctr"/>
+            <a:lstStyle/>
+            <a:p>
+              <a:pPr algn="ctr"/>
+              <a:endParaRPr lang="en-US"/>
+            </a:p>
+          </p:txBody>
+        </p:sp>
+        <p:sp>
+          <p:nvSpPr>
+            <p:cNvPr id="19" name="Rectangle 18">
+              <a:extLst>
+                <a:ext uri="{FF2B5EF4-FFF2-40B4-BE49-F238E27FC236}">
+                  <a16:creationId xmlns:a16="http://schemas.microsoft.com/office/drawing/2014/main" id="{B76ED240-D587-656C-1B4C-7513AD770D27}"/>
+                </a:ext>
+              </a:extLst>
+            </p:cNvPr>
+            <p:cNvSpPr/>
+            <p:nvPr/>
+          </p:nvSpPr>
+          <p:spPr>
+            <a:xfrm>
+              <a:off x="2314575" y="4587875"/>
+              <a:ext cx="390525" cy="190500"/>
+            </a:xfrm>
+            <a:prstGeom prst="rect">
+              <a:avLst/>
+            </a:prstGeom>
+            <a:solidFill>
+              <a:schemeClr val="accent3">
+                <a:lumMod val="60000"/>
+                <a:lumOff val="40000"/>
+              </a:schemeClr>
+            </a:solidFill>
+          </p:spPr>
+          <p:style>
+            <a:lnRef idx="2">
+              <a:schemeClr val="accent1">
+                <a:shade val="15000"/>
+              </a:schemeClr>
+            </a:lnRef>
+            <a:fillRef idx="1">
+              <a:schemeClr val="accent1"/>
+            </a:fillRef>
+            <a:effectRef idx="0">
+              <a:schemeClr val="accent1"/>
+            </a:effectRef>
+            <a:fontRef idx="minor">
+              <a:schemeClr val="lt1"/>
+            </a:fontRef>
+          </p:style>
+          <p:txBody>
+            <a:bodyPr rtlCol="0" anchor="ctr"/>
+            <a:lstStyle/>
+            <a:p>
+              <a:pPr algn="ctr"/>
+              <a:endParaRPr lang="en-US"/>
+            </a:p>
+          </p:txBody>
+        </p:sp>
+      </p:grpSp>
+      <p:sp>
+        <p:nvSpPr>
+          <p:cNvPr id="22" name="TextBox 21">
+            <a:extLst>
+              <a:ext uri="{FF2B5EF4-FFF2-40B4-BE49-F238E27FC236}">
+                <a16:creationId xmlns:a16="http://schemas.microsoft.com/office/drawing/2014/main" id="{87DD4FC6-BAF8-6A73-9198-0A490865F5BE}"/>
+              </a:ext>
+            </a:extLst>
+          </p:cNvPr>
+          <p:cNvSpPr txBox="1"/>
+          <p:nvPr/>
+        </p:nvSpPr>
+        <p:spPr>
+          <a:xfrm>
+            <a:off x="4774889" y="4668707"/>
+            <a:ext cx="495649" cy="276999"/>
+          </a:xfrm>
+          <a:prstGeom prst="rect">
+            <a:avLst/>
+          </a:prstGeom>
+          <a:noFill/>
+        </p:spPr>
+        <p:txBody>
+          <a:bodyPr wrap="none" rtlCol="0">
+            <a:spAutoFit/>
+          </a:bodyPr>
+          <a:lstStyle/>
+          <a:p>
+            <a:r>
+              <a:rPr lang="en-US" sz="1200" b="1" dirty="0"/>
+              <a:t>eth0</a:t>
+            </a:r>
+          </a:p>
+        </p:txBody>
+      </p:sp>
+      <p:sp>
+        <p:nvSpPr>
+          <p:cNvPr id="23" name="TextBox 22">
+            <a:extLst>
+              <a:ext uri="{FF2B5EF4-FFF2-40B4-BE49-F238E27FC236}">
+                <a16:creationId xmlns:a16="http://schemas.microsoft.com/office/drawing/2014/main" id="{2546982F-2AFD-B3A9-B266-8647CD40BA7E}"/>
+              </a:ext>
+            </a:extLst>
+          </p:cNvPr>
+          <p:cNvSpPr txBox="1"/>
+          <p:nvPr/>
+        </p:nvSpPr>
+        <p:spPr>
+          <a:xfrm>
+            <a:off x="5439399" y="4668707"/>
+            <a:ext cx="495649" cy="276999"/>
+          </a:xfrm>
+          <a:prstGeom prst="rect">
+            <a:avLst/>
+          </a:prstGeom>
+          <a:noFill/>
+        </p:spPr>
+        <p:txBody>
+          <a:bodyPr wrap="none" rtlCol="0">
+            <a:spAutoFit/>
+          </a:bodyPr>
+          <a:lstStyle/>
+          <a:p>
+            <a:r>
+              <a:rPr lang="en-US" sz="1200" b="1" dirty="0"/>
+              <a:t>eth4</a:t>
+            </a:r>
+          </a:p>
+        </p:txBody>
+      </p:sp>
+      <p:sp>
+        <p:nvSpPr>
+          <p:cNvPr id="24" name="TextBox 23">
+            <a:extLst>
+              <a:ext uri="{FF2B5EF4-FFF2-40B4-BE49-F238E27FC236}">
+                <a16:creationId xmlns:a16="http://schemas.microsoft.com/office/drawing/2014/main" id="{370A84C3-E4EE-C309-8206-B0F8AA365BF1}"/>
+              </a:ext>
+            </a:extLst>
+          </p:cNvPr>
+          <p:cNvSpPr txBox="1"/>
+          <p:nvPr/>
+        </p:nvSpPr>
+        <p:spPr>
+          <a:xfrm>
+            <a:off x="5116577" y="4257401"/>
+            <a:ext cx="495649" cy="276999"/>
+          </a:xfrm>
+          <a:prstGeom prst="rect">
+            <a:avLst/>
+          </a:prstGeom>
+          <a:noFill/>
+        </p:spPr>
+        <p:txBody>
+          <a:bodyPr wrap="none" rtlCol="0">
+            <a:spAutoFit/>
+          </a:bodyPr>
+          <a:lstStyle/>
+          <a:p>
+            <a:r>
+              <a:rPr lang="en-US" sz="1200" b="1" dirty="0"/>
+              <a:t>eth1</a:t>
+            </a:r>
+          </a:p>
+        </p:txBody>
+      </p:sp>
+      <p:sp>
+        <p:nvSpPr>
+          <p:cNvPr id="25" name="TextBox 24">
+            <a:extLst>
+              <a:ext uri="{FF2B5EF4-FFF2-40B4-BE49-F238E27FC236}">
+                <a16:creationId xmlns:a16="http://schemas.microsoft.com/office/drawing/2014/main" id="{B48E2362-036A-256F-3AFF-E1128DFD38A6}"/>
+              </a:ext>
+            </a:extLst>
+          </p:cNvPr>
+          <p:cNvSpPr txBox="1"/>
+          <p:nvPr/>
+        </p:nvSpPr>
+        <p:spPr>
+          <a:xfrm>
+            <a:off x="5781087" y="4257401"/>
+            <a:ext cx="495649" cy="276999"/>
+          </a:xfrm>
+          <a:prstGeom prst="rect">
+            <a:avLst/>
+          </a:prstGeom>
+          <a:noFill/>
+        </p:spPr>
+        <p:txBody>
+          <a:bodyPr wrap="none" rtlCol="0">
+            <a:spAutoFit/>
+          </a:bodyPr>
+          <a:lstStyle/>
+          <a:p>
+            <a:r>
+              <a:rPr lang="en-US" sz="1200" b="1" dirty="0"/>
+              <a:t>eth3</a:t>
+            </a:r>
+          </a:p>
+        </p:txBody>
+      </p:sp>
+      <p:cxnSp>
+        <p:nvCxnSpPr>
+          <p:cNvPr id="64" name="Straight Connector 63">
+            <a:extLst>
+              <a:ext uri="{FF2B5EF4-FFF2-40B4-BE49-F238E27FC236}">
+                <a16:creationId xmlns:a16="http://schemas.microsoft.com/office/drawing/2014/main" id="{3CBF4405-B953-40C6-07D7-BB63C3ADFECF}"/>
+              </a:ext>
+            </a:extLst>
+          </p:cNvPr>
+          <p:cNvCxnSpPr>
+            <a:cxnSpLocks/>
+          </p:cNvCxnSpPr>
+          <p:nvPr/>
+        </p:nvCxnSpPr>
+        <p:spPr>
+          <a:xfrm>
+            <a:off x="5022713" y="4807206"/>
+            <a:ext cx="0" cy="1069719"/>
+          </a:xfrm>
+          <a:prstGeom prst="line">
+            <a:avLst/>
+          </a:prstGeom>
+          <a:ln w="38100">
+            <a:solidFill>
+              <a:schemeClr val="accent2">
+                <a:lumMod val="50000"/>
+              </a:schemeClr>
+            </a:solidFill>
+          </a:ln>
+        </p:spPr>
+        <p:style>
+          <a:lnRef idx="2">
+            <a:schemeClr val="accent1"/>
+          </a:lnRef>
+          <a:fillRef idx="0">
+            <a:schemeClr val="accent1"/>
+          </a:fillRef>
+          <a:effectRef idx="1">
+            <a:schemeClr val="accent1"/>
+          </a:effectRef>
+          <a:fontRef idx="minor">
+            <a:schemeClr val="tx1"/>
+          </a:fontRef>
+        </p:style>
+      </p:cxnSp>
+      <p:cxnSp>
+        <p:nvCxnSpPr>
+          <p:cNvPr id="65" name="Straight Connector 64">
+            <a:extLst>
+              <a:ext uri="{FF2B5EF4-FFF2-40B4-BE49-F238E27FC236}">
+                <a16:creationId xmlns:a16="http://schemas.microsoft.com/office/drawing/2014/main" id="{2C9758B2-920B-CF5B-5F58-A82732E3DD08}"/>
+              </a:ext>
+            </a:extLst>
+          </p:cNvPr>
+          <p:cNvCxnSpPr>
+            <a:cxnSpLocks/>
+          </p:cNvCxnSpPr>
+          <p:nvPr/>
+        </p:nvCxnSpPr>
+        <p:spPr>
+          <a:xfrm>
+            <a:off x="5359396" y="4407265"/>
+            <a:ext cx="5005" cy="2010865"/>
+          </a:xfrm>
+          <a:prstGeom prst="line">
+            <a:avLst/>
+          </a:prstGeom>
+          <a:ln w="38100">
+            <a:solidFill>
+              <a:schemeClr val="accent2">
+                <a:lumMod val="50000"/>
+              </a:schemeClr>
+            </a:solidFill>
+          </a:ln>
+        </p:spPr>
+        <p:style>
+          <a:lnRef idx="2">
+            <a:schemeClr val="accent1"/>
+          </a:lnRef>
+          <a:fillRef idx="0">
+            <a:schemeClr val="accent1"/>
+          </a:fillRef>
+          <a:effectRef idx="1">
+            <a:schemeClr val="accent1"/>
+          </a:effectRef>
+          <a:fontRef idx="minor">
+            <a:schemeClr val="tx1"/>
+          </a:fontRef>
+        </p:style>
+      </p:cxnSp>
+      <p:sp>
+        <p:nvSpPr>
+          <p:cNvPr id="74" name="Oval 73">
+            <a:extLst>
+              <a:ext uri="{FF2B5EF4-FFF2-40B4-BE49-F238E27FC236}">
+                <a16:creationId xmlns:a16="http://schemas.microsoft.com/office/drawing/2014/main" id="{9C9C2674-8C0C-EEFB-1666-ADEEE5A3003E}"/>
+              </a:ext>
+            </a:extLst>
+          </p:cNvPr>
+          <p:cNvSpPr/>
+          <p:nvPr/>
+        </p:nvSpPr>
+        <p:spPr>
+          <a:xfrm>
+            <a:off x="4917967" y="5245946"/>
+            <a:ext cx="552141" cy="116695"/>
+          </a:xfrm>
+          <a:prstGeom prst="ellipse">
+            <a:avLst/>
+          </a:prstGeom>
+          <a:noFill/>
+          <a:ln>
+            <a:solidFill>
+              <a:schemeClr val="accent2">
+                <a:lumMod val="50000"/>
+              </a:schemeClr>
+            </a:solidFill>
+          </a:ln>
+        </p:spPr>
+        <p:style>
+          <a:lnRef idx="2">
+            <a:schemeClr val="accent1">
+              <a:shade val="15000"/>
+            </a:schemeClr>
+          </a:lnRef>
+          <a:fillRef idx="1">
+            <a:schemeClr val="accent1"/>
+          </a:fillRef>
+          <a:effectRef idx="0">
+            <a:schemeClr val="accent1"/>
+          </a:effectRef>
+          <a:fontRef idx="minor">
+            <a:schemeClr val="lt1"/>
+          </a:fontRef>
+        </p:style>
+        <p:txBody>
+          <a:bodyPr rtlCol="0" anchor="ctr"/>
+          <a:lstStyle/>
+          <a:p>
+            <a:pPr algn="ctr"/>
+            <a:endParaRPr lang="en-US"/>
+          </a:p>
+        </p:txBody>
+      </p:sp>
+      <p:sp>
+        <p:nvSpPr>
+          <p:cNvPr id="77" name="TextBox 76">
+            <a:extLst>
+              <a:ext uri="{FF2B5EF4-FFF2-40B4-BE49-F238E27FC236}">
+                <a16:creationId xmlns:a16="http://schemas.microsoft.com/office/drawing/2014/main" id="{370DF065-0401-49AF-0F20-A57E08E6BDA8}"/>
+              </a:ext>
+            </a:extLst>
+          </p:cNvPr>
+          <p:cNvSpPr txBox="1"/>
+          <p:nvPr/>
+        </p:nvSpPr>
+        <p:spPr>
+          <a:xfrm>
+            <a:off x="4984231" y="5191045"/>
+            <a:ext cx="381836" cy="215444"/>
+          </a:xfrm>
+          <a:prstGeom prst="rect">
+            <a:avLst/>
+          </a:prstGeom>
+          <a:noFill/>
+        </p:spPr>
+        <p:txBody>
+          <a:bodyPr wrap="none" rtlCol="0">
+            <a:spAutoFit/>
+          </a:bodyPr>
+          <a:lstStyle/>
+          <a:p>
+            <a:r>
+              <a:rPr lang="en-US" sz="800" b="1" dirty="0"/>
+              <a:t>Po 6</a:t>
+            </a:r>
+          </a:p>
+        </p:txBody>
+      </p:sp>
+      <p:sp>
+        <p:nvSpPr>
+          <p:cNvPr id="78" name="TextBox 77">
+            <a:extLst>
+              <a:ext uri="{FF2B5EF4-FFF2-40B4-BE49-F238E27FC236}">
+                <a16:creationId xmlns:a16="http://schemas.microsoft.com/office/drawing/2014/main" id="{76741520-9291-0AB0-837A-9C7E55B4F4B8}"/>
+              </a:ext>
+            </a:extLst>
+          </p:cNvPr>
+          <p:cNvSpPr txBox="1"/>
+          <p:nvPr/>
+        </p:nvSpPr>
+        <p:spPr>
+          <a:xfrm>
+            <a:off x="4425242" y="5972174"/>
+            <a:ext cx="875561" cy="338554"/>
+          </a:xfrm>
+          <a:prstGeom prst="rect">
+            <a:avLst/>
+          </a:prstGeom>
+          <a:solidFill>
+            <a:schemeClr val="bg1"/>
+          </a:solidFill>
+        </p:spPr>
+        <p:txBody>
+          <a:bodyPr wrap="none" rtlCol="0">
+            <a:spAutoFit/>
+          </a:bodyPr>
+          <a:lstStyle/>
+          <a:p>
+            <a:r>
+              <a:rPr lang="en-US" sz="800" dirty="0"/>
+              <a:t>Untagged VLAN</a:t>
+            </a:r>
+          </a:p>
+          <a:p>
+            <a:r>
+              <a:rPr lang="en-US" sz="800" dirty="0"/>
+              <a:t>Native 1001 </a:t>
+            </a:r>
+          </a:p>
+        </p:txBody>
+      </p:sp>
+      <p:sp>
+        <p:nvSpPr>
+          <p:cNvPr id="80" name="TextBox 79">
+            <a:extLst>
+              <a:ext uri="{FF2B5EF4-FFF2-40B4-BE49-F238E27FC236}">
+                <a16:creationId xmlns:a16="http://schemas.microsoft.com/office/drawing/2014/main" id="{3F03FD31-BD9E-0ABB-2B17-2EDCF1D965ED}"/>
+              </a:ext>
+            </a:extLst>
+          </p:cNvPr>
+          <p:cNvSpPr txBox="1"/>
+          <p:nvPr/>
+        </p:nvSpPr>
+        <p:spPr>
+          <a:xfrm>
+            <a:off x="3533375" y="6270524"/>
+            <a:ext cx="622286" cy="276999"/>
+          </a:xfrm>
+          <a:prstGeom prst="rect">
+            <a:avLst/>
+          </a:prstGeom>
+          <a:solidFill>
+            <a:srgbClr val="9437FF"/>
+          </a:solidFill>
+          <a:ln w="3175">
+            <a:solidFill>
+              <a:schemeClr val="accent1">
+                <a:shade val="15000"/>
+              </a:schemeClr>
+            </a:solidFill>
+          </a:ln>
+        </p:spPr>
+        <p:txBody>
+          <a:bodyPr wrap="none" rtlCol="0">
+            <a:spAutoFit/>
+          </a:bodyPr>
+          <a:lstStyle/>
+          <a:p>
+            <a:r>
+              <a:rPr lang="en-US" sz="1200" b="1" dirty="0"/>
+              <a:t>leaf1b</a:t>
+            </a:r>
+          </a:p>
+        </p:txBody>
+      </p:sp>
+      <p:sp>
+        <p:nvSpPr>
+          <p:cNvPr id="81" name="TextBox 80">
+            <a:extLst>
+              <a:ext uri="{FF2B5EF4-FFF2-40B4-BE49-F238E27FC236}">
+                <a16:creationId xmlns:a16="http://schemas.microsoft.com/office/drawing/2014/main" id="{EC886AD3-58A1-0152-32EE-56A0D0378BFF}"/>
+              </a:ext>
+            </a:extLst>
+          </p:cNvPr>
+          <p:cNvSpPr txBox="1"/>
+          <p:nvPr/>
+        </p:nvSpPr>
+        <p:spPr>
+          <a:xfrm>
+            <a:off x="3537854" y="5768948"/>
+            <a:ext cx="617477" cy="276999"/>
+          </a:xfrm>
+          <a:prstGeom prst="rect">
+            <a:avLst/>
+          </a:prstGeom>
+          <a:solidFill>
+            <a:srgbClr val="9437FF"/>
+          </a:solidFill>
+          <a:ln w="3175">
+            <a:solidFill>
+              <a:schemeClr val="accent1">
+                <a:shade val="15000"/>
+              </a:schemeClr>
+            </a:solidFill>
+          </a:ln>
+        </p:spPr>
+        <p:txBody>
+          <a:bodyPr wrap="none" rtlCol="0">
+            <a:spAutoFit/>
+          </a:bodyPr>
+          <a:lstStyle/>
+          <a:p>
+            <a:r>
+              <a:rPr lang="en-US" sz="1200" b="1" dirty="0"/>
+              <a:t>leaf1a</a:t>
+            </a:r>
+          </a:p>
+        </p:txBody>
+      </p:sp>
+      <p:cxnSp>
+        <p:nvCxnSpPr>
+          <p:cNvPr id="82" name="Straight Connector 81">
+            <a:extLst>
+              <a:ext uri="{FF2B5EF4-FFF2-40B4-BE49-F238E27FC236}">
+                <a16:creationId xmlns:a16="http://schemas.microsoft.com/office/drawing/2014/main" id="{C87F77B9-C5D7-B024-F368-1AC4BFC0CC3E}"/>
+              </a:ext>
+            </a:extLst>
+          </p:cNvPr>
+          <p:cNvCxnSpPr>
+            <a:cxnSpLocks/>
+          </p:cNvCxnSpPr>
+          <p:nvPr/>
+        </p:nvCxnSpPr>
+        <p:spPr>
+          <a:xfrm>
+            <a:off x="5746173" y="4807206"/>
+            <a:ext cx="0" cy="1069719"/>
+          </a:xfrm>
+          <a:prstGeom prst="line">
+            <a:avLst/>
+          </a:prstGeom>
+          <a:ln w="38100">
+            <a:solidFill>
+              <a:schemeClr val="accent3">
+                <a:lumMod val="75000"/>
+              </a:schemeClr>
+            </a:solidFill>
+          </a:ln>
+        </p:spPr>
+        <p:style>
+          <a:lnRef idx="2">
+            <a:schemeClr val="accent1"/>
+          </a:lnRef>
+          <a:fillRef idx="0">
+            <a:schemeClr val="accent1"/>
+          </a:fillRef>
+          <a:effectRef idx="1">
+            <a:schemeClr val="accent1"/>
+          </a:effectRef>
+          <a:fontRef idx="minor">
+            <a:schemeClr val="tx1"/>
+          </a:fontRef>
+        </p:style>
+      </p:cxnSp>
+      <p:cxnSp>
+        <p:nvCxnSpPr>
+          <p:cNvPr id="83" name="Straight Connector 82">
+            <a:extLst>
+              <a:ext uri="{FF2B5EF4-FFF2-40B4-BE49-F238E27FC236}">
+                <a16:creationId xmlns:a16="http://schemas.microsoft.com/office/drawing/2014/main" id="{AFB4729D-61BD-666D-B7FF-40EFCFECEE6E}"/>
+              </a:ext>
+            </a:extLst>
+          </p:cNvPr>
+          <p:cNvCxnSpPr>
+            <a:cxnSpLocks/>
+          </p:cNvCxnSpPr>
+          <p:nvPr/>
+        </p:nvCxnSpPr>
+        <p:spPr>
+          <a:xfrm>
+            <a:off x="6082856" y="4407265"/>
+            <a:ext cx="5005" cy="2010865"/>
+          </a:xfrm>
+          <a:prstGeom prst="line">
+            <a:avLst/>
+          </a:prstGeom>
+          <a:ln w="38100">
+            <a:solidFill>
+              <a:schemeClr val="accent3">
+                <a:lumMod val="75000"/>
+              </a:schemeClr>
+            </a:solidFill>
+          </a:ln>
+        </p:spPr>
+        <p:style>
+          <a:lnRef idx="2">
+            <a:schemeClr val="accent1"/>
+          </a:lnRef>
+          <a:fillRef idx="0">
+            <a:schemeClr val="accent1"/>
+          </a:fillRef>
+          <a:effectRef idx="1">
+            <a:schemeClr val="accent1"/>
+          </a:effectRef>
+          <a:fontRef idx="minor">
+            <a:schemeClr val="tx1"/>
+          </a:fontRef>
+        </p:style>
+      </p:cxnSp>
+      <p:sp>
+        <p:nvSpPr>
+          <p:cNvPr id="84" name="Oval 83">
+            <a:extLst>
+              <a:ext uri="{FF2B5EF4-FFF2-40B4-BE49-F238E27FC236}">
+                <a16:creationId xmlns:a16="http://schemas.microsoft.com/office/drawing/2014/main" id="{9D787A17-7A08-B856-C221-A3635FEE4F1D}"/>
+              </a:ext>
+            </a:extLst>
+          </p:cNvPr>
+          <p:cNvSpPr/>
+          <p:nvPr/>
+        </p:nvSpPr>
+        <p:spPr>
+          <a:xfrm>
+            <a:off x="5647562" y="5245946"/>
+            <a:ext cx="552141" cy="116695"/>
+          </a:xfrm>
+          <a:prstGeom prst="ellipse">
+            <a:avLst/>
+          </a:prstGeom>
+          <a:noFill/>
+          <a:ln>
+            <a:solidFill>
+              <a:schemeClr val="accent2">
+                <a:lumMod val="50000"/>
+              </a:schemeClr>
+            </a:solidFill>
+          </a:ln>
+        </p:spPr>
+        <p:style>
+          <a:lnRef idx="2">
+            <a:schemeClr val="accent1">
+              <a:shade val="15000"/>
+            </a:schemeClr>
+          </a:lnRef>
+          <a:fillRef idx="1">
+            <a:schemeClr val="accent1"/>
+          </a:fillRef>
+          <a:effectRef idx="0">
+            <a:schemeClr val="accent1"/>
+          </a:effectRef>
+          <a:fontRef idx="minor">
+            <a:schemeClr val="lt1"/>
+          </a:fontRef>
+        </p:style>
+        <p:txBody>
+          <a:bodyPr rtlCol="0" anchor="ctr"/>
+          <a:lstStyle/>
+          <a:p>
+            <a:pPr algn="ctr"/>
+            <a:endParaRPr lang="en-US"/>
+          </a:p>
+        </p:txBody>
+      </p:sp>
+      <p:sp>
+        <p:nvSpPr>
+          <p:cNvPr id="85" name="TextBox 84">
+            <a:extLst>
+              <a:ext uri="{FF2B5EF4-FFF2-40B4-BE49-F238E27FC236}">
+                <a16:creationId xmlns:a16="http://schemas.microsoft.com/office/drawing/2014/main" id="{1A4F34A8-8616-01E0-43B9-49FAA20662DC}"/>
+              </a:ext>
+            </a:extLst>
+          </p:cNvPr>
+          <p:cNvSpPr txBox="1"/>
+          <p:nvPr/>
+        </p:nvSpPr>
+        <p:spPr>
+          <a:xfrm>
+            <a:off x="5725261" y="5196571"/>
+            <a:ext cx="381836" cy="215444"/>
+          </a:xfrm>
+          <a:prstGeom prst="rect">
+            <a:avLst/>
+          </a:prstGeom>
+          <a:noFill/>
+        </p:spPr>
+        <p:txBody>
+          <a:bodyPr wrap="none" rtlCol="0">
+            <a:spAutoFit/>
+          </a:bodyPr>
+          <a:lstStyle/>
+          <a:p>
+            <a:r>
+              <a:rPr lang="en-US" sz="800" b="1" dirty="0"/>
+              <a:t>Po 1</a:t>
+            </a:r>
+          </a:p>
+        </p:txBody>
+      </p:sp>
+      <p:sp>
+        <p:nvSpPr>
+          <p:cNvPr id="86" name="TextBox 85">
+            <a:extLst>
+              <a:ext uri="{FF2B5EF4-FFF2-40B4-BE49-F238E27FC236}">
+                <a16:creationId xmlns:a16="http://schemas.microsoft.com/office/drawing/2014/main" id="{29A1C99E-5FD4-6307-8B9B-D9F7C74BAE9D}"/>
+              </a:ext>
+            </a:extLst>
+          </p:cNvPr>
+          <p:cNvSpPr txBox="1"/>
+          <p:nvPr/>
+        </p:nvSpPr>
+        <p:spPr>
+          <a:xfrm>
+            <a:off x="5718869" y="5972174"/>
+            <a:ext cx="814647" cy="461665"/>
+          </a:xfrm>
+          <a:prstGeom prst="rect">
+            <a:avLst/>
+          </a:prstGeom>
+          <a:solidFill>
+            <a:schemeClr val="bg1"/>
+          </a:solidFill>
+        </p:spPr>
+        <p:txBody>
+          <a:bodyPr wrap="none" rtlCol="0">
+            <a:spAutoFit/>
+          </a:bodyPr>
+          <a:lstStyle/>
+          <a:p>
+            <a:r>
+              <a:rPr lang="en-US" sz="800" dirty="0"/>
+              <a:t>Tagged VLANs</a:t>
+            </a:r>
+          </a:p>
+          <a:p>
+            <a:r>
+              <a:rPr lang="en-US" sz="800" dirty="0"/>
+              <a:t>Trunking</a:t>
+            </a:r>
+          </a:p>
+          <a:p>
+            <a:r>
+              <a:rPr lang="en-US" sz="800" dirty="0"/>
+              <a:t>7,202</a:t>
+            </a:r>
+          </a:p>
+        </p:txBody>
+      </p:sp>
+      <p:sp>
+        <p:nvSpPr>
+          <p:cNvPr id="107" name="Rounded Rectangle 106">
+            <a:extLst>
+              <a:ext uri="{FF2B5EF4-FFF2-40B4-BE49-F238E27FC236}">
+                <a16:creationId xmlns:a16="http://schemas.microsoft.com/office/drawing/2014/main" id="{A50F6CC6-7141-2D1B-1E26-347930097CBC}"/>
+              </a:ext>
+            </a:extLst>
+          </p:cNvPr>
+          <p:cNvSpPr/>
+          <p:nvPr/>
+        </p:nvSpPr>
+        <p:spPr>
+          <a:xfrm>
+            <a:off x="4332730" y="3341588"/>
+            <a:ext cx="1218872" cy="585216"/>
+          </a:xfrm>
+          <a:prstGeom prst="roundRect">
+            <a:avLst/>
+          </a:prstGeom>
+          <a:solidFill>
+            <a:schemeClr val="accent2">
+              <a:lumMod val="20000"/>
+              <a:lumOff val="80000"/>
+            </a:schemeClr>
+          </a:solidFill>
+          <a:ln>
+            <a:solidFill>
+              <a:schemeClr val="accent2">
+                <a:lumMod val="75000"/>
+                <a:alpha val="50000"/>
+              </a:schemeClr>
+            </a:solidFill>
+            <a:prstDash val="dash"/>
+          </a:ln>
+        </p:spPr>
+        <p:style>
+          <a:lnRef idx="2">
+            <a:schemeClr val="accent1">
+              <a:shade val="15000"/>
+            </a:schemeClr>
+          </a:lnRef>
+          <a:fillRef idx="1">
+            <a:schemeClr val="accent1"/>
+          </a:fillRef>
+          <a:effectRef idx="0">
+            <a:schemeClr val="accent1"/>
+          </a:effectRef>
+          <a:fontRef idx="minor">
+            <a:schemeClr val="lt1"/>
+          </a:fontRef>
+        </p:style>
+        <p:txBody>
+          <a:bodyPr rtlCol="0" anchor="ctr"/>
+          <a:lstStyle/>
+          <a:p>
+            <a:pPr algn="ctr"/>
+            <a:endParaRPr lang="en-US"/>
+          </a:p>
+        </p:txBody>
+      </p:sp>
+      <p:cxnSp>
+        <p:nvCxnSpPr>
+          <p:cNvPr id="109" name="Straight Connector 108">
+            <a:extLst>
+              <a:ext uri="{FF2B5EF4-FFF2-40B4-BE49-F238E27FC236}">
+                <a16:creationId xmlns:a16="http://schemas.microsoft.com/office/drawing/2014/main" id="{887786A9-15DE-7F99-2CC1-C417112C0CAF}"/>
+              </a:ext>
+            </a:extLst>
+          </p:cNvPr>
+          <p:cNvCxnSpPr>
+            <a:cxnSpLocks/>
+          </p:cNvCxnSpPr>
+          <p:nvPr/>
+        </p:nvCxnSpPr>
+        <p:spPr>
+          <a:xfrm>
+            <a:off x="4827452" y="3840851"/>
+            <a:ext cx="499958" cy="0"/>
+          </a:xfrm>
+          <a:prstGeom prst="line">
+            <a:avLst/>
+          </a:prstGeom>
+        </p:spPr>
+        <p:style>
+          <a:lnRef idx="2">
+            <a:schemeClr val="accent1"/>
+          </a:lnRef>
+          <a:fillRef idx="0">
+            <a:schemeClr val="accent1"/>
+          </a:fillRef>
+          <a:effectRef idx="1">
+            <a:schemeClr val="accent1"/>
+          </a:effectRef>
+          <a:fontRef idx="minor">
+            <a:schemeClr val="tx1"/>
+          </a:fontRef>
+        </p:style>
+      </p:cxnSp>
+      <p:sp>
+        <p:nvSpPr>
+          <p:cNvPr id="110" name="TextBox 109">
+            <a:extLst>
+              <a:ext uri="{FF2B5EF4-FFF2-40B4-BE49-F238E27FC236}">
+                <a16:creationId xmlns:a16="http://schemas.microsoft.com/office/drawing/2014/main" id="{AEFD9ED0-EBA1-98AF-34DA-36CC67289101}"/>
+              </a:ext>
+            </a:extLst>
+          </p:cNvPr>
+          <p:cNvSpPr txBox="1"/>
+          <p:nvPr/>
+        </p:nvSpPr>
+        <p:spPr>
+          <a:xfrm>
+            <a:off x="4837464" y="3615051"/>
+            <a:ext cx="494046" cy="215444"/>
+          </a:xfrm>
+          <a:prstGeom prst="rect">
+            <a:avLst/>
+          </a:prstGeom>
+          <a:noFill/>
+        </p:spPr>
+        <p:txBody>
+          <a:bodyPr wrap="none" rtlCol="0">
+            <a:spAutoFit/>
+          </a:bodyPr>
+          <a:lstStyle/>
+          <a:p>
+            <a:r>
+              <a:rPr lang="en-US" sz="800" b="1" dirty="0"/>
+              <a:t>br0-up</a:t>
+            </a:r>
+          </a:p>
+        </p:txBody>
+      </p:sp>
+      <p:cxnSp>
+        <p:nvCxnSpPr>
+          <p:cNvPr id="116" name="Straight Connector 115">
+            <a:extLst>
+              <a:ext uri="{FF2B5EF4-FFF2-40B4-BE49-F238E27FC236}">
+                <a16:creationId xmlns:a16="http://schemas.microsoft.com/office/drawing/2014/main" id="{121CB520-F742-601A-B9E2-F662D8996D92}"/>
+              </a:ext>
+            </a:extLst>
+          </p:cNvPr>
+          <p:cNvCxnSpPr>
+            <a:cxnSpLocks/>
+          </p:cNvCxnSpPr>
+          <p:nvPr/>
+        </p:nvCxnSpPr>
+        <p:spPr>
+          <a:xfrm flipV="1">
+            <a:off x="4903531" y="3840851"/>
+            <a:ext cx="0" cy="932166"/>
+          </a:xfrm>
+          <a:prstGeom prst="line">
+            <a:avLst/>
+          </a:prstGeom>
+          <a:ln>
+            <a:prstDash val="sysDash"/>
+          </a:ln>
+        </p:spPr>
+        <p:style>
+          <a:lnRef idx="2">
+            <a:schemeClr val="accent1"/>
+          </a:lnRef>
+          <a:fillRef idx="0">
+            <a:schemeClr val="accent1"/>
+          </a:fillRef>
+          <a:effectRef idx="1">
+            <a:schemeClr val="accent1"/>
+          </a:effectRef>
+          <a:fontRef idx="minor">
+            <a:schemeClr val="tx1"/>
+          </a:fontRef>
+        </p:style>
+      </p:cxnSp>
+      <p:cxnSp>
+        <p:nvCxnSpPr>
+          <p:cNvPr id="118" name="Straight Connector 117">
+            <a:extLst>
+              <a:ext uri="{FF2B5EF4-FFF2-40B4-BE49-F238E27FC236}">
+                <a16:creationId xmlns:a16="http://schemas.microsoft.com/office/drawing/2014/main" id="{1561FA22-DD54-AFE3-9F2F-8AE087AE9134}"/>
+              </a:ext>
+            </a:extLst>
+          </p:cNvPr>
+          <p:cNvCxnSpPr>
+            <a:cxnSpLocks/>
+          </p:cNvCxnSpPr>
+          <p:nvPr/>
+        </p:nvCxnSpPr>
+        <p:spPr>
+          <a:xfrm flipV="1">
+            <a:off x="5241189" y="3840851"/>
+            <a:ext cx="0" cy="543062"/>
+          </a:xfrm>
+          <a:prstGeom prst="line">
+            <a:avLst/>
+          </a:prstGeom>
+          <a:ln>
+            <a:prstDash val="sysDash"/>
+          </a:ln>
+        </p:spPr>
+        <p:style>
+          <a:lnRef idx="2">
+            <a:schemeClr val="accent1"/>
+          </a:lnRef>
+          <a:fillRef idx="0">
+            <a:schemeClr val="accent1"/>
+          </a:fillRef>
+          <a:effectRef idx="1">
+            <a:schemeClr val="accent1"/>
+          </a:effectRef>
+          <a:fontRef idx="minor">
+            <a:schemeClr val="tx1"/>
+          </a:fontRef>
+        </p:style>
+      </p:cxnSp>
+      <p:sp>
+        <p:nvSpPr>
+          <p:cNvPr id="124" name="TextBox 123">
+            <a:extLst>
+              <a:ext uri="{FF2B5EF4-FFF2-40B4-BE49-F238E27FC236}">
+                <a16:creationId xmlns:a16="http://schemas.microsoft.com/office/drawing/2014/main" id="{BE313002-3E7A-67F3-DC5B-D74CA08DAA4C}"/>
+              </a:ext>
+            </a:extLst>
+          </p:cNvPr>
+          <p:cNvSpPr txBox="1"/>
+          <p:nvPr/>
+        </p:nvSpPr>
+        <p:spPr>
+          <a:xfrm>
+            <a:off x="4787473" y="3350727"/>
+            <a:ext cx="579005" cy="215444"/>
+          </a:xfrm>
+          <a:prstGeom prst="rect">
+            <a:avLst/>
+          </a:prstGeom>
+          <a:noFill/>
+        </p:spPr>
+        <p:txBody>
+          <a:bodyPr wrap="none" rtlCol="0">
+            <a:spAutoFit/>
+          </a:bodyPr>
+          <a:lstStyle/>
+          <a:p>
+            <a:r>
+              <a:rPr lang="en-US" sz="800" b="1" dirty="0"/>
+              <a:t>br0 / vs0</a:t>
+            </a:r>
+          </a:p>
+        </p:txBody>
+      </p:sp>
+      <p:grpSp>
+        <p:nvGrpSpPr>
+          <p:cNvPr id="127" name="Group 126">
+            <a:extLst>
+              <a:ext uri="{FF2B5EF4-FFF2-40B4-BE49-F238E27FC236}">
+                <a16:creationId xmlns:a16="http://schemas.microsoft.com/office/drawing/2014/main" id="{54BB0702-0B7D-FE63-D33A-DBD2E8A3D84E}"/>
+              </a:ext>
+            </a:extLst>
+          </p:cNvPr>
+          <p:cNvGrpSpPr/>
+          <p:nvPr/>
+        </p:nvGrpSpPr>
+        <p:grpSpPr>
+          <a:xfrm>
+            <a:off x="3619250" y="4309614"/>
+            <a:ext cx="875464" cy="562943"/>
+            <a:chOff x="220690" y="4323419"/>
+            <a:chExt cx="875464" cy="562943"/>
+          </a:xfrm>
+        </p:grpSpPr>
+        <p:sp>
+          <p:nvSpPr>
+            <p:cNvPr id="125" name="Parallelogram 124">
+              <a:extLst>
+                <a:ext uri="{FF2B5EF4-FFF2-40B4-BE49-F238E27FC236}">
+                  <a16:creationId xmlns:a16="http://schemas.microsoft.com/office/drawing/2014/main" id="{6F07FE2B-D012-2BDA-72C4-7B48AED82A25}"/>
+                </a:ext>
+              </a:extLst>
+            </p:cNvPr>
+            <p:cNvSpPr/>
+            <p:nvPr/>
+          </p:nvSpPr>
+          <p:spPr>
+            <a:xfrm>
+              <a:off x="220690" y="4323419"/>
+              <a:ext cx="875464" cy="562943"/>
+            </a:xfrm>
+            <a:prstGeom prst="parallelogram">
+              <a:avLst/>
+            </a:prstGeom>
+            <a:solidFill>
+              <a:srgbClr val="00ACFF"/>
+            </a:solidFill>
+            <a:ln>
+              <a:solidFill>
+                <a:srgbClr val="002060"/>
+              </a:solidFill>
+            </a:ln>
+          </p:spPr>
+          <p:style>
+            <a:lnRef idx="2">
+              <a:schemeClr val="accent1">
+                <a:shade val="15000"/>
+              </a:schemeClr>
+            </a:lnRef>
+            <a:fillRef idx="1">
+              <a:schemeClr val="accent1"/>
+            </a:fillRef>
+            <a:effectRef idx="0">
+              <a:schemeClr val="accent1"/>
+            </a:effectRef>
+            <a:fontRef idx="minor">
+              <a:schemeClr val="lt1"/>
+            </a:fontRef>
+          </p:style>
+          <p:txBody>
+            <a:bodyPr rtlCol="0" anchor="ctr"/>
+            <a:lstStyle/>
+            <a:p>
+              <a:pPr algn="ctr"/>
+              <a:endParaRPr lang="en-US"/>
+            </a:p>
+          </p:txBody>
+        </p:sp>
+        <p:sp>
+          <p:nvSpPr>
+            <p:cNvPr id="126" name="TextBox 125">
+              <a:extLst>
+                <a:ext uri="{FF2B5EF4-FFF2-40B4-BE49-F238E27FC236}">
+                  <a16:creationId xmlns:a16="http://schemas.microsoft.com/office/drawing/2014/main" id="{5A31F307-A337-5428-88CA-B7112CDCC6A1}"/>
+                </a:ext>
+              </a:extLst>
+            </p:cNvPr>
+            <p:cNvSpPr txBox="1"/>
+            <p:nvPr/>
+          </p:nvSpPr>
+          <p:spPr>
+            <a:xfrm>
+              <a:off x="389758" y="4452102"/>
+              <a:ext cx="537327" cy="307777"/>
+            </a:xfrm>
+            <a:prstGeom prst="rect">
+              <a:avLst/>
+            </a:prstGeom>
+            <a:noFill/>
+          </p:spPr>
+          <p:txBody>
+            <a:bodyPr wrap="none" rtlCol="0">
+              <a:spAutoFit/>
+            </a:bodyPr>
+            <a:lstStyle/>
+            <a:p>
+              <a:r>
+                <a:rPr lang="en-US" sz="1400" b="1" dirty="0">
+                  <a:solidFill>
+                    <a:srgbClr val="002060"/>
+                  </a:solidFill>
+                </a:rPr>
+                <a:t>AHV</a:t>
+              </a:r>
+            </a:p>
+          </p:txBody>
+        </p:sp>
+      </p:grpSp>
+      <p:sp>
+        <p:nvSpPr>
+          <p:cNvPr id="128" name="Rounded Rectangle 127">
+            <a:extLst>
+              <a:ext uri="{FF2B5EF4-FFF2-40B4-BE49-F238E27FC236}">
+                <a16:creationId xmlns:a16="http://schemas.microsoft.com/office/drawing/2014/main" id="{BFA5FF1C-6659-8D25-2EE8-68BE4F1B0AC7}"/>
+              </a:ext>
+            </a:extLst>
+          </p:cNvPr>
+          <p:cNvSpPr/>
+          <p:nvPr/>
+        </p:nvSpPr>
+        <p:spPr>
+          <a:xfrm>
+            <a:off x="3371392" y="3348526"/>
+            <a:ext cx="682814" cy="585216"/>
+          </a:xfrm>
+          <a:prstGeom prst="roundRect">
+            <a:avLst/>
+          </a:prstGeom>
+          <a:solidFill>
+            <a:srgbClr val="D5FED6"/>
+          </a:solidFill>
+          <a:ln>
+            <a:solidFill>
+              <a:schemeClr val="tx2">
+                <a:alpha val="50000"/>
+              </a:schemeClr>
+            </a:solidFill>
+            <a:prstDash val="dash"/>
+          </a:ln>
+        </p:spPr>
+        <p:style>
+          <a:lnRef idx="2">
+            <a:schemeClr val="accent1">
+              <a:shade val="15000"/>
+            </a:schemeClr>
+          </a:lnRef>
+          <a:fillRef idx="1">
+            <a:schemeClr val="accent1"/>
+          </a:fillRef>
+          <a:effectRef idx="0">
+            <a:schemeClr val="accent1"/>
+          </a:effectRef>
+          <a:fontRef idx="minor">
+            <a:schemeClr val="lt1"/>
+          </a:fontRef>
+        </p:style>
+        <p:txBody>
+          <a:bodyPr rtlCol="0" anchor="ctr"/>
+          <a:lstStyle/>
+          <a:p>
+            <a:pPr algn="ctr"/>
+            <a:endParaRPr lang="en-US"/>
+          </a:p>
+        </p:txBody>
+      </p:sp>
+      <p:sp>
+        <p:nvSpPr>
+          <p:cNvPr id="130" name="TextBox 129">
+            <a:extLst>
+              <a:ext uri="{FF2B5EF4-FFF2-40B4-BE49-F238E27FC236}">
+                <a16:creationId xmlns:a16="http://schemas.microsoft.com/office/drawing/2014/main" id="{386F1AD8-4B45-16A5-5CAE-72F68C6839C1}"/>
+              </a:ext>
+            </a:extLst>
+          </p:cNvPr>
+          <p:cNvSpPr txBox="1"/>
+          <p:nvPr/>
+        </p:nvSpPr>
+        <p:spPr>
+          <a:xfrm>
+            <a:off x="3331779" y="3355545"/>
+            <a:ext cx="455574" cy="215444"/>
+          </a:xfrm>
+          <a:prstGeom prst="rect">
+            <a:avLst/>
+          </a:prstGeom>
+          <a:noFill/>
+        </p:spPr>
+        <p:txBody>
+          <a:bodyPr wrap="none" rtlCol="0">
+            <a:spAutoFit/>
+          </a:bodyPr>
+          <a:lstStyle/>
+          <a:p>
+            <a:r>
+              <a:rPr lang="en-US" sz="800" b="1" dirty="0"/>
+              <a:t>virbr0</a:t>
+            </a:r>
+          </a:p>
+        </p:txBody>
+      </p:sp>
+      <p:sp>
+        <p:nvSpPr>
+          <p:cNvPr id="132" name="Diamond 131">
+            <a:extLst>
+              <a:ext uri="{FF2B5EF4-FFF2-40B4-BE49-F238E27FC236}">
+                <a16:creationId xmlns:a16="http://schemas.microsoft.com/office/drawing/2014/main" id="{8A56140D-DFE8-917F-CE56-3F3E225E893D}"/>
+              </a:ext>
+            </a:extLst>
+          </p:cNvPr>
+          <p:cNvSpPr/>
+          <p:nvPr/>
+        </p:nvSpPr>
+        <p:spPr>
+          <a:xfrm>
+            <a:off x="4325645" y="3774638"/>
+            <a:ext cx="150544" cy="178341"/>
+          </a:xfrm>
+          <a:prstGeom prst="diamond">
+            <a:avLst/>
+          </a:prstGeom>
+          <a:solidFill>
+            <a:schemeClr val="bg1">
+              <a:lumMod val="75000"/>
+            </a:schemeClr>
+          </a:solidFill>
+          <a:ln>
+            <a:solidFill>
+              <a:schemeClr val="bg1">
+                <a:lumMod val="50000"/>
+              </a:schemeClr>
+            </a:solidFill>
+          </a:ln>
+        </p:spPr>
+        <p:style>
+          <a:lnRef idx="2">
+            <a:schemeClr val="accent1">
+              <a:shade val="15000"/>
+            </a:schemeClr>
+          </a:lnRef>
+          <a:fillRef idx="1">
+            <a:schemeClr val="accent1"/>
+          </a:fillRef>
+          <a:effectRef idx="0">
+            <a:schemeClr val="accent1"/>
+          </a:effectRef>
+          <a:fontRef idx="minor">
+            <a:schemeClr val="lt1"/>
+          </a:fontRef>
+        </p:style>
+        <p:txBody>
+          <a:bodyPr rtlCol="0" anchor="ctr"/>
+          <a:lstStyle/>
+          <a:p>
+            <a:pPr algn="ctr"/>
+            <a:endParaRPr lang="en-US"/>
+          </a:p>
+        </p:txBody>
+      </p:sp>
+      <p:sp>
+        <p:nvSpPr>
+          <p:cNvPr id="133" name="Diamond 132">
+            <a:extLst>
+              <a:ext uri="{FF2B5EF4-FFF2-40B4-BE49-F238E27FC236}">
+                <a16:creationId xmlns:a16="http://schemas.microsoft.com/office/drawing/2014/main" id="{0AA4F6F1-E7C4-9A4E-DE46-47B9A6723161}"/>
+              </a:ext>
+            </a:extLst>
+          </p:cNvPr>
+          <p:cNvSpPr/>
+          <p:nvPr/>
+        </p:nvSpPr>
+        <p:spPr>
+          <a:xfrm>
+            <a:off x="3907411" y="3770762"/>
+            <a:ext cx="150544" cy="178341"/>
+          </a:xfrm>
+          <a:prstGeom prst="diamond">
+            <a:avLst/>
+          </a:prstGeom>
+          <a:solidFill>
+            <a:schemeClr val="bg1">
+              <a:lumMod val="75000"/>
+            </a:schemeClr>
+          </a:solidFill>
+          <a:ln>
+            <a:solidFill>
+              <a:schemeClr val="bg1">
+                <a:lumMod val="50000"/>
+              </a:schemeClr>
+            </a:solidFill>
+          </a:ln>
+        </p:spPr>
+        <p:style>
+          <a:lnRef idx="2">
+            <a:schemeClr val="accent1">
+              <a:shade val="15000"/>
+            </a:schemeClr>
+          </a:lnRef>
+          <a:fillRef idx="1">
+            <a:schemeClr val="accent1"/>
+          </a:fillRef>
+          <a:effectRef idx="0">
+            <a:schemeClr val="accent1"/>
+          </a:effectRef>
+          <a:fontRef idx="minor">
+            <a:schemeClr val="lt1"/>
+          </a:fontRef>
+        </p:style>
+        <p:txBody>
+          <a:bodyPr rtlCol="0" anchor="ctr"/>
+          <a:lstStyle/>
+          <a:p>
+            <a:pPr algn="ctr"/>
+            <a:endParaRPr lang="en-US"/>
+          </a:p>
+        </p:txBody>
+      </p:sp>
+      <p:sp>
+        <p:nvSpPr>
+          <p:cNvPr id="134" name="TextBox 133">
+            <a:extLst>
+              <a:ext uri="{FF2B5EF4-FFF2-40B4-BE49-F238E27FC236}">
+                <a16:creationId xmlns:a16="http://schemas.microsoft.com/office/drawing/2014/main" id="{A9BAD6D3-D24D-6A8E-DF34-0FA9A32C336E}"/>
+              </a:ext>
+            </a:extLst>
+          </p:cNvPr>
+          <p:cNvSpPr txBox="1"/>
+          <p:nvPr/>
+        </p:nvSpPr>
+        <p:spPr>
+          <a:xfrm>
+            <a:off x="4263795" y="3615189"/>
+            <a:ext cx="338554" cy="215444"/>
+          </a:xfrm>
+          <a:prstGeom prst="rect">
+            <a:avLst/>
+          </a:prstGeom>
+          <a:noFill/>
+        </p:spPr>
+        <p:txBody>
+          <a:bodyPr wrap="none" rtlCol="0">
+            <a:spAutoFit/>
+          </a:bodyPr>
+          <a:lstStyle/>
+          <a:p>
+            <a:r>
+              <a:rPr lang="en-US" sz="800" b="1" dirty="0">
+                <a:solidFill>
+                  <a:schemeClr val="bg1">
+                    <a:lumMod val="50000"/>
+                  </a:schemeClr>
+                </a:solidFill>
+              </a:rPr>
+              <a:t>br0</a:t>
+            </a:r>
+          </a:p>
+        </p:txBody>
+      </p:sp>
+      <p:sp>
+        <p:nvSpPr>
+          <p:cNvPr id="135" name="TextBox 134">
+            <a:extLst>
+              <a:ext uri="{FF2B5EF4-FFF2-40B4-BE49-F238E27FC236}">
+                <a16:creationId xmlns:a16="http://schemas.microsoft.com/office/drawing/2014/main" id="{C23EDD6B-C8D0-84FB-CB71-D6F90F37B331}"/>
+              </a:ext>
+            </a:extLst>
+          </p:cNvPr>
+          <p:cNvSpPr txBox="1"/>
+          <p:nvPr/>
+        </p:nvSpPr>
+        <p:spPr>
+          <a:xfrm>
+            <a:off x="3652177" y="3612771"/>
+            <a:ext cx="455574" cy="215444"/>
+          </a:xfrm>
+          <a:prstGeom prst="rect">
+            <a:avLst/>
+          </a:prstGeom>
+          <a:noFill/>
+        </p:spPr>
+        <p:txBody>
+          <a:bodyPr wrap="none" rtlCol="0">
+            <a:spAutoFit/>
+          </a:bodyPr>
+          <a:lstStyle/>
+          <a:p>
+            <a:r>
+              <a:rPr lang="en-US" sz="800" b="1" dirty="0">
+                <a:solidFill>
+                  <a:schemeClr val="bg1">
+                    <a:lumMod val="50000"/>
+                  </a:schemeClr>
+                </a:solidFill>
+              </a:rPr>
+              <a:t>virbr0</a:t>
+            </a:r>
+          </a:p>
+        </p:txBody>
+      </p:sp>
+      <p:cxnSp>
+        <p:nvCxnSpPr>
+          <p:cNvPr id="138" name="Straight Connector 137">
+            <a:extLst>
+              <a:ext uri="{FF2B5EF4-FFF2-40B4-BE49-F238E27FC236}">
+                <a16:creationId xmlns:a16="http://schemas.microsoft.com/office/drawing/2014/main" id="{4793EA27-7721-401F-DEA5-B8476497268A}"/>
+              </a:ext>
+            </a:extLst>
+          </p:cNvPr>
+          <p:cNvCxnSpPr>
+            <a:cxnSpLocks/>
+            <a:stCxn id="133" idx="2"/>
+          </p:cNvCxnSpPr>
+          <p:nvPr/>
+        </p:nvCxnSpPr>
+        <p:spPr>
+          <a:xfrm>
+            <a:off x="3982683" y="3949103"/>
+            <a:ext cx="0" cy="377958"/>
+          </a:xfrm>
+          <a:prstGeom prst="line">
+            <a:avLst/>
+          </a:prstGeom>
+          <a:ln>
+            <a:prstDash val="sysDash"/>
+          </a:ln>
+        </p:spPr>
+        <p:style>
+          <a:lnRef idx="2">
+            <a:schemeClr val="accent1"/>
+          </a:lnRef>
+          <a:fillRef idx="0">
+            <a:schemeClr val="accent1"/>
+          </a:fillRef>
+          <a:effectRef idx="1">
+            <a:schemeClr val="accent1"/>
+          </a:effectRef>
+          <a:fontRef idx="minor">
+            <a:schemeClr val="tx1"/>
+          </a:fontRef>
+        </p:style>
+      </p:cxnSp>
+      <p:cxnSp>
+        <p:nvCxnSpPr>
+          <p:cNvPr id="140" name="Straight Connector 139">
+            <a:extLst>
+              <a:ext uri="{FF2B5EF4-FFF2-40B4-BE49-F238E27FC236}">
+                <a16:creationId xmlns:a16="http://schemas.microsoft.com/office/drawing/2014/main" id="{4EB4DCFD-04CA-5EFD-A094-B9C4C31F209A}"/>
+              </a:ext>
+            </a:extLst>
+          </p:cNvPr>
+          <p:cNvCxnSpPr>
+            <a:cxnSpLocks/>
+          </p:cNvCxnSpPr>
+          <p:nvPr/>
+        </p:nvCxnSpPr>
+        <p:spPr>
+          <a:xfrm>
+            <a:off x="4394022" y="3941429"/>
+            <a:ext cx="0" cy="377958"/>
+          </a:xfrm>
+          <a:prstGeom prst="line">
+            <a:avLst/>
+          </a:prstGeom>
+          <a:ln>
+            <a:prstDash val="sysDash"/>
+          </a:ln>
+        </p:spPr>
+        <p:style>
+          <a:lnRef idx="2">
+            <a:schemeClr val="accent1"/>
+          </a:lnRef>
+          <a:fillRef idx="0">
+            <a:schemeClr val="accent1"/>
+          </a:fillRef>
+          <a:effectRef idx="1">
+            <a:schemeClr val="accent1"/>
+          </a:effectRef>
+          <a:fontRef idx="minor">
+            <a:schemeClr val="tx1"/>
+          </a:fontRef>
+        </p:style>
+      </p:cxnSp>
+      <p:sp>
+        <p:nvSpPr>
+          <p:cNvPr id="141" name="Diamond 140">
+            <a:extLst>
+              <a:ext uri="{FF2B5EF4-FFF2-40B4-BE49-F238E27FC236}">
+                <a16:creationId xmlns:a16="http://schemas.microsoft.com/office/drawing/2014/main" id="{AAAB666A-0D6D-719A-78D5-6B3B80C6ABB0}"/>
+              </a:ext>
+            </a:extLst>
+          </p:cNvPr>
+          <p:cNvSpPr/>
+          <p:nvPr/>
+        </p:nvSpPr>
+        <p:spPr>
+          <a:xfrm>
+            <a:off x="4322693" y="3328674"/>
+            <a:ext cx="150544" cy="178341"/>
+          </a:xfrm>
+          <a:prstGeom prst="diamond">
+            <a:avLst/>
+          </a:prstGeom>
+          <a:solidFill>
+            <a:schemeClr val="bg1">
+              <a:lumMod val="75000"/>
+            </a:schemeClr>
+          </a:solidFill>
+          <a:ln>
+            <a:solidFill>
+              <a:schemeClr val="bg1">
+                <a:lumMod val="50000"/>
+              </a:schemeClr>
+            </a:solidFill>
+          </a:ln>
+        </p:spPr>
+        <p:style>
+          <a:lnRef idx="2">
+            <a:schemeClr val="accent1">
+              <a:shade val="15000"/>
+            </a:schemeClr>
+          </a:lnRef>
+          <a:fillRef idx="1">
+            <a:schemeClr val="accent1"/>
+          </a:fillRef>
+          <a:effectRef idx="0">
+            <a:schemeClr val="accent1"/>
+          </a:effectRef>
+          <a:fontRef idx="minor">
+            <a:schemeClr val="lt1"/>
+          </a:fontRef>
+        </p:style>
+        <p:txBody>
+          <a:bodyPr rtlCol="0" anchor="ctr"/>
+          <a:lstStyle/>
+          <a:p>
+            <a:pPr algn="ctr"/>
+            <a:endParaRPr lang="en-US"/>
+          </a:p>
+        </p:txBody>
+      </p:sp>
+      <p:sp>
+        <p:nvSpPr>
+          <p:cNvPr id="142" name="Diamond 141">
+            <a:extLst>
+              <a:ext uri="{FF2B5EF4-FFF2-40B4-BE49-F238E27FC236}">
+                <a16:creationId xmlns:a16="http://schemas.microsoft.com/office/drawing/2014/main" id="{1115A86E-9F20-4C47-0535-620836D3FB66}"/>
+              </a:ext>
+            </a:extLst>
+          </p:cNvPr>
+          <p:cNvSpPr/>
+          <p:nvPr/>
+        </p:nvSpPr>
+        <p:spPr>
+          <a:xfrm>
+            <a:off x="3910349" y="3320370"/>
+            <a:ext cx="150544" cy="178341"/>
+          </a:xfrm>
+          <a:prstGeom prst="diamond">
+            <a:avLst/>
+          </a:prstGeom>
+          <a:solidFill>
+            <a:schemeClr val="bg1">
+              <a:lumMod val="75000"/>
+            </a:schemeClr>
+          </a:solidFill>
+          <a:ln>
+            <a:solidFill>
+              <a:schemeClr val="bg1">
+                <a:lumMod val="50000"/>
+              </a:schemeClr>
+            </a:solidFill>
+          </a:ln>
+        </p:spPr>
+        <p:style>
+          <a:lnRef idx="2">
+            <a:schemeClr val="accent1">
+              <a:shade val="15000"/>
+            </a:schemeClr>
+          </a:lnRef>
+          <a:fillRef idx="1">
+            <a:schemeClr val="accent1"/>
+          </a:fillRef>
+          <a:effectRef idx="0">
+            <a:schemeClr val="accent1"/>
+          </a:effectRef>
+          <a:fontRef idx="minor">
+            <a:schemeClr val="lt1"/>
+          </a:fontRef>
+        </p:style>
+        <p:txBody>
+          <a:bodyPr rtlCol="0" anchor="ctr"/>
+          <a:lstStyle/>
+          <a:p>
+            <a:pPr algn="ctr"/>
+            <a:endParaRPr lang="en-US"/>
+          </a:p>
+        </p:txBody>
+      </p:sp>
+      <p:sp>
+        <p:nvSpPr>
+          <p:cNvPr id="143" name="TextBox 142">
+            <a:extLst>
+              <a:ext uri="{FF2B5EF4-FFF2-40B4-BE49-F238E27FC236}">
+                <a16:creationId xmlns:a16="http://schemas.microsoft.com/office/drawing/2014/main" id="{EECB6502-C07A-8045-1728-962185CED107}"/>
+              </a:ext>
+            </a:extLst>
+          </p:cNvPr>
+          <p:cNvSpPr txBox="1"/>
+          <p:nvPr/>
+        </p:nvSpPr>
+        <p:spPr>
+          <a:xfrm>
+            <a:off x="3654950" y="3454957"/>
+            <a:ext cx="444352" cy="215444"/>
+          </a:xfrm>
+          <a:prstGeom prst="rect">
+            <a:avLst/>
+          </a:prstGeom>
+          <a:noFill/>
+        </p:spPr>
+        <p:txBody>
+          <a:bodyPr wrap="none" rtlCol="0">
+            <a:spAutoFit/>
+          </a:bodyPr>
+          <a:lstStyle/>
+          <a:p>
+            <a:r>
+              <a:rPr lang="en-US" sz="800" b="1" dirty="0">
+                <a:solidFill>
+                  <a:schemeClr val="bg1">
+                    <a:lumMod val="50000"/>
+                  </a:schemeClr>
+                </a:solidFill>
+              </a:rPr>
+              <a:t>vnet1</a:t>
+            </a:r>
+          </a:p>
+        </p:txBody>
+      </p:sp>
+      <p:sp>
+        <p:nvSpPr>
+          <p:cNvPr id="144" name="TextBox 143">
+            <a:extLst>
+              <a:ext uri="{FF2B5EF4-FFF2-40B4-BE49-F238E27FC236}">
+                <a16:creationId xmlns:a16="http://schemas.microsoft.com/office/drawing/2014/main" id="{13396E6C-69B0-27F4-71F3-E0C50109A0AA}"/>
+              </a:ext>
+            </a:extLst>
+          </p:cNvPr>
+          <p:cNvSpPr txBox="1"/>
+          <p:nvPr/>
+        </p:nvSpPr>
+        <p:spPr>
+          <a:xfrm>
+            <a:off x="4277675" y="3459843"/>
+            <a:ext cx="444352" cy="215444"/>
+          </a:xfrm>
+          <a:prstGeom prst="rect">
+            <a:avLst/>
+          </a:prstGeom>
+          <a:noFill/>
+        </p:spPr>
+        <p:txBody>
+          <a:bodyPr wrap="none" rtlCol="0">
+            <a:spAutoFit/>
+          </a:bodyPr>
+          <a:lstStyle/>
+          <a:p>
+            <a:r>
+              <a:rPr lang="en-US" sz="800" b="1" dirty="0">
+                <a:solidFill>
+                  <a:schemeClr val="bg1">
+                    <a:lumMod val="50000"/>
+                  </a:schemeClr>
+                </a:solidFill>
+              </a:rPr>
+              <a:t>vnet0</a:t>
+            </a:r>
+          </a:p>
+        </p:txBody>
+      </p:sp>
+      <p:sp>
+        <p:nvSpPr>
+          <p:cNvPr id="145" name="Oval 144">
+            <a:extLst>
+              <a:ext uri="{FF2B5EF4-FFF2-40B4-BE49-F238E27FC236}">
+                <a16:creationId xmlns:a16="http://schemas.microsoft.com/office/drawing/2014/main" id="{8959CDD4-BA3B-D5C5-C52A-36460D1EA31A}"/>
+              </a:ext>
+            </a:extLst>
+          </p:cNvPr>
+          <p:cNvSpPr/>
+          <p:nvPr/>
+        </p:nvSpPr>
+        <p:spPr>
+          <a:xfrm>
+            <a:off x="4801360" y="3898060"/>
+            <a:ext cx="552141" cy="90789"/>
+          </a:xfrm>
+          <a:prstGeom prst="ellipse">
+            <a:avLst/>
+          </a:prstGeom>
+          <a:noFill/>
+          <a:ln>
+            <a:solidFill>
+              <a:schemeClr val="accent2">
+                <a:lumMod val="50000"/>
+              </a:schemeClr>
+            </a:solidFill>
+            <a:prstDash val="sysDash"/>
+          </a:ln>
+        </p:spPr>
+        <p:style>
+          <a:lnRef idx="2">
+            <a:schemeClr val="accent1">
+              <a:shade val="15000"/>
+            </a:schemeClr>
+          </a:lnRef>
+          <a:fillRef idx="1">
+            <a:schemeClr val="accent1"/>
+          </a:fillRef>
+          <a:effectRef idx="0">
+            <a:schemeClr val="accent1"/>
+          </a:effectRef>
+          <a:fontRef idx="minor">
+            <a:schemeClr val="lt1"/>
+          </a:fontRef>
+        </p:style>
+        <p:txBody>
+          <a:bodyPr rtlCol="0" anchor="ctr"/>
+          <a:lstStyle/>
+          <a:p>
+            <a:pPr algn="ctr"/>
+            <a:endParaRPr lang="en-US"/>
+          </a:p>
+        </p:txBody>
+      </p:sp>
+      <p:grpSp>
+        <p:nvGrpSpPr>
+          <p:cNvPr id="149" name="Group 148">
+            <a:extLst>
+              <a:ext uri="{FF2B5EF4-FFF2-40B4-BE49-F238E27FC236}">
+                <a16:creationId xmlns:a16="http://schemas.microsoft.com/office/drawing/2014/main" id="{9886C2CF-656A-1B71-4A4D-60ABA74B9C0A}"/>
+              </a:ext>
+            </a:extLst>
+          </p:cNvPr>
+          <p:cNvGrpSpPr/>
+          <p:nvPr/>
+        </p:nvGrpSpPr>
+        <p:grpSpPr>
+          <a:xfrm>
+            <a:off x="3711623" y="1129596"/>
+            <a:ext cx="1010404" cy="658506"/>
+            <a:chOff x="556089" y="1129596"/>
+            <a:chExt cx="1010404" cy="658506"/>
+          </a:xfrm>
+        </p:grpSpPr>
+        <p:sp>
+          <p:nvSpPr>
+            <p:cNvPr id="6" name="Trapezoid 5">
+              <a:extLst>
+                <a:ext uri="{FF2B5EF4-FFF2-40B4-BE49-F238E27FC236}">
+                  <a16:creationId xmlns:a16="http://schemas.microsoft.com/office/drawing/2014/main" id="{D16E27A9-F5CA-46A9-B5C7-AF69B0ABEF8E}"/>
+                </a:ext>
+              </a:extLst>
+            </p:cNvPr>
+            <p:cNvSpPr/>
+            <p:nvPr/>
+          </p:nvSpPr>
+          <p:spPr>
+            <a:xfrm rot="10800000">
+              <a:off x="556089" y="1129596"/>
+              <a:ext cx="1010404" cy="644525"/>
+            </a:xfrm>
+            <a:prstGeom prst="trapezoid">
+              <a:avLst/>
+            </a:prstGeom>
+            <a:solidFill>
+              <a:srgbClr val="00ACFF"/>
+            </a:solidFill>
+            <a:ln>
+              <a:solidFill>
+                <a:srgbClr val="002060"/>
+              </a:solidFill>
+            </a:ln>
+          </p:spPr>
+          <p:style>
+            <a:lnRef idx="2">
+              <a:schemeClr val="accent1">
+                <a:shade val="15000"/>
+              </a:schemeClr>
+            </a:lnRef>
+            <a:fillRef idx="1">
+              <a:schemeClr val="accent1"/>
+            </a:fillRef>
+            <a:effectRef idx="0">
+              <a:schemeClr val="accent1"/>
+            </a:effectRef>
+            <a:fontRef idx="minor">
+              <a:schemeClr val="lt1"/>
+            </a:fontRef>
+          </p:style>
+          <p:txBody>
+            <a:bodyPr rtlCol="0" anchor="ctr"/>
+            <a:lstStyle/>
+            <a:p>
+              <a:pPr algn="ctr"/>
+              <a:endParaRPr lang="en-US"/>
+            </a:p>
+          </p:txBody>
+        </p:sp>
+        <p:sp>
+          <p:nvSpPr>
+            <p:cNvPr id="146" name="TextBox 145">
+              <a:extLst>
+                <a:ext uri="{FF2B5EF4-FFF2-40B4-BE49-F238E27FC236}">
+                  <a16:creationId xmlns:a16="http://schemas.microsoft.com/office/drawing/2014/main" id="{71DE6E2A-6BFF-B3F9-ED5C-4C4DDC8D901A}"/>
+                </a:ext>
+              </a:extLst>
+            </p:cNvPr>
+            <p:cNvSpPr txBox="1"/>
+            <p:nvPr/>
+          </p:nvSpPr>
+          <p:spPr>
+            <a:xfrm>
+              <a:off x="722633" y="1175462"/>
+              <a:ext cx="677750" cy="369332"/>
+            </a:xfrm>
+            <a:prstGeom prst="rect">
+              <a:avLst/>
+            </a:prstGeom>
+            <a:noFill/>
+          </p:spPr>
+          <p:txBody>
+            <a:bodyPr wrap="none" rtlCol="0">
+              <a:spAutoFit/>
+            </a:bodyPr>
+            <a:lstStyle/>
+            <a:p>
+              <a:r>
+                <a:rPr lang="en-US" b="1" dirty="0">
+                  <a:solidFill>
+                    <a:srgbClr val="002060"/>
+                  </a:solidFill>
+                </a:rPr>
+                <a:t>CVM</a:t>
+              </a:r>
+            </a:p>
+          </p:txBody>
+        </p:sp>
+        <p:sp>
+          <p:nvSpPr>
+            <p:cNvPr id="147" name="Diamond 146">
+              <a:extLst>
+                <a:ext uri="{FF2B5EF4-FFF2-40B4-BE49-F238E27FC236}">
+                  <a16:creationId xmlns:a16="http://schemas.microsoft.com/office/drawing/2014/main" id="{ED4BD857-96D8-D373-FE9B-D8F02E716E3A}"/>
+                </a:ext>
+              </a:extLst>
+            </p:cNvPr>
+            <p:cNvSpPr/>
+            <p:nvPr/>
+          </p:nvSpPr>
+          <p:spPr>
+            <a:xfrm>
+              <a:off x="1167159" y="1609761"/>
+              <a:ext cx="150544" cy="178341"/>
+            </a:xfrm>
+            <a:prstGeom prst="diamond">
+              <a:avLst/>
+            </a:prstGeom>
+            <a:solidFill>
+              <a:schemeClr val="bg1">
+                <a:lumMod val="75000"/>
+              </a:schemeClr>
+            </a:solidFill>
+            <a:ln>
+              <a:solidFill>
+                <a:schemeClr val="bg1">
+                  <a:lumMod val="50000"/>
+                </a:schemeClr>
+              </a:solidFill>
+            </a:ln>
+          </p:spPr>
+          <p:style>
+            <a:lnRef idx="2">
+              <a:schemeClr val="accent1">
+                <a:shade val="15000"/>
+              </a:schemeClr>
+            </a:lnRef>
+            <a:fillRef idx="1">
+              <a:schemeClr val="accent1"/>
+            </a:fillRef>
+            <a:effectRef idx="0">
+              <a:schemeClr val="accent1"/>
+            </a:effectRef>
+            <a:fontRef idx="minor">
+              <a:schemeClr val="lt1"/>
+            </a:fontRef>
+          </p:style>
+          <p:txBody>
+            <a:bodyPr rtlCol="0" anchor="ctr"/>
+            <a:lstStyle/>
+            <a:p>
+              <a:pPr algn="ctr"/>
+              <a:endParaRPr lang="en-US"/>
+            </a:p>
+          </p:txBody>
+        </p:sp>
+        <p:sp>
+          <p:nvSpPr>
+            <p:cNvPr id="148" name="Diamond 147">
+              <a:extLst>
+                <a:ext uri="{FF2B5EF4-FFF2-40B4-BE49-F238E27FC236}">
+                  <a16:creationId xmlns:a16="http://schemas.microsoft.com/office/drawing/2014/main" id="{4F990E5D-E6A5-D960-2202-061B055F1B1C}"/>
+                </a:ext>
+              </a:extLst>
+            </p:cNvPr>
+            <p:cNvSpPr/>
+            <p:nvPr/>
+          </p:nvSpPr>
+          <p:spPr>
+            <a:xfrm>
+              <a:off x="754815" y="1601457"/>
+              <a:ext cx="150544" cy="178341"/>
+            </a:xfrm>
+            <a:prstGeom prst="diamond">
+              <a:avLst/>
+            </a:prstGeom>
+            <a:solidFill>
+              <a:schemeClr val="bg1">
+                <a:lumMod val="75000"/>
+              </a:schemeClr>
+            </a:solidFill>
+            <a:ln>
+              <a:solidFill>
+                <a:schemeClr val="bg1">
+                  <a:lumMod val="50000"/>
+                </a:schemeClr>
+              </a:solidFill>
+            </a:ln>
+          </p:spPr>
+          <p:style>
+            <a:lnRef idx="2">
+              <a:schemeClr val="accent1">
+                <a:shade val="15000"/>
+              </a:schemeClr>
+            </a:lnRef>
+            <a:fillRef idx="1">
+              <a:schemeClr val="accent1"/>
+            </a:fillRef>
+            <a:effectRef idx="0">
+              <a:schemeClr val="accent1"/>
+            </a:effectRef>
+            <a:fontRef idx="minor">
+              <a:schemeClr val="lt1"/>
+            </a:fontRef>
+          </p:style>
+          <p:txBody>
+            <a:bodyPr rtlCol="0" anchor="ctr"/>
+            <a:lstStyle/>
+            <a:p>
+              <a:pPr algn="ctr"/>
+              <a:endParaRPr lang="en-US"/>
+            </a:p>
+          </p:txBody>
+        </p:sp>
+      </p:grpSp>
+      <p:cxnSp>
+        <p:nvCxnSpPr>
+          <p:cNvPr id="150" name="Straight Connector 149">
+            <a:extLst>
+              <a:ext uri="{FF2B5EF4-FFF2-40B4-BE49-F238E27FC236}">
+                <a16:creationId xmlns:a16="http://schemas.microsoft.com/office/drawing/2014/main" id="{56DBF90D-D24A-A5DA-CDEE-CB4DC0671817}"/>
+              </a:ext>
+            </a:extLst>
+          </p:cNvPr>
+          <p:cNvCxnSpPr>
+            <a:cxnSpLocks/>
+            <a:stCxn id="148" idx="2"/>
+            <a:endCxn id="142" idx="0"/>
+          </p:cNvCxnSpPr>
+          <p:nvPr/>
+        </p:nvCxnSpPr>
+        <p:spPr>
+          <a:xfrm>
+            <a:off x="3985621" y="1779798"/>
+            <a:ext cx="0" cy="1540572"/>
+          </a:xfrm>
+          <a:prstGeom prst="line">
+            <a:avLst/>
+          </a:prstGeom>
+          <a:ln>
+            <a:prstDash val="sysDash"/>
+          </a:ln>
+        </p:spPr>
+        <p:style>
+          <a:lnRef idx="2">
+            <a:schemeClr val="accent1"/>
+          </a:lnRef>
+          <a:fillRef idx="0">
+            <a:schemeClr val="accent1"/>
+          </a:fillRef>
+          <a:effectRef idx="1">
+            <a:schemeClr val="accent1"/>
+          </a:effectRef>
+          <a:fontRef idx="minor">
+            <a:schemeClr val="tx1"/>
+          </a:fontRef>
+        </p:style>
+      </p:cxnSp>
+      <p:cxnSp>
+        <p:nvCxnSpPr>
+          <p:cNvPr id="152" name="Straight Connector 151">
+            <a:extLst>
+              <a:ext uri="{FF2B5EF4-FFF2-40B4-BE49-F238E27FC236}">
+                <a16:creationId xmlns:a16="http://schemas.microsoft.com/office/drawing/2014/main" id="{0004A6B9-12B5-B45F-051A-0E5FC17D808F}"/>
+              </a:ext>
+            </a:extLst>
+          </p:cNvPr>
+          <p:cNvCxnSpPr>
+            <a:cxnSpLocks/>
+            <a:stCxn id="147" idx="2"/>
+            <a:endCxn id="141" idx="0"/>
+          </p:cNvCxnSpPr>
+          <p:nvPr/>
+        </p:nvCxnSpPr>
+        <p:spPr>
+          <a:xfrm>
+            <a:off x="4397965" y="1788102"/>
+            <a:ext cx="0" cy="1540572"/>
+          </a:xfrm>
+          <a:prstGeom prst="line">
+            <a:avLst/>
+          </a:prstGeom>
+          <a:ln>
+            <a:prstDash val="sysDash"/>
+          </a:ln>
+        </p:spPr>
+        <p:style>
+          <a:lnRef idx="2">
+            <a:schemeClr val="accent1"/>
+          </a:lnRef>
+          <a:fillRef idx="0">
+            <a:schemeClr val="accent1"/>
+          </a:fillRef>
+          <a:effectRef idx="1">
+            <a:schemeClr val="accent1"/>
+          </a:effectRef>
+          <a:fontRef idx="minor">
+            <a:schemeClr val="tx1"/>
+          </a:fontRef>
+        </p:style>
+      </p:cxnSp>
+      <p:sp>
+        <p:nvSpPr>
+          <p:cNvPr id="153" name="TextBox 152">
+            <a:extLst>
+              <a:ext uri="{FF2B5EF4-FFF2-40B4-BE49-F238E27FC236}">
+                <a16:creationId xmlns:a16="http://schemas.microsoft.com/office/drawing/2014/main" id="{BDF5DA94-A7A0-50A6-E8E2-653FCCAD9C20}"/>
+              </a:ext>
+            </a:extLst>
+          </p:cNvPr>
+          <p:cNvSpPr txBox="1"/>
+          <p:nvPr/>
+        </p:nvSpPr>
+        <p:spPr>
+          <a:xfrm>
+            <a:off x="5254807" y="3499020"/>
+            <a:ext cx="383438" cy="215444"/>
+          </a:xfrm>
+          <a:prstGeom prst="rect">
+            <a:avLst/>
+          </a:prstGeom>
+          <a:noFill/>
+        </p:spPr>
+        <p:txBody>
+          <a:bodyPr wrap="none" rtlCol="0">
+            <a:spAutoFit/>
+          </a:bodyPr>
+          <a:lstStyle/>
+          <a:p>
+            <a:r>
+              <a:rPr lang="en-US" sz="800" b="1" dirty="0">
+                <a:solidFill>
+                  <a:schemeClr val="bg1">
+                    <a:lumMod val="65000"/>
+                  </a:schemeClr>
+                </a:solidFill>
+              </a:rPr>
+              <a:t>OVS</a:t>
+            </a:r>
+          </a:p>
+        </p:txBody>
+      </p:sp>
+      <p:sp>
+        <p:nvSpPr>
+          <p:cNvPr id="154" name="TextBox 153">
+            <a:extLst>
+              <a:ext uri="{FF2B5EF4-FFF2-40B4-BE49-F238E27FC236}">
+                <a16:creationId xmlns:a16="http://schemas.microsoft.com/office/drawing/2014/main" id="{E7FCEB15-1E89-9B6B-38B2-0F88793C5CE4}"/>
+              </a:ext>
+            </a:extLst>
+          </p:cNvPr>
+          <p:cNvSpPr txBox="1"/>
+          <p:nvPr/>
+        </p:nvSpPr>
+        <p:spPr>
+          <a:xfrm>
+            <a:off x="3293121" y="3746970"/>
+            <a:ext cx="434734" cy="215444"/>
+          </a:xfrm>
+          <a:prstGeom prst="rect">
+            <a:avLst/>
+          </a:prstGeom>
+          <a:noFill/>
+        </p:spPr>
+        <p:txBody>
+          <a:bodyPr wrap="none" rtlCol="0">
+            <a:spAutoFit/>
+          </a:bodyPr>
+          <a:lstStyle/>
+          <a:p>
+            <a:r>
+              <a:rPr lang="en-US" sz="800" b="1" dirty="0">
+                <a:solidFill>
+                  <a:schemeClr val="bg1">
+                    <a:lumMod val="65000"/>
+                  </a:schemeClr>
+                </a:solidFill>
+              </a:rPr>
+              <a:t>Linux</a:t>
+            </a:r>
+          </a:p>
+        </p:txBody>
+      </p:sp>
+      <p:sp>
+        <p:nvSpPr>
+          <p:cNvPr id="155" name="TextBox 154">
+            <a:extLst>
+              <a:ext uri="{FF2B5EF4-FFF2-40B4-BE49-F238E27FC236}">
+                <a16:creationId xmlns:a16="http://schemas.microsoft.com/office/drawing/2014/main" id="{FE543C45-23C9-E26A-376A-4E510084DD15}"/>
+              </a:ext>
+            </a:extLst>
+          </p:cNvPr>
+          <p:cNvSpPr txBox="1"/>
+          <p:nvPr/>
+        </p:nvSpPr>
+        <p:spPr>
+          <a:xfrm>
+            <a:off x="4202939" y="1444062"/>
+            <a:ext cx="393056" cy="215444"/>
+          </a:xfrm>
+          <a:prstGeom prst="rect">
+            <a:avLst/>
+          </a:prstGeom>
+          <a:noFill/>
+        </p:spPr>
+        <p:txBody>
+          <a:bodyPr wrap="none" rtlCol="0">
+            <a:spAutoFit/>
+          </a:bodyPr>
+          <a:lstStyle/>
+          <a:p>
+            <a:r>
+              <a:rPr lang="en-US" sz="800" b="1" dirty="0"/>
+              <a:t>eth0</a:t>
+            </a:r>
+          </a:p>
+        </p:txBody>
+      </p:sp>
+      <p:sp>
+        <p:nvSpPr>
+          <p:cNvPr id="156" name="TextBox 155">
+            <a:extLst>
+              <a:ext uri="{FF2B5EF4-FFF2-40B4-BE49-F238E27FC236}">
+                <a16:creationId xmlns:a16="http://schemas.microsoft.com/office/drawing/2014/main" id="{2B681FCD-B483-BE6E-78BA-D73E356D7CC4}"/>
+              </a:ext>
+            </a:extLst>
+          </p:cNvPr>
+          <p:cNvSpPr txBox="1"/>
+          <p:nvPr/>
+        </p:nvSpPr>
+        <p:spPr>
+          <a:xfrm>
+            <a:off x="3790556" y="1448542"/>
+            <a:ext cx="393056" cy="215444"/>
+          </a:xfrm>
+          <a:prstGeom prst="rect">
+            <a:avLst/>
+          </a:prstGeom>
+          <a:noFill/>
+        </p:spPr>
+        <p:txBody>
+          <a:bodyPr wrap="none" rtlCol="0">
+            <a:spAutoFit/>
+          </a:bodyPr>
+          <a:lstStyle/>
+          <a:p>
+            <a:r>
+              <a:rPr lang="en-US" sz="800" b="1" dirty="0"/>
+              <a:t>eth1</a:t>
+            </a:r>
+          </a:p>
+        </p:txBody>
+      </p:sp>
+      <p:sp>
+        <p:nvSpPr>
+          <p:cNvPr id="157" name="Cross 156">
+            <a:extLst>
+              <a:ext uri="{FF2B5EF4-FFF2-40B4-BE49-F238E27FC236}">
+                <a16:creationId xmlns:a16="http://schemas.microsoft.com/office/drawing/2014/main" id="{5581AD37-206D-49E3-FD5B-79909FE9B638}"/>
+              </a:ext>
+            </a:extLst>
+          </p:cNvPr>
+          <p:cNvSpPr/>
+          <p:nvPr/>
+        </p:nvSpPr>
+        <p:spPr>
+          <a:xfrm>
+            <a:off x="5904524" y="1175991"/>
+            <a:ext cx="1093797" cy="638736"/>
+          </a:xfrm>
+          <a:prstGeom prst="plus">
+            <a:avLst/>
+          </a:prstGeom>
+          <a:solidFill>
+            <a:schemeClr val="accent3">
+              <a:lumMod val="40000"/>
+              <a:lumOff val="60000"/>
+            </a:schemeClr>
+          </a:solidFill>
+          <a:ln w="25400">
+            <a:solidFill>
+              <a:schemeClr val="accent3">
+                <a:lumMod val="50000"/>
+              </a:schemeClr>
+            </a:solidFill>
+          </a:ln>
+        </p:spPr>
+        <p:style>
+          <a:lnRef idx="2">
+            <a:schemeClr val="accent1">
+              <a:shade val="15000"/>
+            </a:schemeClr>
+          </a:lnRef>
+          <a:fillRef idx="1">
+            <a:schemeClr val="accent1"/>
+          </a:fillRef>
+          <a:effectRef idx="0">
+            <a:schemeClr val="accent1"/>
+          </a:effectRef>
+          <a:fontRef idx="minor">
+            <a:schemeClr val="lt1"/>
+          </a:fontRef>
+        </p:style>
+        <p:txBody>
+          <a:bodyPr rtlCol="0" anchor="ctr"/>
+          <a:lstStyle/>
+          <a:p>
+            <a:pPr algn="ctr"/>
+            <a:endParaRPr lang="en-US"/>
+          </a:p>
+        </p:txBody>
+      </p:sp>
+      <p:sp>
+        <p:nvSpPr>
+          <p:cNvPr id="158" name="Rounded Rectangle 157">
+            <a:extLst>
+              <a:ext uri="{FF2B5EF4-FFF2-40B4-BE49-F238E27FC236}">
+                <a16:creationId xmlns:a16="http://schemas.microsoft.com/office/drawing/2014/main" id="{BC25E4B2-E990-1068-2754-5A33800B4A1A}"/>
+              </a:ext>
+            </a:extLst>
+          </p:cNvPr>
+          <p:cNvSpPr/>
+          <p:nvPr/>
+        </p:nvSpPr>
+        <p:spPr>
+          <a:xfrm>
+            <a:off x="5551602" y="2573712"/>
+            <a:ext cx="1218872" cy="585216"/>
+          </a:xfrm>
+          <a:prstGeom prst="roundRect">
+            <a:avLst/>
+          </a:prstGeom>
+          <a:solidFill>
+            <a:schemeClr val="accent3">
+              <a:lumMod val="60000"/>
+              <a:lumOff val="40000"/>
+              <a:alpha val="66919"/>
+            </a:schemeClr>
+          </a:solidFill>
+          <a:ln>
+            <a:solidFill>
+              <a:schemeClr val="accent3">
+                <a:lumMod val="50000"/>
+                <a:alpha val="50000"/>
+              </a:schemeClr>
+            </a:solidFill>
+            <a:prstDash val="dash"/>
+          </a:ln>
+        </p:spPr>
+        <p:style>
+          <a:lnRef idx="2">
+            <a:schemeClr val="accent1">
+              <a:shade val="15000"/>
+            </a:schemeClr>
+          </a:lnRef>
+          <a:fillRef idx="1">
+            <a:schemeClr val="accent1"/>
+          </a:fillRef>
+          <a:effectRef idx="0">
+            <a:schemeClr val="accent1"/>
+          </a:effectRef>
+          <a:fontRef idx="minor">
+            <a:schemeClr val="lt1"/>
+          </a:fontRef>
+        </p:style>
+        <p:txBody>
+          <a:bodyPr rtlCol="0" anchor="ctr"/>
+          <a:lstStyle/>
+          <a:p>
+            <a:pPr algn="ctr"/>
+            <a:endParaRPr lang="en-US"/>
+          </a:p>
+        </p:txBody>
+      </p:sp>
+      <p:sp>
+        <p:nvSpPr>
+          <p:cNvPr id="165" name="TextBox 164">
+            <a:extLst>
+              <a:ext uri="{FF2B5EF4-FFF2-40B4-BE49-F238E27FC236}">
+                <a16:creationId xmlns:a16="http://schemas.microsoft.com/office/drawing/2014/main" id="{C0E47DEC-137E-0A29-8669-301198B187F4}"/>
+              </a:ext>
+            </a:extLst>
+          </p:cNvPr>
+          <p:cNvSpPr txBox="1"/>
+          <p:nvPr/>
+        </p:nvSpPr>
+        <p:spPr>
+          <a:xfrm>
+            <a:off x="5557031" y="2582284"/>
+            <a:ext cx="579005" cy="215444"/>
+          </a:xfrm>
+          <a:prstGeom prst="rect">
+            <a:avLst/>
+          </a:prstGeom>
+          <a:noFill/>
+        </p:spPr>
+        <p:txBody>
+          <a:bodyPr wrap="none" rtlCol="0">
+            <a:spAutoFit/>
+          </a:bodyPr>
+          <a:lstStyle/>
+          <a:p>
+            <a:r>
+              <a:rPr lang="en-US" sz="800" b="1" u="sng" dirty="0"/>
+              <a:t>br1 / vs1</a:t>
+            </a:r>
+          </a:p>
+        </p:txBody>
+      </p:sp>
+      <p:cxnSp>
+        <p:nvCxnSpPr>
+          <p:cNvPr id="167" name="Straight Connector 166">
+            <a:extLst>
+              <a:ext uri="{FF2B5EF4-FFF2-40B4-BE49-F238E27FC236}">
+                <a16:creationId xmlns:a16="http://schemas.microsoft.com/office/drawing/2014/main" id="{F85854EC-17CB-D999-7C85-CF9B8DF0E8E9}"/>
+              </a:ext>
+            </a:extLst>
+          </p:cNvPr>
+          <p:cNvCxnSpPr>
+            <a:cxnSpLocks/>
+          </p:cNvCxnSpPr>
+          <p:nvPr/>
+        </p:nvCxnSpPr>
+        <p:spPr>
+          <a:xfrm>
+            <a:off x="5638245" y="3075998"/>
+            <a:ext cx="499958" cy="0"/>
+          </a:xfrm>
+          <a:prstGeom prst="line">
+            <a:avLst/>
+          </a:prstGeom>
+        </p:spPr>
+        <p:style>
+          <a:lnRef idx="2">
+            <a:schemeClr val="accent1"/>
+          </a:lnRef>
+          <a:fillRef idx="0">
+            <a:schemeClr val="accent1"/>
+          </a:fillRef>
+          <a:effectRef idx="1">
+            <a:schemeClr val="accent1"/>
+          </a:effectRef>
+          <a:fontRef idx="minor">
+            <a:schemeClr val="tx1"/>
+          </a:fontRef>
+        </p:style>
+      </p:cxnSp>
+      <p:sp>
+        <p:nvSpPr>
+          <p:cNvPr id="168" name="TextBox 167">
+            <a:extLst>
+              <a:ext uri="{FF2B5EF4-FFF2-40B4-BE49-F238E27FC236}">
+                <a16:creationId xmlns:a16="http://schemas.microsoft.com/office/drawing/2014/main" id="{81C0EFDB-A5B4-5380-9DD8-313C72D210DF}"/>
+              </a:ext>
+            </a:extLst>
+          </p:cNvPr>
+          <p:cNvSpPr txBox="1"/>
+          <p:nvPr/>
+        </p:nvSpPr>
+        <p:spPr>
+          <a:xfrm>
+            <a:off x="5639342" y="2854715"/>
+            <a:ext cx="494046" cy="215444"/>
+          </a:xfrm>
+          <a:prstGeom prst="rect">
+            <a:avLst/>
+          </a:prstGeom>
+          <a:noFill/>
+        </p:spPr>
+        <p:txBody>
+          <a:bodyPr wrap="none" rtlCol="0">
+            <a:spAutoFit/>
+          </a:bodyPr>
+          <a:lstStyle/>
+          <a:p>
+            <a:r>
+              <a:rPr lang="en-US" sz="800" b="1" dirty="0"/>
+              <a:t>br1-up</a:t>
+            </a:r>
+          </a:p>
+        </p:txBody>
+      </p:sp>
+      <p:cxnSp>
+        <p:nvCxnSpPr>
+          <p:cNvPr id="170" name="Straight Connector 169">
+            <a:extLst>
+              <a:ext uri="{FF2B5EF4-FFF2-40B4-BE49-F238E27FC236}">
+                <a16:creationId xmlns:a16="http://schemas.microsoft.com/office/drawing/2014/main" id="{0960DD0A-4DAA-0788-3A3B-FA528DD72715}"/>
+              </a:ext>
+            </a:extLst>
+          </p:cNvPr>
+          <p:cNvCxnSpPr>
+            <a:cxnSpLocks/>
+          </p:cNvCxnSpPr>
+          <p:nvPr/>
+        </p:nvCxnSpPr>
+        <p:spPr>
+          <a:xfrm flipV="1">
+            <a:off x="5707514" y="3075998"/>
+            <a:ext cx="0" cy="1724999"/>
+          </a:xfrm>
+          <a:prstGeom prst="line">
+            <a:avLst/>
+          </a:prstGeom>
+          <a:ln>
+            <a:prstDash val="sysDash"/>
+          </a:ln>
+        </p:spPr>
+        <p:style>
+          <a:lnRef idx="2">
+            <a:schemeClr val="accent1"/>
+          </a:lnRef>
+          <a:fillRef idx="0">
+            <a:schemeClr val="accent1"/>
+          </a:fillRef>
+          <a:effectRef idx="1">
+            <a:schemeClr val="accent1"/>
+          </a:effectRef>
+          <a:fontRef idx="minor">
+            <a:schemeClr val="tx1"/>
+          </a:fontRef>
+        </p:style>
+      </p:cxnSp>
+      <p:cxnSp>
+        <p:nvCxnSpPr>
+          <p:cNvPr id="173" name="Straight Connector 172">
+            <a:extLst>
+              <a:ext uri="{FF2B5EF4-FFF2-40B4-BE49-F238E27FC236}">
+                <a16:creationId xmlns:a16="http://schemas.microsoft.com/office/drawing/2014/main" id="{9CA165F7-7F2F-3311-5263-6C9C662D43F0}"/>
+              </a:ext>
+            </a:extLst>
+          </p:cNvPr>
+          <p:cNvCxnSpPr>
+            <a:cxnSpLocks/>
+          </p:cNvCxnSpPr>
+          <p:nvPr/>
+        </p:nvCxnSpPr>
+        <p:spPr>
+          <a:xfrm flipV="1">
+            <a:off x="6044139" y="3075998"/>
+            <a:ext cx="0" cy="1299457"/>
+          </a:xfrm>
+          <a:prstGeom prst="line">
+            <a:avLst/>
+          </a:prstGeom>
+          <a:ln>
+            <a:prstDash val="sysDash"/>
+          </a:ln>
+        </p:spPr>
+        <p:style>
+          <a:lnRef idx="2">
+            <a:schemeClr val="accent1"/>
+          </a:lnRef>
+          <a:fillRef idx="0">
+            <a:schemeClr val="accent1"/>
+          </a:fillRef>
+          <a:effectRef idx="1">
+            <a:schemeClr val="accent1"/>
+          </a:effectRef>
+          <a:fontRef idx="minor">
+            <a:schemeClr val="tx1"/>
+          </a:fontRef>
+        </p:style>
+      </p:cxnSp>
+      <p:sp>
+        <p:nvSpPr>
+          <p:cNvPr id="175" name="Oval 174">
+            <a:extLst>
+              <a:ext uri="{FF2B5EF4-FFF2-40B4-BE49-F238E27FC236}">
+                <a16:creationId xmlns:a16="http://schemas.microsoft.com/office/drawing/2014/main" id="{9903D0D5-66CB-AE28-F60F-E4EE8303401F}"/>
+              </a:ext>
+            </a:extLst>
+          </p:cNvPr>
+          <p:cNvSpPr/>
+          <p:nvPr/>
+        </p:nvSpPr>
+        <p:spPr>
+          <a:xfrm>
+            <a:off x="5608897" y="3125725"/>
+            <a:ext cx="552141" cy="90789"/>
+          </a:xfrm>
+          <a:prstGeom prst="ellipse">
+            <a:avLst/>
+          </a:prstGeom>
+          <a:noFill/>
+          <a:ln>
+            <a:solidFill>
+              <a:schemeClr val="accent3">
+                <a:lumMod val="50000"/>
+              </a:schemeClr>
+            </a:solidFill>
+            <a:prstDash val="sysDash"/>
+          </a:ln>
+        </p:spPr>
+        <p:style>
+          <a:lnRef idx="2">
+            <a:schemeClr val="accent1">
+              <a:shade val="15000"/>
+            </a:schemeClr>
+          </a:lnRef>
+          <a:fillRef idx="1">
+            <a:schemeClr val="accent1"/>
+          </a:fillRef>
+          <a:effectRef idx="0">
+            <a:schemeClr val="accent1"/>
+          </a:effectRef>
+          <a:fontRef idx="minor">
+            <a:schemeClr val="lt1"/>
+          </a:fontRef>
+        </p:style>
+        <p:txBody>
+          <a:bodyPr rtlCol="0" anchor="ctr"/>
+          <a:lstStyle/>
+          <a:p>
+            <a:pPr algn="ctr"/>
+            <a:endParaRPr lang="en-US"/>
+          </a:p>
+        </p:txBody>
+      </p:sp>
+      <p:sp>
+        <p:nvSpPr>
+          <p:cNvPr id="79" name="TextBox 78">
+            <a:extLst>
+              <a:ext uri="{FF2B5EF4-FFF2-40B4-BE49-F238E27FC236}">
+                <a16:creationId xmlns:a16="http://schemas.microsoft.com/office/drawing/2014/main" id="{A6BF1A72-2D29-48D8-11E7-A00B9F25BD2C}"/>
+              </a:ext>
+            </a:extLst>
+          </p:cNvPr>
+          <p:cNvSpPr txBox="1"/>
+          <p:nvPr/>
+        </p:nvSpPr>
+        <p:spPr>
+          <a:xfrm>
+            <a:off x="3325367" y="6012417"/>
+            <a:ext cx="461986" cy="276999"/>
+          </a:xfrm>
+          <a:prstGeom prst="rect">
+            <a:avLst/>
+          </a:prstGeom>
+          <a:solidFill>
+            <a:srgbClr val="9437FF"/>
+          </a:solidFill>
+        </p:spPr>
+        <p:txBody>
+          <a:bodyPr wrap="none" rtlCol="0">
+            <a:spAutoFit/>
+          </a:bodyPr>
+          <a:lstStyle/>
+          <a:p>
+            <a:r>
+              <a:rPr lang="en-US" sz="1200" b="1" dirty="0"/>
+              <a:t>vPC</a:t>
+            </a:r>
+          </a:p>
+        </p:txBody>
+      </p:sp>
+      <p:sp>
+        <p:nvSpPr>
+          <p:cNvPr id="176" name="TextBox 175">
+            <a:extLst>
+              <a:ext uri="{FF2B5EF4-FFF2-40B4-BE49-F238E27FC236}">
+                <a16:creationId xmlns:a16="http://schemas.microsoft.com/office/drawing/2014/main" id="{202F0A4F-069B-DD99-9893-049308109973}"/>
+              </a:ext>
+            </a:extLst>
+          </p:cNvPr>
+          <p:cNvSpPr txBox="1"/>
+          <p:nvPr/>
+        </p:nvSpPr>
+        <p:spPr>
+          <a:xfrm>
+            <a:off x="5476724" y="2732368"/>
+            <a:ext cx="383438" cy="215444"/>
+          </a:xfrm>
+          <a:prstGeom prst="rect">
+            <a:avLst/>
+          </a:prstGeom>
+          <a:noFill/>
+        </p:spPr>
+        <p:txBody>
+          <a:bodyPr wrap="none" rtlCol="0">
+            <a:spAutoFit/>
+          </a:bodyPr>
+          <a:lstStyle/>
+          <a:p>
+            <a:r>
+              <a:rPr lang="en-US" sz="800" b="1" dirty="0">
+                <a:solidFill>
+                  <a:schemeClr val="bg1">
+                    <a:lumMod val="65000"/>
+                  </a:schemeClr>
+                </a:solidFill>
+              </a:rPr>
+              <a:t>OVS</a:t>
+            </a:r>
+          </a:p>
+        </p:txBody>
+      </p:sp>
+      <p:sp>
+        <p:nvSpPr>
+          <p:cNvPr id="177" name="Diamond 176">
+            <a:extLst>
+              <a:ext uri="{FF2B5EF4-FFF2-40B4-BE49-F238E27FC236}">
+                <a16:creationId xmlns:a16="http://schemas.microsoft.com/office/drawing/2014/main" id="{ACE9D654-04B4-6C3D-95DE-3E535735AB4D}"/>
+              </a:ext>
+            </a:extLst>
+          </p:cNvPr>
+          <p:cNvSpPr/>
+          <p:nvPr/>
+        </p:nvSpPr>
+        <p:spPr>
+          <a:xfrm>
+            <a:off x="6577221" y="1663477"/>
+            <a:ext cx="150544" cy="178341"/>
+          </a:xfrm>
+          <a:prstGeom prst="diamond">
+            <a:avLst/>
+          </a:prstGeom>
+          <a:solidFill>
+            <a:schemeClr val="bg1">
+              <a:lumMod val="75000"/>
+            </a:schemeClr>
+          </a:solidFill>
+          <a:ln>
+            <a:solidFill>
+              <a:schemeClr val="bg1">
+                <a:lumMod val="50000"/>
+              </a:schemeClr>
+            </a:solidFill>
+          </a:ln>
+        </p:spPr>
+        <p:style>
+          <a:lnRef idx="2">
+            <a:schemeClr val="accent1">
+              <a:shade val="15000"/>
+            </a:schemeClr>
+          </a:lnRef>
+          <a:fillRef idx="1">
+            <a:schemeClr val="accent1"/>
+          </a:fillRef>
+          <a:effectRef idx="0">
+            <a:schemeClr val="accent1"/>
+          </a:effectRef>
+          <a:fontRef idx="minor">
+            <a:schemeClr val="lt1"/>
+          </a:fontRef>
+        </p:style>
+        <p:txBody>
+          <a:bodyPr rtlCol="0" anchor="ctr"/>
+          <a:lstStyle/>
+          <a:p>
+            <a:pPr algn="ctr"/>
+            <a:endParaRPr lang="en-US"/>
+          </a:p>
+        </p:txBody>
+      </p:sp>
+      <p:sp>
+        <p:nvSpPr>
+          <p:cNvPr id="178" name="Diamond 177">
+            <a:extLst>
+              <a:ext uri="{FF2B5EF4-FFF2-40B4-BE49-F238E27FC236}">
+                <a16:creationId xmlns:a16="http://schemas.microsoft.com/office/drawing/2014/main" id="{34C3725A-F51B-3AEF-BE30-6BE76832755C}"/>
+              </a:ext>
+            </a:extLst>
+          </p:cNvPr>
+          <p:cNvSpPr/>
+          <p:nvPr/>
+        </p:nvSpPr>
+        <p:spPr>
+          <a:xfrm>
+            <a:off x="6164877" y="1655173"/>
+            <a:ext cx="150544" cy="178341"/>
+          </a:xfrm>
+          <a:prstGeom prst="diamond">
+            <a:avLst/>
+          </a:prstGeom>
+          <a:solidFill>
+            <a:schemeClr val="bg1">
+              <a:lumMod val="75000"/>
+            </a:schemeClr>
+          </a:solidFill>
+          <a:ln>
+            <a:solidFill>
+              <a:schemeClr val="bg1">
+                <a:lumMod val="50000"/>
+              </a:schemeClr>
+            </a:solidFill>
+          </a:ln>
+        </p:spPr>
+        <p:style>
+          <a:lnRef idx="2">
+            <a:schemeClr val="accent1">
+              <a:shade val="15000"/>
+            </a:schemeClr>
+          </a:lnRef>
+          <a:fillRef idx="1">
+            <a:schemeClr val="accent1"/>
+          </a:fillRef>
+          <a:effectRef idx="0">
+            <a:schemeClr val="accent1"/>
+          </a:effectRef>
+          <a:fontRef idx="minor">
+            <a:schemeClr val="lt1"/>
+          </a:fontRef>
+        </p:style>
+        <p:txBody>
+          <a:bodyPr rtlCol="0" anchor="ctr"/>
+          <a:lstStyle/>
+          <a:p>
+            <a:pPr algn="ctr"/>
+            <a:endParaRPr lang="en-US"/>
+          </a:p>
+        </p:txBody>
+      </p:sp>
+      <p:sp>
+        <p:nvSpPr>
+          <p:cNvPr id="179" name="Diamond 178">
+            <a:extLst>
+              <a:ext uri="{FF2B5EF4-FFF2-40B4-BE49-F238E27FC236}">
+                <a16:creationId xmlns:a16="http://schemas.microsoft.com/office/drawing/2014/main" id="{106795A8-395B-7735-7B73-B50D0B7E9F92}"/>
+              </a:ext>
+            </a:extLst>
+          </p:cNvPr>
+          <p:cNvSpPr/>
+          <p:nvPr/>
+        </p:nvSpPr>
+        <p:spPr>
+          <a:xfrm>
+            <a:off x="6573382" y="2581100"/>
+            <a:ext cx="150544" cy="178341"/>
+          </a:xfrm>
+          <a:prstGeom prst="diamond">
+            <a:avLst/>
+          </a:prstGeom>
+          <a:solidFill>
+            <a:schemeClr val="bg1">
+              <a:lumMod val="75000"/>
+            </a:schemeClr>
+          </a:solidFill>
+          <a:ln>
+            <a:solidFill>
+              <a:schemeClr val="bg1">
+                <a:lumMod val="50000"/>
+              </a:schemeClr>
+            </a:solidFill>
+          </a:ln>
+        </p:spPr>
+        <p:style>
+          <a:lnRef idx="2">
+            <a:schemeClr val="accent1">
+              <a:shade val="15000"/>
+            </a:schemeClr>
+          </a:lnRef>
+          <a:fillRef idx="1">
+            <a:schemeClr val="accent1"/>
+          </a:fillRef>
+          <a:effectRef idx="0">
+            <a:schemeClr val="accent1"/>
+          </a:effectRef>
+          <a:fontRef idx="minor">
+            <a:schemeClr val="lt1"/>
+          </a:fontRef>
+        </p:style>
+        <p:txBody>
+          <a:bodyPr rtlCol="0" anchor="ctr"/>
+          <a:lstStyle/>
+          <a:p>
+            <a:pPr algn="ctr"/>
+            <a:endParaRPr lang="en-US"/>
+          </a:p>
+        </p:txBody>
+      </p:sp>
+      <p:sp>
+        <p:nvSpPr>
+          <p:cNvPr id="180" name="Diamond 179">
+            <a:extLst>
+              <a:ext uri="{FF2B5EF4-FFF2-40B4-BE49-F238E27FC236}">
+                <a16:creationId xmlns:a16="http://schemas.microsoft.com/office/drawing/2014/main" id="{ADD2F00A-A373-5622-CEE9-C9FBD6C826F9}"/>
+              </a:ext>
+            </a:extLst>
+          </p:cNvPr>
+          <p:cNvSpPr/>
+          <p:nvPr/>
+        </p:nvSpPr>
+        <p:spPr>
+          <a:xfrm>
+            <a:off x="6161038" y="2584370"/>
+            <a:ext cx="150544" cy="178341"/>
+          </a:xfrm>
+          <a:prstGeom prst="diamond">
+            <a:avLst/>
+          </a:prstGeom>
+          <a:solidFill>
+            <a:schemeClr val="bg1">
+              <a:lumMod val="75000"/>
+            </a:schemeClr>
+          </a:solidFill>
+          <a:ln>
+            <a:solidFill>
+              <a:schemeClr val="bg1">
+                <a:lumMod val="50000"/>
+              </a:schemeClr>
+            </a:solidFill>
+          </a:ln>
+        </p:spPr>
+        <p:style>
+          <a:lnRef idx="2">
+            <a:schemeClr val="accent1">
+              <a:shade val="15000"/>
+            </a:schemeClr>
+          </a:lnRef>
+          <a:fillRef idx="1">
+            <a:schemeClr val="accent1"/>
+          </a:fillRef>
+          <a:effectRef idx="0">
+            <a:schemeClr val="accent1"/>
+          </a:effectRef>
+          <a:fontRef idx="minor">
+            <a:schemeClr val="lt1"/>
+          </a:fontRef>
+        </p:style>
+        <p:txBody>
+          <a:bodyPr rtlCol="0" anchor="ctr"/>
+          <a:lstStyle/>
+          <a:p>
+            <a:pPr algn="ctr"/>
+            <a:endParaRPr lang="en-US"/>
+          </a:p>
+        </p:txBody>
+      </p:sp>
+      <p:sp>
+        <p:nvSpPr>
+          <p:cNvPr id="181" name="TextBox 180">
+            <a:extLst>
+              <a:ext uri="{FF2B5EF4-FFF2-40B4-BE49-F238E27FC236}">
+                <a16:creationId xmlns:a16="http://schemas.microsoft.com/office/drawing/2014/main" id="{E22F3236-66BE-23DE-4140-3B07B7572412}"/>
+              </a:ext>
+            </a:extLst>
+          </p:cNvPr>
+          <p:cNvSpPr txBox="1"/>
+          <p:nvPr/>
+        </p:nvSpPr>
+        <p:spPr>
+          <a:xfrm>
+            <a:off x="6043069" y="2723470"/>
+            <a:ext cx="393056" cy="215444"/>
+          </a:xfrm>
+          <a:prstGeom prst="rect">
+            <a:avLst/>
+          </a:prstGeom>
+          <a:noFill/>
+        </p:spPr>
+        <p:txBody>
+          <a:bodyPr wrap="none" rtlCol="0">
+            <a:spAutoFit/>
+          </a:bodyPr>
+          <a:lstStyle/>
+          <a:p>
+            <a:r>
+              <a:rPr lang="en-US" sz="800" b="1" dirty="0">
+                <a:solidFill>
+                  <a:schemeClr val="bg1">
+                    <a:lumMod val="50000"/>
+                  </a:schemeClr>
+                </a:solidFill>
+              </a:rPr>
+              <a:t>tap0</a:t>
+            </a:r>
+          </a:p>
+        </p:txBody>
+      </p:sp>
+      <p:sp>
+        <p:nvSpPr>
+          <p:cNvPr id="182" name="TextBox 181">
+            <a:extLst>
+              <a:ext uri="{FF2B5EF4-FFF2-40B4-BE49-F238E27FC236}">
+                <a16:creationId xmlns:a16="http://schemas.microsoft.com/office/drawing/2014/main" id="{F54AF81D-4E8D-CFC6-822B-EC60E2153D3B}"/>
+              </a:ext>
+            </a:extLst>
+          </p:cNvPr>
+          <p:cNvSpPr txBox="1"/>
+          <p:nvPr/>
+        </p:nvSpPr>
+        <p:spPr>
+          <a:xfrm>
+            <a:off x="6456242" y="2725757"/>
+            <a:ext cx="393056" cy="215444"/>
+          </a:xfrm>
+          <a:prstGeom prst="rect">
+            <a:avLst/>
+          </a:prstGeom>
+          <a:noFill/>
+        </p:spPr>
+        <p:txBody>
+          <a:bodyPr wrap="none" rtlCol="0">
+            <a:spAutoFit/>
+          </a:bodyPr>
+          <a:lstStyle/>
+          <a:p>
+            <a:r>
+              <a:rPr lang="en-US" sz="800" b="1" dirty="0">
+                <a:solidFill>
+                  <a:schemeClr val="bg1">
+                    <a:lumMod val="50000"/>
+                  </a:schemeClr>
+                </a:solidFill>
+              </a:rPr>
+              <a:t>tap1</a:t>
+            </a:r>
+          </a:p>
+        </p:txBody>
+      </p:sp>
+      <p:sp>
+        <p:nvSpPr>
+          <p:cNvPr id="183" name="TextBox 182">
+            <a:extLst>
+              <a:ext uri="{FF2B5EF4-FFF2-40B4-BE49-F238E27FC236}">
+                <a16:creationId xmlns:a16="http://schemas.microsoft.com/office/drawing/2014/main" id="{7BDEB716-AC9A-5E91-9F90-4AEAEFE65BE9}"/>
+              </a:ext>
+            </a:extLst>
+          </p:cNvPr>
+          <p:cNvSpPr txBox="1"/>
+          <p:nvPr/>
+        </p:nvSpPr>
+        <p:spPr>
+          <a:xfrm>
+            <a:off x="4790306" y="3967679"/>
+            <a:ext cx="574196" cy="215444"/>
+          </a:xfrm>
+          <a:prstGeom prst="rect">
+            <a:avLst/>
+          </a:prstGeom>
+          <a:noFill/>
+        </p:spPr>
+        <p:txBody>
+          <a:bodyPr wrap="none" rtlCol="0">
+            <a:spAutoFit/>
+          </a:bodyPr>
+          <a:lstStyle/>
+          <a:p>
+            <a:r>
+              <a:rPr lang="en-US" sz="800" b="1" dirty="0"/>
+              <a:t>ACCESS</a:t>
+            </a:r>
+          </a:p>
+        </p:txBody>
+      </p:sp>
+      <p:sp>
+        <p:nvSpPr>
+          <p:cNvPr id="184" name="TextBox 183">
+            <a:extLst>
+              <a:ext uri="{FF2B5EF4-FFF2-40B4-BE49-F238E27FC236}">
+                <a16:creationId xmlns:a16="http://schemas.microsoft.com/office/drawing/2014/main" id="{84429620-5C18-7C1E-7F3C-7EA91C9F8FD7}"/>
+              </a:ext>
+            </a:extLst>
+          </p:cNvPr>
+          <p:cNvSpPr txBox="1"/>
+          <p:nvPr/>
+        </p:nvSpPr>
+        <p:spPr>
+          <a:xfrm>
+            <a:off x="5663228" y="3228858"/>
+            <a:ext cx="431528" cy="215444"/>
+          </a:xfrm>
+          <a:prstGeom prst="rect">
+            <a:avLst/>
+          </a:prstGeom>
+          <a:noFill/>
+        </p:spPr>
+        <p:txBody>
+          <a:bodyPr wrap="none" rtlCol="0">
+            <a:spAutoFit/>
+          </a:bodyPr>
+          <a:lstStyle/>
+          <a:p>
+            <a:r>
+              <a:rPr lang="en-US" sz="800" dirty="0"/>
+              <a:t>Trunk</a:t>
+            </a:r>
+          </a:p>
+        </p:txBody>
+      </p:sp>
+      <p:cxnSp>
+        <p:nvCxnSpPr>
+          <p:cNvPr id="185" name="Straight Connector 184">
+            <a:extLst>
+              <a:ext uri="{FF2B5EF4-FFF2-40B4-BE49-F238E27FC236}">
+                <a16:creationId xmlns:a16="http://schemas.microsoft.com/office/drawing/2014/main" id="{00C5EAE9-5713-766A-08A5-AA186C325007}"/>
+              </a:ext>
+            </a:extLst>
+          </p:cNvPr>
+          <p:cNvCxnSpPr>
+            <a:cxnSpLocks/>
+          </p:cNvCxnSpPr>
+          <p:nvPr/>
+        </p:nvCxnSpPr>
+        <p:spPr>
+          <a:xfrm flipV="1">
+            <a:off x="6236310" y="1814727"/>
+            <a:ext cx="0" cy="766373"/>
+          </a:xfrm>
+          <a:prstGeom prst="line">
+            <a:avLst/>
+          </a:prstGeom>
+          <a:ln>
+            <a:prstDash val="sysDash"/>
+          </a:ln>
+        </p:spPr>
+        <p:style>
+          <a:lnRef idx="2">
+            <a:schemeClr val="accent1"/>
+          </a:lnRef>
+          <a:fillRef idx="0">
+            <a:schemeClr val="accent1"/>
+          </a:fillRef>
+          <a:effectRef idx="1">
+            <a:schemeClr val="accent1"/>
+          </a:effectRef>
+          <a:fontRef idx="minor">
+            <a:schemeClr val="tx1"/>
+          </a:fontRef>
+        </p:style>
+      </p:cxnSp>
+      <p:cxnSp>
+        <p:nvCxnSpPr>
+          <p:cNvPr id="187" name="Straight Connector 186">
+            <a:extLst>
+              <a:ext uri="{FF2B5EF4-FFF2-40B4-BE49-F238E27FC236}">
+                <a16:creationId xmlns:a16="http://schemas.microsoft.com/office/drawing/2014/main" id="{597A9648-C3F6-5EB6-4618-7042E31B9824}"/>
+              </a:ext>
+            </a:extLst>
+          </p:cNvPr>
+          <p:cNvCxnSpPr>
+            <a:cxnSpLocks/>
+          </p:cNvCxnSpPr>
+          <p:nvPr/>
+        </p:nvCxnSpPr>
+        <p:spPr>
+          <a:xfrm flipV="1">
+            <a:off x="6648654" y="1814727"/>
+            <a:ext cx="0" cy="766373"/>
+          </a:xfrm>
+          <a:prstGeom prst="line">
+            <a:avLst/>
+          </a:prstGeom>
+          <a:ln>
+            <a:prstDash val="sysDash"/>
+          </a:ln>
+        </p:spPr>
+        <p:style>
+          <a:lnRef idx="2">
+            <a:schemeClr val="accent1"/>
+          </a:lnRef>
+          <a:fillRef idx="0">
+            <a:schemeClr val="accent1"/>
+          </a:fillRef>
+          <a:effectRef idx="1">
+            <a:schemeClr val="accent1"/>
+          </a:effectRef>
+          <a:fontRef idx="minor">
+            <a:schemeClr val="tx1"/>
+          </a:fontRef>
+        </p:style>
+      </p:cxnSp>
+      <p:sp>
+        <p:nvSpPr>
+          <p:cNvPr id="188" name="TextBox 187">
+            <a:extLst>
+              <a:ext uri="{FF2B5EF4-FFF2-40B4-BE49-F238E27FC236}">
+                <a16:creationId xmlns:a16="http://schemas.microsoft.com/office/drawing/2014/main" id="{982B9940-3E7D-DD40-C410-17972728C562}"/>
+              </a:ext>
+            </a:extLst>
+          </p:cNvPr>
+          <p:cNvSpPr txBox="1"/>
+          <p:nvPr/>
+        </p:nvSpPr>
+        <p:spPr>
+          <a:xfrm>
+            <a:off x="6456242" y="1492011"/>
+            <a:ext cx="409086" cy="215444"/>
+          </a:xfrm>
+          <a:prstGeom prst="rect">
+            <a:avLst/>
+          </a:prstGeom>
+          <a:noFill/>
+        </p:spPr>
+        <p:txBody>
+          <a:bodyPr wrap="none" rtlCol="0">
+            <a:spAutoFit/>
+          </a:bodyPr>
+          <a:lstStyle/>
+          <a:p>
+            <a:r>
+              <a:rPr lang="en-US" sz="800" b="1" dirty="0"/>
+              <a:t>ens8</a:t>
+            </a:r>
+          </a:p>
+        </p:txBody>
+      </p:sp>
+      <p:sp>
+        <p:nvSpPr>
+          <p:cNvPr id="189" name="TextBox 188">
+            <a:extLst>
+              <a:ext uri="{FF2B5EF4-FFF2-40B4-BE49-F238E27FC236}">
+                <a16:creationId xmlns:a16="http://schemas.microsoft.com/office/drawing/2014/main" id="{BCB06895-FA19-EFBE-684D-860FEB212742}"/>
+              </a:ext>
+            </a:extLst>
+          </p:cNvPr>
+          <p:cNvSpPr txBox="1"/>
+          <p:nvPr/>
+        </p:nvSpPr>
+        <p:spPr>
+          <a:xfrm>
+            <a:off x="6043859" y="1496491"/>
+            <a:ext cx="409086" cy="215444"/>
+          </a:xfrm>
+          <a:prstGeom prst="rect">
+            <a:avLst/>
+          </a:prstGeom>
+          <a:noFill/>
+        </p:spPr>
+        <p:txBody>
+          <a:bodyPr wrap="none" rtlCol="0">
+            <a:spAutoFit/>
+          </a:bodyPr>
+          <a:lstStyle/>
+          <a:p>
+            <a:r>
+              <a:rPr lang="en-US" sz="800" b="1" dirty="0"/>
+              <a:t>ens3</a:t>
+            </a:r>
+          </a:p>
+        </p:txBody>
+      </p:sp>
+      <p:sp>
+        <p:nvSpPr>
+          <p:cNvPr id="190" name="TextBox 189">
+            <a:extLst>
+              <a:ext uri="{FF2B5EF4-FFF2-40B4-BE49-F238E27FC236}">
+                <a16:creationId xmlns:a16="http://schemas.microsoft.com/office/drawing/2014/main" id="{1E7246ED-4210-95AD-3DC6-B1CC1751F9B8}"/>
+              </a:ext>
+            </a:extLst>
+          </p:cNvPr>
+          <p:cNvSpPr txBox="1"/>
+          <p:nvPr/>
+        </p:nvSpPr>
+        <p:spPr>
+          <a:xfrm>
+            <a:off x="5840175" y="1811093"/>
+            <a:ext cx="407484" cy="215444"/>
+          </a:xfrm>
+          <a:prstGeom prst="rect">
+            <a:avLst/>
+          </a:prstGeom>
+          <a:noFill/>
+        </p:spPr>
+        <p:txBody>
+          <a:bodyPr wrap="none" rtlCol="0">
+            <a:spAutoFit/>
+          </a:bodyPr>
+          <a:lstStyle/>
+          <a:p>
+            <a:r>
+              <a:rPr lang="en-US" sz="800" dirty="0"/>
+              <a:t>V202</a:t>
+            </a:r>
+          </a:p>
+        </p:txBody>
+      </p:sp>
+      <p:sp>
+        <p:nvSpPr>
+          <p:cNvPr id="191" name="TextBox 190">
+            <a:extLst>
+              <a:ext uri="{FF2B5EF4-FFF2-40B4-BE49-F238E27FC236}">
+                <a16:creationId xmlns:a16="http://schemas.microsoft.com/office/drawing/2014/main" id="{699BFB72-063B-8A14-2C7B-31BBED2CD921}"/>
+              </a:ext>
+            </a:extLst>
+          </p:cNvPr>
+          <p:cNvSpPr txBox="1"/>
+          <p:nvPr/>
+        </p:nvSpPr>
+        <p:spPr>
+          <a:xfrm>
+            <a:off x="6647307" y="1812096"/>
+            <a:ext cx="298480" cy="215444"/>
+          </a:xfrm>
+          <a:prstGeom prst="rect">
+            <a:avLst/>
+          </a:prstGeom>
+          <a:noFill/>
+        </p:spPr>
+        <p:txBody>
+          <a:bodyPr wrap="none" rtlCol="0">
+            <a:spAutoFit/>
+          </a:bodyPr>
+          <a:lstStyle/>
+          <a:p>
+            <a:r>
+              <a:rPr lang="en-US" sz="800" dirty="0"/>
+              <a:t>V7</a:t>
+            </a:r>
+          </a:p>
+        </p:txBody>
+      </p:sp>
+      <p:sp>
+        <p:nvSpPr>
+          <p:cNvPr id="192" name="TextBox 191">
+            <a:extLst>
+              <a:ext uri="{FF2B5EF4-FFF2-40B4-BE49-F238E27FC236}">
+                <a16:creationId xmlns:a16="http://schemas.microsoft.com/office/drawing/2014/main" id="{0C447232-EF5C-10A5-31B8-59E6CC4CA1A0}"/>
+              </a:ext>
+            </a:extLst>
+          </p:cNvPr>
+          <p:cNvSpPr txBox="1"/>
+          <p:nvPr/>
+        </p:nvSpPr>
+        <p:spPr>
+          <a:xfrm>
+            <a:off x="6048756" y="1156580"/>
+            <a:ext cx="824265" cy="369332"/>
+          </a:xfrm>
+          <a:prstGeom prst="rect">
+            <a:avLst/>
+          </a:prstGeom>
+          <a:noFill/>
+        </p:spPr>
+        <p:txBody>
+          <a:bodyPr wrap="none" rtlCol="0">
+            <a:spAutoFit/>
+          </a:bodyPr>
+          <a:lstStyle/>
+          <a:p>
+            <a:r>
+              <a:rPr lang="en-US" b="1" dirty="0">
+                <a:solidFill>
+                  <a:srgbClr val="002060"/>
+                </a:solidFill>
+              </a:rPr>
+              <a:t>d127b</a:t>
+            </a:r>
+          </a:p>
+        </p:txBody>
+      </p:sp>
+      <p:sp>
+        <p:nvSpPr>
+          <p:cNvPr id="2" name="TextBox 1">
+            <a:extLst>
+              <a:ext uri="{FF2B5EF4-FFF2-40B4-BE49-F238E27FC236}">
+                <a16:creationId xmlns:a16="http://schemas.microsoft.com/office/drawing/2014/main" id="{89623DE8-2BE5-5CDB-6A03-3A7C0B294413}"/>
+              </a:ext>
+            </a:extLst>
+          </p:cNvPr>
+          <p:cNvSpPr txBox="1"/>
+          <p:nvPr/>
+        </p:nvSpPr>
+        <p:spPr>
+          <a:xfrm>
+            <a:off x="0" y="18737"/>
+            <a:ext cx="12191999" cy="307777"/>
+          </a:xfrm>
+          <a:prstGeom prst="rect">
+            <a:avLst/>
+          </a:prstGeom>
+          <a:pattFill prst="dashUpDiag">
+            <a:fgClr>
+              <a:schemeClr val="accent1"/>
+            </a:fgClr>
+            <a:bgClr>
+              <a:schemeClr val="bg1"/>
+            </a:bgClr>
+          </a:pattFill>
+        </p:spPr>
+        <p:txBody>
+          <a:bodyPr wrap="square" rtlCol="0">
+            <a:spAutoFit/>
+          </a:bodyPr>
+          <a:lstStyle/>
+          <a:p>
+            <a:pPr algn="ctr"/>
+            <a:r>
+              <a:rPr lang="en-US" sz="1400" b="1" dirty="0"/>
+              <a:t>TST designs</a:t>
+            </a:r>
+          </a:p>
+        </p:txBody>
+      </p:sp>
+      <p:sp>
+        <p:nvSpPr>
+          <p:cNvPr id="3" name="TextBox 2">
+            <a:extLst>
+              <a:ext uri="{FF2B5EF4-FFF2-40B4-BE49-F238E27FC236}">
+                <a16:creationId xmlns:a16="http://schemas.microsoft.com/office/drawing/2014/main" id="{95B1D709-59A3-71C8-CE76-A90C8A2D41BC}"/>
+              </a:ext>
+            </a:extLst>
+          </p:cNvPr>
+          <p:cNvSpPr txBox="1"/>
+          <p:nvPr/>
+        </p:nvSpPr>
+        <p:spPr>
+          <a:xfrm>
+            <a:off x="5052892" y="5389329"/>
+            <a:ext cx="301686" cy="215444"/>
+          </a:xfrm>
+          <a:prstGeom prst="rect">
+            <a:avLst/>
+          </a:prstGeom>
+          <a:noFill/>
+        </p:spPr>
+        <p:txBody>
+          <a:bodyPr wrap="none" rtlCol="0">
+            <a:spAutoFit/>
+          </a:bodyPr>
+          <a:lstStyle/>
+          <a:p>
+            <a:r>
+              <a:rPr lang="en-US" sz="800" b="1" dirty="0"/>
+              <a:t>V7</a:t>
+            </a:r>
+          </a:p>
+        </p:txBody>
+      </p:sp>
+      <p:sp>
+        <p:nvSpPr>
+          <p:cNvPr id="5" name="TextBox 4">
+            <a:extLst>
+              <a:ext uri="{FF2B5EF4-FFF2-40B4-BE49-F238E27FC236}">
+                <a16:creationId xmlns:a16="http://schemas.microsoft.com/office/drawing/2014/main" id="{216C4173-C96F-421E-B20F-C5BAA067BEEA}"/>
+              </a:ext>
+            </a:extLst>
+          </p:cNvPr>
+          <p:cNvSpPr txBox="1"/>
+          <p:nvPr/>
+        </p:nvSpPr>
+        <p:spPr>
+          <a:xfrm>
+            <a:off x="5694664" y="5390879"/>
+            <a:ext cx="431528" cy="215444"/>
+          </a:xfrm>
+          <a:prstGeom prst="rect">
+            <a:avLst/>
+          </a:prstGeom>
+          <a:noFill/>
+        </p:spPr>
+        <p:txBody>
+          <a:bodyPr wrap="none" rtlCol="0">
+            <a:spAutoFit/>
+          </a:bodyPr>
+          <a:lstStyle/>
+          <a:p>
+            <a:r>
+              <a:rPr lang="en-US" sz="800" dirty="0"/>
+              <a:t>Trunk</a:t>
+            </a:r>
+          </a:p>
+        </p:txBody>
+      </p:sp>
+      <p:sp>
+        <p:nvSpPr>
+          <p:cNvPr id="7" name="TextBox 6">
+            <a:extLst>
+              <a:ext uri="{FF2B5EF4-FFF2-40B4-BE49-F238E27FC236}">
+                <a16:creationId xmlns:a16="http://schemas.microsoft.com/office/drawing/2014/main" id="{1EE23FCF-22CB-A753-F2FE-9F7EE6CCE62F}"/>
+              </a:ext>
+            </a:extLst>
+          </p:cNvPr>
+          <p:cNvSpPr txBox="1"/>
+          <p:nvPr/>
+        </p:nvSpPr>
+        <p:spPr>
+          <a:xfrm>
+            <a:off x="4365358" y="3910466"/>
+            <a:ext cx="373820" cy="184666"/>
+          </a:xfrm>
+          <a:prstGeom prst="rect">
+            <a:avLst/>
+          </a:prstGeom>
+          <a:noFill/>
+        </p:spPr>
+        <p:txBody>
+          <a:bodyPr wrap="none" rtlCol="0">
+            <a:spAutoFit/>
+          </a:bodyPr>
+          <a:lstStyle/>
+          <a:p>
+            <a:r>
+              <a:rPr lang="en-US" sz="600" dirty="0"/>
+              <a:t>86.70</a:t>
+            </a:r>
+          </a:p>
+        </p:txBody>
+      </p:sp>
+      <p:sp>
+        <p:nvSpPr>
+          <p:cNvPr id="27" name="TextBox 26">
+            <a:extLst>
+              <a:ext uri="{FF2B5EF4-FFF2-40B4-BE49-F238E27FC236}">
+                <a16:creationId xmlns:a16="http://schemas.microsoft.com/office/drawing/2014/main" id="{A2E4916E-AB56-B0AD-FD1A-51B9D9149247}"/>
+              </a:ext>
+            </a:extLst>
+          </p:cNvPr>
+          <p:cNvSpPr txBox="1"/>
+          <p:nvPr/>
+        </p:nvSpPr>
+        <p:spPr>
+          <a:xfrm>
+            <a:off x="3648498" y="3926540"/>
+            <a:ext cx="290464" cy="184666"/>
+          </a:xfrm>
+          <a:prstGeom prst="rect">
+            <a:avLst/>
+          </a:prstGeom>
+          <a:noFill/>
+        </p:spPr>
+        <p:txBody>
+          <a:bodyPr wrap="none" rtlCol="0">
+            <a:spAutoFit/>
+          </a:bodyPr>
+          <a:lstStyle/>
+          <a:p>
+            <a:r>
+              <a:rPr lang="en-US" sz="600" dirty="0"/>
+              <a:t>5.1</a:t>
+            </a:r>
+          </a:p>
+        </p:txBody>
+      </p:sp>
+      <p:sp>
+        <p:nvSpPr>
+          <p:cNvPr id="28" name="TextBox 27">
+            <a:extLst>
+              <a:ext uri="{FF2B5EF4-FFF2-40B4-BE49-F238E27FC236}">
+                <a16:creationId xmlns:a16="http://schemas.microsoft.com/office/drawing/2014/main" id="{7E46CA3E-6239-8A9D-38B7-8B57A9B6EE71}"/>
+              </a:ext>
+            </a:extLst>
+          </p:cNvPr>
+          <p:cNvSpPr txBox="1"/>
+          <p:nvPr/>
+        </p:nvSpPr>
+        <p:spPr>
+          <a:xfrm>
+            <a:off x="6172654" y="1823115"/>
+            <a:ext cx="268022" cy="184666"/>
+          </a:xfrm>
+          <a:prstGeom prst="rect">
+            <a:avLst/>
+          </a:prstGeom>
+          <a:noFill/>
+        </p:spPr>
+        <p:txBody>
+          <a:bodyPr wrap="none" rtlCol="0">
+            <a:spAutoFit/>
+          </a:bodyPr>
+          <a:lstStyle/>
+          <a:p>
+            <a:r>
+              <a:rPr lang="en-US" sz="600" dirty="0"/>
+              <a:t>5a</a:t>
+            </a:r>
+          </a:p>
+        </p:txBody>
+      </p:sp>
+      <p:sp>
+        <p:nvSpPr>
+          <p:cNvPr id="29" name="TextBox 28">
+            <a:extLst>
+              <a:ext uri="{FF2B5EF4-FFF2-40B4-BE49-F238E27FC236}">
+                <a16:creationId xmlns:a16="http://schemas.microsoft.com/office/drawing/2014/main" id="{D6B79124-6D4B-84C3-BE72-179F38927995}"/>
+              </a:ext>
+            </a:extLst>
+          </p:cNvPr>
+          <p:cNvSpPr txBox="1"/>
+          <p:nvPr/>
+        </p:nvSpPr>
+        <p:spPr>
+          <a:xfrm>
+            <a:off x="6436125" y="1821814"/>
+            <a:ext cx="266420" cy="184666"/>
+          </a:xfrm>
+          <a:prstGeom prst="rect">
+            <a:avLst/>
+          </a:prstGeom>
+          <a:noFill/>
+        </p:spPr>
+        <p:txBody>
+          <a:bodyPr wrap="none" rtlCol="0">
+            <a:spAutoFit/>
+          </a:bodyPr>
+          <a:lstStyle/>
+          <a:p>
+            <a:r>
+              <a:rPr lang="en-US" sz="600" dirty="0"/>
+              <a:t>e0</a:t>
+            </a:r>
+          </a:p>
+        </p:txBody>
+      </p:sp>
+      <p:sp>
+        <p:nvSpPr>
+          <p:cNvPr id="30" name="TextBox 29">
+            <a:extLst>
+              <a:ext uri="{FF2B5EF4-FFF2-40B4-BE49-F238E27FC236}">
+                <a16:creationId xmlns:a16="http://schemas.microsoft.com/office/drawing/2014/main" id="{2801A811-72EA-6C29-9C0C-5CE2D9AB3F35}"/>
+              </a:ext>
+            </a:extLst>
+          </p:cNvPr>
+          <p:cNvSpPr txBox="1"/>
+          <p:nvPr/>
+        </p:nvSpPr>
+        <p:spPr>
+          <a:xfrm>
+            <a:off x="4381890" y="1715615"/>
+            <a:ext cx="455574" cy="215444"/>
+          </a:xfrm>
+          <a:prstGeom prst="rect">
+            <a:avLst/>
+          </a:prstGeom>
+          <a:noFill/>
+        </p:spPr>
+        <p:txBody>
+          <a:bodyPr wrap="none" rtlCol="0">
+            <a:spAutoFit/>
+          </a:bodyPr>
+          <a:lstStyle/>
+          <a:p>
+            <a:r>
+              <a:rPr lang="en-US" sz="800" b="1" dirty="0"/>
+              <a:t>_ens3</a:t>
+            </a:r>
+          </a:p>
+        </p:txBody>
+      </p:sp>
+      <p:sp>
+        <p:nvSpPr>
+          <p:cNvPr id="31" name="TextBox 30">
+            <a:extLst>
+              <a:ext uri="{FF2B5EF4-FFF2-40B4-BE49-F238E27FC236}">
+                <a16:creationId xmlns:a16="http://schemas.microsoft.com/office/drawing/2014/main" id="{1D34DD5D-E571-2F28-B366-27E35AFD8D8C}"/>
+              </a:ext>
+            </a:extLst>
+          </p:cNvPr>
+          <p:cNvSpPr txBox="1"/>
+          <p:nvPr/>
+        </p:nvSpPr>
+        <p:spPr>
+          <a:xfrm>
+            <a:off x="3527109" y="1734096"/>
+            <a:ext cx="455574" cy="215444"/>
+          </a:xfrm>
+          <a:prstGeom prst="rect">
+            <a:avLst/>
+          </a:prstGeom>
+          <a:noFill/>
+        </p:spPr>
+        <p:txBody>
+          <a:bodyPr wrap="none" rtlCol="0">
+            <a:spAutoFit/>
+          </a:bodyPr>
+          <a:lstStyle/>
+          <a:p>
+            <a:r>
+              <a:rPr lang="en-US" sz="800" b="1" dirty="0"/>
+              <a:t>_ens4</a:t>
+            </a:r>
+          </a:p>
+        </p:txBody>
+      </p:sp>
+      <p:sp>
+        <p:nvSpPr>
+          <p:cNvPr id="33" name="TextBox 32">
+            <a:extLst>
+              <a:ext uri="{FF2B5EF4-FFF2-40B4-BE49-F238E27FC236}">
+                <a16:creationId xmlns:a16="http://schemas.microsoft.com/office/drawing/2014/main" id="{07825A75-F9F6-2B04-7DF8-450E8ED3E509}"/>
+              </a:ext>
+            </a:extLst>
+          </p:cNvPr>
+          <p:cNvSpPr txBox="1"/>
+          <p:nvPr/>
+        </p:nvSpPr>
+        <p:spPr>
+          <a:xfrm>
+            <a:off x="5756719" y="1954158"/>
+            <a:ext cx="457176" cy="184666"/>
+          </a:xfrm>
+          <a:prstGeom prst="rect">
+            <a:avLst/>
+          </a:prstGeom>
+          <a:noFill/>
+        </p:spPr>
+        <p:txBody>
+          <a:bodyPr wrap="none" rtlCol="0">
+            <a:spAutoFit/>
+          </a:bodyPr>
+          <a:lstStyle/>
+          <a:p>
+            <a:r>
+              <a:rPr lang="en-US" sz="600" dirty="0"/>
+              <a:t>202.127</a:t>
+            </a:r>
+          </a:p>
+        </p:txBody>
+      </p:sp>
+      <p:sp>
+        <p:nvSpPr>
+          <p:cNvPr id="34" name="TextBox 33">
+            <a:extLst>
+              <a:ext uri="{FF2B5EF4-FFF2-40B4-BE49-F238E27FC236}">
+                <a16:creationId xmlns:a16="http://schemas.microsoft.com/office/drawing/2014/main" id="{3C4C7F02-D6B9-849E-7D53-D3EB8437664F}"/>
+              </a:ext>
+            </a:extLst>
+          </p:cNvPr>
+          <p:cNvSpPr txBox="1"/>
+          <p:nvPr/>
+        </p:nvSpPr>
+        <p:spPr>
+          <a:xfrm>
+            <a:off x="6620710" y="1945083"/>
+            <a:ext cx="415498" cy="184666"/>
+          </a:xfrm>
+          <a:prstGeom prst="rect">
+            <a:avLst/>
+          </a:prstGeom>
+          <a:noFill/>
+        </p:spPr>
+        <p:txBody>
+          <a:bodyPr wrap="none" rtlCol="0">
+            <a:spAutoFit/>
+          </a:bodyPr>
+          <a:lstStyle/>
+          <a:p>
+            <a:r>
+              <a:rPr lang="en-US" sz="600" dirty="0"/>
+              <a:t>86.127</a:t>
+            </a:r>
+          </a:p>
+        </p:txBody>
+      </p:sp>
+      <p:sp>
+        <p:nvSpPr>
+          <p:cNvPr id="63" name="TextBox 62">
+            <a:extLst>
+              <a:ext uri="{FF2B5EF4-FFF2-40B4-BE49-F238E27FC236}">
+                <a16:creationId xmlns:a16="http://schemas.microsoft.com/office/drawing/2014/main" id="{F7FE73F4-4831-D5D4-AA8C-FB62A9ECA70D}"/>
+              </a:ext>
+            </a:extLst>
+          </p:cNvPr>
+          <p:cNvSpPr txBox="1"/>
+          <p:nvPr/>
+        </p:nvSpPr>
+        <p:spPr>
+          <a:xfrm>
+            <a:off x="4609410" y="1266342"/>
+            <a:ext cx="393056" cy="215444"/>
+          </a:xfrm>
+          <a:prstGeom prst="rect">
+            <a:avLst/>
+          </a:prstGeom>
+          <a:noFill/>
+        </p:spPr>
+        <p:txBody>
+          <a:bodyPr wrap="none" rtlCol="0">
+            <a:spAutoFit/>
+          </a:bodyPr>
+          <a:lstStyle/>
+          <a:p>
+            <a:r>
+              <a:rPr lang="en-US" sz="800" dirty="0"/>
+              <a:t>eth0</a:t>
+            </a:r>
+          </a:p>
+        </p:txBody>
+      </p:sp>
+      <p:sp>
+        <p:nvSpPr>
+          <p:cNvPr id="66" name="TextBox 65">
+            <a:extLst>
+              <a:ext uri="{FF2B5EF4-FFF2-40B4-BE49-F238E27FC236}">
+                <a16:creationId xmlns:a16="http://schemas.microsoft.com/office/drawing/2014/main" id="{B4B6E713-DC8B-83B1-ECA3-2291CFA93A03}"/>
+              </a:ext>
+            </a:extLst>
+          </p:cNvPr>
+          <p:cNvSpPr txBox="1"/>
+          <p:nvPr/>
+        </p:nvSpPr>
+        <p:spPr>
+          <a:xfrm>
+            <a:off x="4597000" y="1432083"/>
+            <a:ext cx="478016" cy="215444"/>
+          </a:xfrm>
+          <a:prstGeom prst="rect">
+            <a:avLst/>
+          </a:prstGeom>
+          <a:noFill/>
+        </p:spPr>
+        <p:txBody>
+          <a:bodyPr wrap="none" rtlCol="0">
+            <a:spAutoFit/>
+          </a:bodyPr>
+          <a:lstStyle/>
+          <a:p>
+            <a:r>
+              <a:rPr lang="en-US" sz="800" dirty="0"/>
+              <a:t>eth0:1</a:t>
+            </a:r>
+          </a:p>
+        </p:txBody>
+      </p:sp>
+      <p:sp>
+        <p:nvSpPr>
+          <p:cNvPr id="67" name="TextBox 66">
+            <a:extLst>
+              <a:ext uri="{FF2B5EF4-FFF2-40B4-BE49-F238E27FC236}">
+                <a16:creationId xmlns:a16="http://schemas.microsoft.com/office/drawing/2014/main" id="{0A82186C-6193-368A-0DBA-A492769DB422}"/>
+              </a:ext>
+            </a:extLst>
+          </p:cNvPr>
+          <p:cNvSpPr txBox="1"/>
+          <p:nvPr/>
+        </p:nvSpPr>
+        <p:spPr>
+          <a:xfrm>
+            <a:off x="4595852" y="1585297"/>
+            <a:ext cx="478016" cy="215444"/>
+          </a:xfrm>
+          <a:prstGeom prst="rect">
+            <a:avLst/>
+          </a:prstGeom>
+          <a:noFill/>
+        </p:spPr>
+        <p:txBody>
+          <a:bodyPr wrap="none" rtlCol="0">
+            <a:spAutoFit/>
+          </a:bodyPr>
+          <a:lstStyle/>
+          <a:p>
+            <a:r>
+              <a:rPr lang="en-US" sz="800" dirty="0"/>
+              <a:t>eth0:2</a:t>
+            </a:r>
+          </a:p>
+        </p:txBody>
+      </p:sp>
+      <p:sp>
+        <p:nvSpPr>
+          <p:cNvPr id="68" name="TextBox 67">
+            <a:extLst>
+              <a:ext uri="{FF2B5EF4-FFF2-40B4-BE49-F238E27FC236}">
+                <a16:creationId xmlns:a16="http://schemas.microsoft.com/office/drawing/2014/main" id="{25F4F379-5A72-0C23-103E-5F3798B52E40}"/>
+              </a:ext>
+            </a:extLst>
+          </p:cNvPr>
+          <p:cNvSpPr txBox="1"/>
+          <p:nvPr/>
+        </p:nvSpPr>
+        <p:spPr>
+          <a:xfrm>
+            <a:off x="3403915" y="1273419"/>
+            <a:ext cx="383438" cy="215444"/>
+          </a:xfrm>
+          <a:prstGeom prst="rect">
+            <a:avLst/>
+          </a:prstGeom>
+          <a:noFill/>
+        </p:spPr>
+        <p:txBody>
+          <a:bodyPr wrap="none" rtlCol="0">
+            <a:spAutoFit/>
+          </a:bodyPr>
+          <a:lstStyle/>
+          <a:p>
+            <a:r>
+              <a:rPr lang="en-US" sz="800" dirty="0"/>
+              <a:t>eth1</a:t>
+            </a:r>
+          </a:p>
+        </p:txBody>
+      </p:sp>
+      <p:sp>
+        <p:nvSpPr>
+          <p:cNvPr id="69" name="TextBox 68">
+            <a:extLst>
+              <a:ext uri="{FF2B5EF4-FFF2-40B4-BE49-F238E27FC236}">
+                <a16:creationId xmlns:a16="http://schemas.microsoft.com/office/drawing/2014/main" id="{C0BAC7DC-F22D-928B-C2E1-686BDFEB5683}"/>
+              </a:ext>
+            </a:extLst>
+          </p:cNvPr>
+          <p:cNvSpPr txBox="1"/>
+          <p:nvPr/>
+        </p:nvSpPr>
+        <p:spPr>
+          <a:xfrm>
+            <a:off x="3409950" y="1439031"/>
+            <a:ext cx="466794" cy="215444"/>
+          </a:xfrm>
+          <a:prstGeom prst="rect">
+            <a:avLst/>
+          </a:prstGeom>
+          <a:noFill/>
+        </p:spPr>
+        <p:txBody>
+          <a:bodyPr wrap="none" rtlCol="0">
+            <a:spAutoFit/>
+          </a:bodyPr>
+          <a:lstStyle/>
+          <a:p>
+            <a:r>
+              <a:rPr lang="en-US" sz="800" dirty="0"/>
+              <a:t>eth1:1</a:t>
+            </a:r>
+          </a:p>
+        </p:txBody>
+      </p:sp>
+      <p:sp>
+        <p:nvSpPr>
+          <p:cNvPr id="70" name="TextBox 69">
+            <a:extLst>
+              <a:ext uri="{FF2B5EF4-FFF2-40B4-BE49-F238E27FC236}">
+                <a16:creationId xmlns:a16="http://schemas.microsoft.com/office/drawing/2014/main" id="{5EDE941F-4D98-7F6B-3820-2FA4BABEE7B4}"/>
+              </a:ext>
+            </a:extLst>
+          </p:cNvPr>
+          <p:cNvSpPr txBox="1"/>
+          <p:nvPr/>
+        </p:nvSpPr>
+        <p:spPr>
+          <a:xfrm>
+            <a:off x="6648850" y="4568589"/>
+            <a:ext cx="268022" cy="184666"/>
+          </a:xfrm>
+          <a:prstGeom prst="rect">
+            <a:avLst/>
+          </a:prstGeom>
+          <a:noFill/>
+        </p:spPr>
+        <p:txBody>
+          <a:bodyPr wrap="none" rtlCol="0">
+            <a:spAutoFit/>
+          </a:bodyPr>
+          <a:lstStyle/>
+          <a:p>
+            <a:r>
+              <a:rPr lang="en-US" sz="600" b="1" dirty="0">
+                <a:solidFill>
+                  <a:srgbClr val="7030A0"/>
+                </a:solidFill>
+              </a:rPr>
+              <a:t>21</a:t>
+            </a:r>
+          </a:p>
+        </p:txBody>
+      </p:sp>
+      <p:grpSp>
+        <p:nvGrpSpPr>
+          <p:cNvPr id="76" name="Group 75">
+            <a:extLst>
+              <a:ext uri="{FF2B5EF4-FFF2-40B4-BE49-F238E27FC236}">
+                <a16:creationId xmlns:a16="http://schemas.microsoft.com/office/drawing/2014/main" id="{1B417C42-6CAD-1496-463C-6ED623FB8D16}"/>
+              </a:ext>
+            </a:extLst>
+          </p:cNvPr>
+          <p:cNvGrpSpPr/>
+          <p:nvPr/>
+        </p:nvGrpSpPr>
+        <p:grpSpPr>
+          <a:xfrm>
+            <a:off x="6396762" y="4668706"/>
+            <a:ext cx="495649" cy="276999"/>
+            <a:chOff x="3241228" y="4668706"/>
+            <a:chExt cx="495649" cy="276999"/>
+          </a:xfrm>
+        </p:grpSpPr>
+        <p:sp>
+          <p:nvSpPr>
+            <p:cNvPr id="75" name="Rectangle 74">
+              <a:extLst>
+                <a:ext uri="{FF2B5EF4-FFF2-40B4-BE49-F238E27FC236}">
+                  <a16:creationId xmlns:a16="http://schemas.microsoft.com/office/drawing/2014/main" id="{F0FE94CE-0372-752F-0819-D984FEDD419A}"/>
+                </a:ext>
+              </a:extLst>
+            </p:cNvPr>
+            <p:cNvSpPr/>
+            <p:nvPr/>
+          </p:nvSpPr>
+          <p:spPr>
+            <a:xfrm>
+              <a:off x="3285449" y="4714825"/>
+              <a:ext cx="393475" cy="184762"/>
+            </a:xfrm>
+            <a:prstGeom prst="rect">
+              <a:avLst/>
+            </a:prstGeom>
+            <a:solidFill>
+              <a:schemeClr val="bg1">
+                <a:lumMod val="85000"/>
+              </a:schemeClr>
+            </a:solidFill>
+          </p:spPr>
+          <p:style>
+            <a:lnRef idx="2">
+              <a:schemeClr val="accent1">
+                <a:shade val="15000"/>
+              </a:schemeClr>
+            </a:lnRef>
+            <a:fillRef idx="1">
+              <a:schemeClr val="accent1"/>
+            </a:fillRef>
+            <a:effectRef idx="0">
+              <a:schemeClr val="accent1"/>
+            </a:effectRef>
+            <a:fontRef idx="minor">
+              <a:schemeClr val="lt1"/>
+            </a:fontRef>
+          </p:style>
+          <p:txBody>
+            <a:bodyPr rtlCol="0" anchor="ctr"/>
+            <a:lstStyle/>
+            <a:p>
+              <a:pPr algn="ctr"/>
+              <a:endParaRPr lang="en-US"/>
+            </a:p>
+          </p:txBody>
+        </p:sp>
+        <p:sp>
+          <p:nvSpPr>
+            <p:cNvPr id="72" name="TextBox 71">
+              <a:extLst>
+                <a:ext uri="{FF2B5EF4-FFF2-40B4-BE49-F238E27FC236}">
+                  <a16:creationId xmlns:a16="http://schemas.microsoft.com/office/drawing/2014/main" id="{98C0F33D-A9DF-87A1-D45C-6B94B6A99A3E}"/>
+                </a:ext>
+              </a:extLst>
+            </p:cNvPr>
+            <p:cNvSpPr txBox="1"/>
+            <p:nvPr/>
+          </p:nvSpPr>
+          <p:spPr>
+            <a:xfrm>
+              <a:off x="3241228" y="4668706"/>
+              <a:ext cx="495649" cy="276999"/>
+            </a:xfrm>
+            <a:prstGeom prst="rect">
+              <a:avLst/>
+            </a:prstGeom>
+            <a:noFill/>
+          </p:spPr>
+          <p:txBody>
+            <a:bodyPr wrap="none" rtlCol="0">
+              <a:spAutoFit/>
+            </a:bodyPr>
+            <a:lstStyle/>
+            <a:p>
+              <a:r>
+                <a:rPr lang="en-US" sz="1200" b="1" dirty="0"/>
+                <a:t>eth2</a:t>
+              </a:r>
+            </a:p>
+          </p:txBody>
+        </p:sp>
+      </p:grpSp>
+      <p:sp>
+        <p:nvSpPr>
+          <p:cNvPr id="108" name="TextBox 107">
+            <a:extLst>
+              <a:ext uri="{FF2B5EF4-FFF2-40B4-BE49-F238E27FC236}">
+                <a16:creationId xmlns:a16="http://schemas.microsoft.com/office/drawing/2014/main" id="{FF23071E-A9DA-FB75-64FD-C3D9957C5C57}"/>
+              </a:ext>
+            </a:extLst>
+          </p:cNvPr>
+          <p:cNvSpPr txBox="1"/>
+          <p:nvPr/>
+        </p:nvSpPr>
+        <p:spPr>
+          <a:xfrm>
+            <a:off x="5395711" y="4146723"/>
+            <a:ext cx="268022" cy="184666"/>
+          </a:xfrm>
+          <a:prstGeom prst="rect">
+            <a:avLst/>
+          </a:prstGeom>
+          <a:noFill/>
+        </p:spPr>
+        <p:txBody>
+          <a:bodyPr wrap="none" rtlCol="0">
+            <a:spAutoFit/>
+          </a:bodyPr>
+          <a:lstStyle/>
+          <a:p>
+            <a:r>
+              <a:rPr lang="en-US" sz="600" b="1" dirty="0">
+                <a:solidFill>
+                  <a:srgbClr val="7030A0"/>
+                </a:solidFill>
+              </a:rPr>
+              <a:t>20</a:t>
+            </a:r>
+          </a:p>
+        </p:txBody>
+      </p:sp>
+      <p:sp>
+        <p:nvSpPr>
+          <p:cNvPr id="111" name="TextBox 110">
+            <a:extLst>
+              <a:ext uri="{FF2B5EF4-FFF2-40B4-BE49-F238E27FC236}">
+                <a16:creationId xmlns:a16="http://schemas.microsoft.com/office/drawing/2014/main" id="{00101EC1-8F12-5894-862A-C7FA7ED423F9}"/>
+              </a:ext>
+            </a:extLst>
+          </p:cNvPr>
+          <p:cNvSpPr txBox="1"/>
+          <p:nvPr/>
+        </p:nvSpPr>
+        <p:spPr>
+          <a:xfrm>
+            <a:off x="6039758" y="4148742"/>
+            <a:ext cx="268022" cy="184666"/>
+          </a:xfrm>
+          <a:prstGeom prst="rect">
+            <a:avLst/>
+          </a:prstGeom>
+          <a:noFill/>
+        </p:spPr>
+        <p:txBody>
+          <a:bodyPr wrap="none" rtlCol="0">
+            <a:spAutoFit/>
+          </a:bodyPr>
+          <a:lstStyle/>
+          <a:p>
+            <a:r>
+              <a:rPr lang="en-US" sz="600" b="1" dirty="0">
+                <a:solidFill>
+                  <a:srgbClr val="7030A0"/>
+                </a:solidFill>
+              </a:rPr>
+              <a:t>22</a:t>
+            </a:r>
+          </a:p>
+        </p:txBody>
+      </p:sp>
+      <p:sp>
+        <p:nvSpPr>
+          <p:cNvPr id="112" name="TextBox 111">
+            <a:extLst>
+              <a:ext uri="{FF2B5EF4-FFF2-40B4-BE49-F238E27FC236}">
+                <a16:creationId xmlns:a16="http://schemas.microsoft.com/office/drawing/2014/main" id="{24547724-B919-D63A-6D62-246C0669489C}"/>
+              </a:ext>
+            </a:extLst>
+          </p:cNvPr>
+          <p:cNvSpPr txBox="1"/>
+          <p:nvPr/>
+        </p:nvSpPr>
+        <p:spPr>
+          <a:xfrm>
+            <a:off x="5676644" y="4571623"/>
+            <a:ext cx="268022" cy="184666"/>
+          </a:xfrm>
+          <a:prstGeom prst="rect">
+            <a:avLst/>
+          </a:prstGeom>
+          <a:noFill/>
+        </p:spPr>
+        <p:txBody>
+          <a:bodyPr wrap="none" rtlCol="0">
+            <a:spAutoFit/>
+          </a:bodyPr>
+          <a:lstStyle/>
+          <a:p>
+            <a:r>
+              <a:rPr lang="en-US" sz="600" b="1" dirty="0">
+                <a:solidFill>
+                  <a:srgbClr val="7030A0"/>
+                </a:solidFill>
+              </a:rPr>
+              <a:t>24</a:t>
+            </a:r>
+          </a:p>
+        </p:txBody>
+      </p:sp>
+      <p:sp>
+        <p:nvSpPr>
+          <p:cNvPr id="113" name="TextBox 112">
+            <a:extLst>
+              <a:ext uri="{FF2B5EF4-FFF2-40B4-BE49-F238E27FC236}">
+                <a16:creationId xmlns:a16="http://schemas.microsoft.com/office/drawing/2014/main" id="{3A0EE974-95E1-39B2-8BD0-C7FB59551FF2}"/>
+              </a:ext>
+            </a:extLst>
+          </p:cNvPr>
+          <p:cNvSpPr txBox="1"/>
+          <p:nvPr/>
+        </p:nvSpPr>
+        <p:spPr>
+          <a:xfrm>
+            <a:off x="5036389" y="4566685"/>
+            <a:ext cx="271228" cy="184666"/>
+          </a:xfrm>
+          <a:prstGeom prst="rect">
+            <a:avLst/>
+          </a:prstGeom>
+          <a:noFill/>
+        </p:spPr>
+        <p:txBody>
+          <a:bodyPr wrap="none" rtlCol="0">
+            <a:spAutoFit/>
+          </a:bodyPr>
+          <a:lstStyle/>
+          <a:p>
+            <a:r>
+              <a:rPr lang="en-US" sz="600" b="1" dirty="0">
+                <a:solidFill>
+                  <a:srgbClr val="7030A0"/>
+                </a:solidFill>
+              </a:rPr>
+              <a:t>d7</a:t>
+            </a:r>
+          </a:p>
+        </p:txBody>
+      </p:sp>
+      <p:sp>
+        <p:nvSpPr>
+          <p:cNvPr id="114" name="TextBox 113">
+            <a:extLst>
+              <a:ext uri="{FF2B5EF4-FFF2-40B4-BE49-F238E27FC236}">
+                <a16:creationId xmlns:a16="http://schemas.microsoft.com/office/drawing/2014/main" id="{34410BC8-C5FE-64DE-6EEF-3ACC79129D2B}"/>
+              </a:ext>
+            </a:extLst>
+          </p:cNvPr>
+          <p:cNvSpPr txBox="1"/>
+          <p:nvPr/>
+        </p:nvSpPr>
+        <p:spPr>
+          <a:xfrm>
+            <a:off x="4611248" y="3492440"/>
+            <a:ext cx="729687" cy="215444"/>
+          </a:xfrm>
+          <a:prstGeom prst="rect">
+            <a:avLst/>
+          </a:prstGeom>
+          <a:noFill/>
+        </p:spPr>
+        <p:txBody>
+          <a:bodyPr wrap="none" rtlCol="0">
+            <a:spAutoFit/>
+          </a:bodyPr>
+          <a:lstStyle/>
+          <a:p>
+            <a:r>
+              <a:rPr lang="en-US" sz="600" u="sng" dirty="0"/>
+              <a:t>*</a:t>
+            </a:r>
+            <a:r>
+              <a:rPr lang="en-US" sz="800" u="sng" dirty="0" err="1"/>
+              <a:t>ovs</a:t>
+            </a:r>
+            <a:r>
+              <a:rPr lang="en-US" sz="800" u="sng" dirty="0"/>
+              <a:t>-system</a:t>
+            </a:r>
+          </a:p>
+        </p:txBody>
+      </p:sp>
+      <p:sp>
+        <p:nvSpPr>
+          <p:cNvPr id="117" name="TextBox 116">
+            <a:extLst>
+              <a:ext uri="{FF2B5EF4-FFF2-40B4-BE49-F238E27FC236}">
+                <a16:creationId xmlns:a16="http://schemas.microsoft.com/office/drawing/2014/main" id="{926CC67E-9E3C-C525-5610-EFE5932DE718}"/>
+              </a:ext>
+            </a:extLst>
+          </p:cNvPr>
+          <p:cNvSpPr txBox="1"/>
+          <p:nvPr/>
+        </p:nvSpPr>
+        <p:spPr>
+          <a:xfrm>
+            <a:off x="3315553" y="3514289"/>
+            <a:ext cx="470000" cy="215444"/>
+          </a:xfrm>
+          <a:prstGeom prst="rect">
+            <a:avLst/>
+          </a:prstGeom>
+          <a:noFill/>
+        </p:spPr>
+        <p:txBody>
+          <a:bodyPr wrap="none" rtlCol="0">
+            <a:spAutoFit/>
+          </a:bodyPr>
+          <a:lstStyle/>
+          <a:p>
+            <a:r>
+              <a:rPr lang="en-US" sz="600" u="sng" dirty="0"/>
+              <a:t>*</a:t>
+            </a:r>
+            <a:r>
+              <a:rPr lang="en-US" sz="800" u="sng" dirty="0"/>
+              <a:t>virbr0</a:t>
+            </a:r>
+          </a:p>
+        </p:txBody>
+      </p:sp>
+      <p:sp>
+        <p:nvSpPr>
+          <p:cNvPr id="119" name="TextBox 118">
+            <a:extLst>
+              <a:ext uri="{FF2B5EF4-FFF2-40B4-BE49-F238E27FC236}">
+                <a16:creationId xmlns:a16="http://schemas.microsoft.com/office/drawing/2014/main" id="{02F83A50-F377-1C2B-FCCC-9416CF44522E}"/>
+              </a:ext>
+            </a:extLst>
+          </p:cNvPr>
+          <p:cNvSpPr txBox="1"/>
+          <p:nvPr/>
+        </p:nvSpPr>
+        <p:spPr>
+          <a:xfrm>
+            <a:off x="3225840" y="4973404"/>
+            <a:ext cx="893193" cy="461665"/>
+          </a:xfrm>
+          <a:prstGeom prst="rect">
+            <a:avLst/>
+          </a:prstGeom>
+          <a:noFill/>
+        </p:spPr>
+        <p:txBody>
+          <a:bodyPr wrap="none" rtlCol="0">
+            <a:spAutoFit/>
+          </a:bodyPr>
+          <a:lstStyle/>
+          <a:p>
+            <a:r>
+              <a:rPr lang="en-US" sz="600" u="sng" dirty="0"/>
+              <a:t>*</a:t>
+            </a:r>
+            <a:r>
+              <a:rPr lang="en-US" sz="800" u="sng" dirty="0"/>
+              <a:t>master (virtual)</a:t>
+            </a:r>
+          </a:p>
+          <a:p>
+            <a:r>
+              <a:rPr lang="en-US" sz="800" dirty="0"/>
+              <a:t>Bridge or</a:t>
+            </a:r>
+          </a:p>
+          <a:p>
+            <a:r>
+              <a:rPr lang="en-US" sz="800" dirty="0"/>
+              <a:t>Bond</a:t>
+            </a:r>
+          </a:p>
+        </p:txBody>
+      </p:sp>
+      <p:sp>
+        <p:nvSpPr>
+          <p:cNvPr id="121" name="TextBox 120">
+            <a:extLst>
+              <a:ext uri="{FF2B5EF4-FFF2-40B4-BE49-F238E27FC236}">
+                <a16:creationId xmlns:a16="http://schemas.microsoft.com/office/drawing/2014/main" id="{3385F306-05D1-FF72-C428-18EE3A05C90F}"/>
+              </a:ext>
+            </a:extLst>
+          </p:cNvPr>
+          <p:cNvSpPr txBox="1"/>
+          <p:nvPr/>
+        </p:nvSpPr>
+        <p:spPr>
+          <a:xfrm>
+            <a:off x="206379" y="2158265"/>
+            <a:ext cx="2873697" cy="5632311"/>
+          </a:xfrm>
+          <a:prstGeom prst="rect">
+            <a:avLst/>
+          </a:prstGeom>
+          <a:noFill/>
+        </p:spPr>
+        <p:txBody>
+          <a:bodyPr wrap="square" rtlCol="0">
+            <a:spAutoFit/>
+          </a:bodyPr>
+          <a:lstStyle/>
+          <a:p>
+            <a:r>
+              <a:rPr lang="en-US" sz="800" b="1" dirty="0"/>
+              <a:t>AHV </a:t>
+            </a:r>
+            <a:r>
+              <a:rPr lang="en-US" sz="800" b="1" dirty="0" err="1"/>
+              <a:t>ip</a:t>
+            </a:r>
+            <a:r>
+              <a:rPr lang="en-US" sz="800" b="1" dirty="0"/>
+              <a:t> link:</a:t>
+            </a:r>
+          </a:p>
+          <a:p>
+            <a:endParaRPr lang="en-US" sz="800" dirty="0"/>
+          </a:p>
+          <a:p>
+            <a:r>
+              <a:rPr lang="en-US" sz="800" dirty="0"/>
+              <a:t>lo</a:t>
+            </a:r>
+          </a:p>
+          <a:p>
+            <a:r>
+              <a:rPr lang="en-US" sz="800" dirty="0"/>
+              <a:t>eth1</a:t>
+            </a:r>
+          </a:p>
+          <a:p>
+            <a:r>
+              <a:rPr lang="en-US" sz="800" dirty="0"/>
+              <a:t>eth0</a:t>
+            </a:r>
+          </a:p>
+          <a:p>
+            <a:r>
+              <a:rPr lang="en-US" sz="800" dirty="0"/>
+              <a:t>eth2</a:t>
+            </a:r>
+          </a:p>
+          <a:p>
+            <a:r>
+              <a:rPr lang="en-US" sz="800" dirty="0"/>
+              <a:t>eth3</a:t>
+            </a:r>
+          </a:p>
+          <a:p>
+            <a:r>
+              <a:rPr lang="en-US" sz="800" dirty="0"/>
+              <a:t>eth4</a:t>
+            </a:r>
+          </a:p>
+          <a:p>
+            <a:r>
+              <a:rPr lang="en-US" sz="800" dirty="0"/>
+              <a:t>*ovs-system	OVS instance – ONLY 1 per host</a:t>
+            </a:r>
+          </a:p>
+          <a:p>
+            <a:r>
+              <a:rPr lang="en-US" sz="800" dirty="0"/>
+              <a:t>	VTEPS </a:t>
+            </a:r>
+            <a:r>
+              <a:rPr lang="en-US" sz="800" u="sng" dirty="0"/>
+              <a:t>connect multiple</a:t>
+            </a:r>
+          </a:p>
+          <a:p>
+            <a:r>
+              <a:rPr lang="en-US" sz="800" dirty="0"/>
+              <a:t>	OVS instances on </a:t>
+            </a:r>
+            <a:r>
+              <a:rPr lang="en-US" sz="800" dirty="0" err="1"/>
+              <a:t>sepatate</a:t>
+            </a:r>
+            <a:endParaRPr lang="en-US" sz="800" dirty="0"/>
+          </a:p>
+          <a:p>
+            <a:r>
+              <a:rPr lang="en-US" sz="800" dirty="0"/>
+              <a:t>	hosts (in the same cluster)</a:t>
+            </a:r>
+          </a:p>
+          <a:p>
+            <a:r>
+              <a:rPr lang="en-US" sz="800" dirty="0"/>
+              <a:t>br1.local</a:t>
+            </a:r>
+          </a:p>
+          <a:p>
+            <a:r>
+              <a:rPr lang="en-US" sz="800" dirty="0"/>
+              <a:t>br0	general bridge for CVM and </a:t>
+            </a:r>
+            <a:r>
+              <a:rPr lang="en-US" sz="800" dirty="0" err="1"/>
+              <a:t>mgmt</a:t>
+            </a:r>
+            <a:endParaRPr lang="en-US" sz="800" dirty="0"/>
+          </a:p>
+          <a:p>
+            <a:r>
+              <a:rPr lang="en-US" sz="800" dirty="0"/>
+              <a:t>brSpan	Specialized Bridge for </a:t>
+            </a:r>
+          </a:p>
+          <a:p>
+            <a:r>
+              <a:rPr lang="en-US" sz="800" dirty="0"/>
+              <a:t>	port mirroring</a:t>
+            </a:r>
+          </a:p>
+          <a:p>
+            <a:r>
+              <a:rPr lang="en-US" sz="800" dirty="0"/>
+              <a:t>br0.local	cvm&lt;&gt;host</a:t>
+            </a:r>
+          </a:p>
+          <a:p>
+            <a:r>
+              <a:rPr lang="en-US" sz="800" dirty="0"/>
+              <a:t>	local not routed</a:t>
+            </a:r>
+          </a:p>
+          <a:p>
+            <a:r>
+              <a:rPr lang="en-US" sz="800" dirty="0"/>
+              <a:t>br1</a:t>
+            </a:r>
+          </a:p>
+          <a:p>
+            <a:r>
+              <a:rPr lang="en-US" sz="800" dirty="0"/>
+              <a:t>*virbr0</a:t>
+            </a:r>
+          </a:p>
+          <a:p>
+            <a:r>
+              <a:rPr lang="en-US" sz="800" dirty="0"/>
+              <a:t>vnet0	</a:t>
+            </a:r>
+            <a:r>
+              <a:rPr lang="en-US" sz="800" dirty="0" err="1"/>
+              <a:t>vnet</a:t>
+            </a:r>
+            <a:r>
+              <a:rPr lang="en-US" sz="800" dirty="0"/>
+              <a:t># are associated with Bridges</a:t>
+            </a:r>
+          </a:p>
+          <a:p>
+            <a:r>
+              <a:rPr lang="en-US" sz="800" dirty="0"/>
+              <a:t>vnet1</a:t>
+            </a:r>
+          </a:p>
+          <a:p>
+            <a:r>
+              <a:rPr lang="en-US" sz="800" dirty="0"/>
+              <a:t>vnet2</a:t>
+            </a:r>
+          </a:p>
+          <a:p>
+            <a:r>
+              <a:rPr lang="en-US" sz="800" dirty="0"/>
+              <a:t>vnet3</a:t>
+            </a:r>
+          </a:p>
+          <a:p>
+            <a:r>
+              <a:rPr lang="en-US" sz="800" dirty="0"/>
+              <a:t>br.mx	dedicated to VM traffic N&lt;&gt;S/E&lt;&gt;W</a:t>
+            </a:r>
+          </a:p>
+          <a:p>
+            <a:r>
+              <a:rPr lang="en-US" sz="800" dirty="0"/>
+              <a:t>br.microseg	Cluster VMs E&lt;&gt;W passes through</a:t>
+            </a:r>
+          </a:p>
+          <a:p>
+            <a:r>
+              <a:rPr lang="en-US" sz="800" dirty="0"/>
+              <a:t>	to allow traffic security control</a:t>
+            </a:r>
+          </a:p>
+          <a:p>
+            <a:r>
+              <a:rPr lang="en-US" sz="800" dirty="0"/>
+              <a:t>br.nf	file server traffic / NFS, SMB, CIFS</a:t>
+            </a:r>
+          </a:p>
+          <a:p>
+            <a:r>
+              <a:rPr lang="en-US" sz="800" dirty="0"/>
+              <a:t>br.dmx	ADSF </a:t>
+            </a:r>
+            <a:r>
+              <a:rPr lang="en-US" sz="800" dirty="0" err="1"/>
+              <a:t>acrop</a:t>
+            </a:r>
+            <a:r>
+              <a:rPr lang="en-US" sz="800" dirty="0"/>
+              <a:t> </a:t>
+            </a:r>
+            <a:r>
+              <a:rPr lang="en-US" sz="800" dirty="0" err="1"/>
+              <a:t>distrib</a:t>
+            </a:r>
+            <a:r>
+              <a:rPr lang="en-US" sz="800" dirty="0"/>
+              <a:t> storage fabric</a:t>
+            </a:r>
+          </a:p>
+          <a:p>
+            <a:r>
+              <a:rPr lang="en-US" sz="800" dirty="0"/>
+              <a:t>	distributed network bridge</a:t>
+            </a:r>
+          </a:p>
+          <a:p>
+            <a:r>
+              <a:rPr lang="en-US" sz="800" dirty="0"/>
+              <a:t>	external storage</a:t>
+            </a:r>
+          </a:p>
+          <a:p>
+            <a:r>
+              <a:rPr lang="en-US" sz="800" dirty="0"/>
+              <a:t>	uses DSIP</a:t>
+            </a:r>
+          </a:p>
+          <a:p>
+            <a:r>
+              <a:rPr lang="en-US" sz="800" dirty="0"/>
+              <a:t>vxlan_sys_4789	VTEP? </a:t>
+            </a:r>
+            <a:r>
+              <a:rPr lang="en-US" sz="800" dirty="0" err="1"/>
+              <a:t>Udp</a:t>
+            </a:r>
+            <a:r>
+              <a:rPr lang="en-US" sz="800" dirty="0"/>
+              <a:t> 4789 default L2 over L3</a:t>
+            </a:r>
+          </a:p>
+          <a:p>
+            <a:r>
+              <a:rPr lang="en-US" sz="800" dirty="0"/>
+              <a:t>tap0	tap# is associated with Bridges</a:t>
+            </a:r>
+          </a:p>
+          <a:p>
+            <a:r>
+              <a:rPr lang="en-US" sz="800" dirty="0"/>
+              <a:t>	They are created with VMs are edited</a:t>
+            </a:r>
+          </a:p>
+          <a:p>
+            <a:r>
+              <a:rPr lang="en-US" sz="800" dirty="0"/>
+              <a:t>	with NICs</a:t>
+            </a:r>
+          </a:p>
+          <a:p>
+            <a:r>
+              <a:rPr lang="en-US" sz="800" dirty="0"/>
+              <a:t>tap1</a:t>
+            </a:r>
+          </a:p>
+          <a:p>
+            <a:endParaRPr lang="en-US" sz="800" dirty="0"/>
+          </a:p>
+          <a:p>
+            <a:endParaRPr lang="en-US" sz="800" dirty="0"/>
+          </a:p>
+          <a:p>
+            <a:endParaRPr lang="en-US" sz="800" dirty="0"/>
+          </a:p>
+          <a:p>
+            <a:endParaRPr lang="en-US" sz="800" dirty="0"/>
+          </a:p>
+          <a:p>
+            <a:endParaRPr lang="en-US" sz="800" dirty="0"/>
+          </a:p>
+          <a:p>
+            <a:endParaRPr lang="en-US" sz="800" dirty="0"/>
+          </a:p>
+          <a:p>
+            <a:endParaRPr lang="en-US" sz="800" dirty="0"/>
+          </a:p>
+          <a:p>
+            <a:endParaRPr lang="en-US" sz="800" dirty="0"/>
+          </a:p>
+        </p:txBody>
+      </p:sp>
+    </p:spTree>
+    <p:extLst>
+      <p:ext uri="{BB962C8B-B14F-4D97-AF65-F5344CB8AC3E}">
+        <p14:creationId xmlns:p14="http://schemas.microsoft.com/office/powerpoint/2010/main" val="3180791048"/>
       </p:ext>
     </p:extLst>
   </p:cSld>
@@ -9499,4 +15019,319 @@
     </a:ext>
   </a:extLst>
 </a:theme>
+</file>
+
+<file path=ppt/theme/theme2.xml><?xml version="1.0" encoding="utf-8"?>
+<a:theme xmlns:a="http://schemas.openxmlformats.org/drawingml/2006/main" name="Office Theme">
+  <a:themeElements>
+    <a:clrScheme name="Office">
+      <a:dk1>
+        <a:sysClr val="windowText" lastClr="000000"/>
+      </a:dk1>
+      <a:lt1>
+        <a:sysClr val="window" lastClr="FFFFFF"/>
+      </a:lt1>
+      <a:dk2>
+        <a:srgbClr val="0E2841"/>
+      </a:dk2>
+      <a:lt2>
+        <a:srgbClr val="E8E8E8"/>
+      </a:lt2>
+      <a:accent1>
+        <a:srgbClr val="156082"/>
+      </a:accent1>
+      <a:accent2>
+        <a:srgbClr val="E97132"/>
+      </a:accent2>
+      <a:accent3>
+        <a:srgbClr val="196B24"/>
+      </a:accent3>
+      <a:accent4>
+        <a:srgbClr val="0F9ED5"/>
+      </a:accent4>
+      <a:accent5>
+        <a:srgbClr val="A02B93"/>
+      </a:accent5>
+      <a:accent6>
+        <a:srgbClr val="4EA72E"/>
+      </a:accent6>
+      <a:hlink>
+        <a:srgbClr val="467886"/>
+      </a:hlink>
+      <a:folHlink>
+        <a:srgbClr val="96607D"/>
+      </a:folHlink>
+    </a:clrScheme>
+    <a:fontScheme name="Office">
+      <a:majorFont>
+        <a:latin typeface="Aptos Display" panose="02110004020202020204"/>
+        <a:ea typeface=""/>
+        <a:cs typeface=""/>
+        <a:font script="Jpan" typeface="游ゴシック Light"/>
+        <a:font script="Hang" typeface="맑은 고딕"/>
+        <a:font script="Hans" typeface="等线 Light"/>
+        <a:font script="Hant" typeface="新細明體"/>
+        <a:font script="Arab" typeface="Times New Roman"/>
+        <a:font script="Hebr" typeface="Times New Roman"/>
+        <a:font script="Thai" typeface="Angsana New"/>
+        <a:font script="Ethi" typeface="Nyala"/>
+        <a:font script="Beng" typeface="Vrinda"/>
+        <a:font script="Gujr" typeface="Shruti"/>
+        <a:font script="Khmr" typeface="MoolBoran"/>
+        <a:font script="Knda" typeface="Tunga"/>
+        <a:font script="Guru" typeface="Raavi"/>
+        <a:font script="Cans" typeface="Euphemia"/>
+        <a:font script="Cher" typeface="Plantagenet Cherokee"/>
+        <a:font script="Yiii" typeface="Microsoft Yi Baiti"/>
+        <a:font script="Tibt" typeface="Microsoft Himalaya"/>
+        <a:font script="Thaa" typeface="MV Boli"/>
+        <a:font script="Deva" typeface="Mangal"/>
+        <a:font script="Telu" typeface="Gautami"/>
+        <a:font script="Taml" typeface="Latha"/>
+        <a:font script="Syrc" typeface="Estrangelo Edessa"/>
+        <a:font script="Orya" typeface="Kalinga"/>
+        <a:font script="Mlym" typeface="Kartika"/>
+        <a:font script="Laoo" typeface="DokChampa"/>
+        <a:font script="Sinh" typeface="Iskoola Pota"/>
+        <a:font script="Mong" typeface="Mongolian Baiti"/>
+        <a:font script="Viet" typeface="Times New Roman"/>
+        <a:font script="Uigh" typeface="Microsoft Uighur"/>
+        <a:font script="Geor" typeface="Sylfaen"/>
+        <a:font script="Armn" typeface="Arial"/>
+        <a:font script="Bugi" typeface="Leelawadee UI"/>
+        <a:font script="Bopo" typeface="Microsoft JhengHei"/>
+        <a:font script="Java" typeface="Javanese Text"/>
+        <a:font script="Lisu" typeface="Segoe UI"/>
+        <a:font script="Mymr" typeface="Myanmar Text"/>
+        <a:font script="Nkoo" typeface="Ebrima"/>
+        <a:font script="Olck" typeface="Nirmala UI"/>
+        <a:font script="Osma" typeface="Ebrima"/>
+        <a:font script="Phag" typeface="Phagspa"/>
+        <a:font script="Syrn" typeface="Estrangelo Edessa"/>
+        <a:font script="Syrj" typeface="Estrangelo Edessa"/>
+        <a:font script="Syre" typeface="Estrangelo Edessa"/>
+        <a:font script="Sora" typeface="Nirmala UI"/>
+        <a:font script="Tale" typeface="Microsoft Tai Le"/>
+        <a:font script="Talu" typeface="Microsoft New Tai Lue"/>
+        <a:font script="Tfng" typeface="Ebrima"/>
+      </a:majorFont>
+      <a:minorFont>
+        <a:latin typeface="Aptos" panose="02110004020202020204"/>
+        <a:ea typeface=""/>
+        <a:cs typeface=""/>
+        <a:font script="Jpan" typeface="游ゴシック"/>
+        <a:font script="Hang" typeface="맑은 고딕"/>
+        <a:font script="Hans" typeface="等线"/>
+        <a:font script="Hant" typeface="新細明體"/>
+        <a:font script="Arab" typeface="Arial"/>
+        <a:font script="Hebr" typeface="Arial"/>
+        <a:font script="Thai" typeface="Cordia New"/>
+        <a:font script="Ethi" typeface="Nyala"/>
+        <a:font script="Beng" typeface="Vrinda"/>
+        <a:font script="Gujr" typeface="Shruti"/>
+        <a:font script="Khmr" typeface="DaunPenh"/>
+        <a:font script="Knda" typeface="Tunga"/>
+        <a:font script="Guru" typeface="Raavi"/>
+        <a:font script="Cans" typeface="Euphemia"/>
+        <a:font script="Cher" typeface="Plantagenet Cherokee"/>
+        <a:font script="Yiii" typeface="Microsoft Yi Baiti"/>
+        <a:font script="Tibt" typeface="Microsoft Himalaya"/>
+        <a:font script="Thaa" typeface="MV Boli"/>
+        <a:font script="Deva" typeface="Mangal"/>
+        <a:font script="Telu" typeface="Gautami"/>
+        <a:font script="Taml" typeface="Latha"/>
+        <a:font script="Syrc" typeface="Estrangelo Edessa"/>
+        <a:font script="Orya" typeface="Kalinga"/>
+        <a:font script="Mlym" typeface="Kartika"/>
+        <a:font script="Laoo" typeface="DokChampa"/>
+        <a:font script="Sinh" typeface="Iskoola Pota"/>
+        <a:font script="Mong" typeface="Mongolian Baiti"/>
+        <a:font script="Viet" typeface="Arial"/>
+        <a:font script="Uigh" typeface="Microsoft Uighur"/>
+        <a:font script="Geor" typeface="Sylfaen"/>
+        <a:font script="Armn" typeface="Arial"/>
+        <a:font script="Bugi" typeface="Leelawadee UI"/>
+        <a:font script="Bopo" typeface="Microsoft JhengHei"/>
+        <a:font script="Java" typeface="Javanese Text"/>
+        <a:font script="Lisu" typeface="Segoe UI"/>
+        <a:font script="Mymr" typeface="Myanmar Text"/>
+        <a:font script="Nkoo" typeface="Ebrima"/>
+        <a:font script="Olck" typeface="Nirmala UI"/>
+        <a:font script="Osma" typeface="Ebrima"/>
+        <a:font script="Phag" typeface="Phagspa"/>
+        <a:font script="Syrn" typeface="Estrangelo Edessa"/>
+        <a:font script="Syrj" typeface="Estrangelo Edessa"/>
+        <a:font script="Syre" typeface="Estrangelo Edessa"/>
+        <a:font script="Sora" typeface="Nirmala UI"/>
+        <a:font script="Tale" typeface="Microsoft Tai Le"/>
+        <a:font script="Talu" typeface="Microsoft New Tai Lue"/>
+        <a:font script="Tfng" typeface="Ebrima"/>
+      </a:minorFont>
+    </a:fontScheme>
+    <a:fmtScheme name="Office">
+      <a:fillStyleLst>
+        <a:solidFill>
+          <a:schemeClr val="phClr"/>
+        </a:solidFill>
+        <a:gradFill rotWithShape="1">
+          <a:gsLst>
+            <a:gs pos="0">
+              <a:schemeClr val="phClr">
+                <a:lumMod val="110000"/>
+                <a:satMod val="105000"/>
+                <a:tint val="67000"/>
+              </a:schemeClr>
+            </a:gs>
+            <a:gs pos="50000">
+              <a:schemeClr val="phClr">
+                <a:lumMod val="105000"/>
+                <a:satMod val="103000"/>
+                <a:tint val="73000"/>
+              </a:schemeClr>
+            </a:gs>
+            <a:gs pos="100000">
+              <a:schemeClr val="phClr">
+                <a:lumMod val="105000"/>
+                <a:satMod val="109000"/>
+                <a:tint val="81000"/>
+              </a:schemeClr>
+            </a:gs>
+          </a:gsLst>
+          <a:lin ang="5400000" scaled="0"/>
+        </a:gradFill>
+        <a:gradFill rotWithShape="1">
+          <a:gsLst>
+            <a:gs pos="0">
+              <a:schemeClr val="phClr">
+                <a:satMod val="103000"/>
+                <a:lumMod val="102000"/>
+                <a:tint val="94000"/>
+              </a:schemeClr>
+            </a:gs>
+            <a:gs pos="50000">
+              <a:schemeClr val="phClr">
+                <a:satMod val="110000"/>
+                <a:lumMod val="100000"/>
+                <a:shade val="100000"/>
+              </a:schemeClr>
+            </a:gs>
+            <a:gs pos="100000">
+              <a:schemeClr val="phClr">
+                <a:lumMod val="99000"/>
+                <a:satMod val="120000"/>
+                <a:shade val="78000"/>
+              </a:schemeClr>
+            </a:gs>
+          </a:gsLst>
+          <a:lin ang="5400000" scaled="0"/>
+        </a:gradFill>
+      </a:fillStyleLst>
+      <a:lnStyleLst>
+        <a:ln w="12700" cap="flat" cmpd="sng" algn="ctr">
+          <a:solidFill>
+            <a:schemeClr val="phClr"/>
+          </a:solidFill>
+          <a:prstDash val="solid"/>
+          <a:miter lim="800000"/>
+        </a:ln>
+        <a:ln w="19050" cap="flat" cmpd="sng" algn="ctr">
+          <a:solidFill>
+            <a:schemeClr val="phClr"/>
+          </a:solidFill>
+          <a:prstDash val="solid"/>
+          <a:miter lim="800000"/>
+        </a:ln>
+        <a:ln w="25400" cap="flat" cmpd="sng" algn="ctr">
+          <a:solidFill>
+            <a:schemeClr val="phClr"/>
+          </a:solidFill>
+          <a:prstDash val="solid"/>
+          <a:miter lim="800000"/>
+        </a:ln>
+      </a:lnStyleLst>
+      <a:effectStyleLst>
+        <a:effectStyle>
+          <a:effectLst/>
+        </a:effectStyle>
+        <a:effectStyle>
+          <a:effectLst/>
+        </a:effectStyle>
+        <a:effectStyle>
+          <a:effectLst>
+            <a:outerShdw blurRad="57150" dist="19050" dir="5400000" algn="ctr" rotWithShape="0">
+              <a:srgbClr val="000000">
+                <a:alpha val="63000"/>
+              </a:srgbClr>
+            </a:outerShdw>
+          </a:effectLst>
+        </a:effectStyle>
+      </a:effectStyleLst>
+      <a:bgFillStyleLst>
+        <a:solidFill>
+          <a:schemeClr val="phClr"/>
+        </a:solidFill>
+        <a:solidFill>
+          <a:schemeClr val="phClr">
+            <a:tint val="95000"/>
+            <a:satMod val="170000"/>
+          </a:schemeClr>
+        </a:solidFill>
+        <a:gradFill rotWithShape="1">
+          <a:gsLst>
+            <a:gs pos="0">
+              <a:schemeClr val="phClr">
+                <a:tint val="93000"/>
+                <a:satMod val="150000"/>
+                <a:shade val="98000"/>
+                <a:lumMod val="102000"/>
+              </a:schemeClr>
+            </a:gs>
+            <a:gs pos="50000">
+              <a:schemeClr val="phClr">
+                <a:tint val="98000"/>
+                <a:satMod val="130000"/>
+                <a:shade val="90000"/>
+                <a:lumMod val="103000"/>
+              </a:schemeClr>
+            </a:gs>
+            <a:gs pos="100000">
+              <a:schemeClr val="phClr">
+                <a:shade val="63000"/>
+                <a:satMod val="120000"/>
+              </a:schemeClr>
+            </a:gs>
+          </a:gsLst>
+          <a:lin ang="5400000" scaled="0"/>
+        </a:gradFill>
+      </a:bgFillStyleLst>
+    </a:fmtScheme>
+  </a:themeElements>
+  <a:objectDefaults>
+    <a:lnDef>
+      <a:spPr/>
+      <a:bodyPr/>
+      <a:lstStyle/>
+      <a:style>
+        <a:lnRef idx="2">
+          <a:schemeClr val="accent1"/>
+        </a:lnRef>
+        <a:fillRef idx="0">
+          <a:schemeClr val="accent1"/>
+        </a:fillRef>
+        <a:effectRef idx="1">
+          <a:schemeClr val="accent1"/>
+        </a:effectRef>
+        <a:fontRef idx="minor">
+          <a:schemeClr val="tx1"/>
+        </a:fontRef>
+      </a:style>
+    </a:lnDef>
+  </a:objectDefaults>
+  <a:extraClrSchemeLst/>
+  <a:extLst>
+    <a:ext uri="{05A4C25C-085E-4340-85A3-A5531E510DB2}">
+      <thm15:themeFamily xmlns:thm15="http://schemas.microsoft.com/office/thememl/2012/main" name="Office Theme" id="{2E142A2C-CD16-42D6-873A-C26D2A0506FA}" vid="{1BDDFF52-6CD6-40A5-AB3C-68EB2F1E4D0A}"/>
+    </a:ext>
+  </a:extLst>
+</a:theme>
 </file>